--- a/O3653-3 Deep Dive into Office 365 APIs for OneDrive for Business/O3653-3 Deep Dive into Office 365 APIs for OneDrive for Business.pptx
+++ b/O3653-3 Deep Dive into Office 365 APIs for OneDrive for Business/O3653-3 Deep Dive into Office 365 APIs for OneDrive for Business.pptx
@@ -339,7 +339,7 @@
           <a:p>
             <a:fld id="{DE219B1A-AE41-483B-A766-69B9363DDA6A}" type="datetimeFigureOut">
               <a:rPr lang="en-US" smtClean="0"/>
-              <a:t>9/3/2014</a:t>
+              <a:t>9/29/2014</a:t>
             </a:fld>
             <a:endParaRPr lang="en-US"/>
           </a:p>
@@ -621,7 +621,7 @@
           <a:p>
             <a:fld id="{D51B1278-D92B-4AF3-A9C1-71DD298190CE}" type="datetimeFigureOut">
               <a:rPr lang="en-US" smtClean="0"/>
-              <a:t>9/3/2014</a:t>
+              <a:t>9/29/2014</a:t>
             </a:fld>
             <a:endParaRPr lang="en-US"/>
           </a:p>
@@ -1239,7 +1239,7 @@
                 </a:solidFill>
               </a:rPr>
               <a:pPr/>
-              <a:t>9/3/2014</a:t>
+              <a:t>9/29/2014</a:t>
             </a:fld>
             <a:endParaRPr lang="en-US" dirty="0">
               <a:solidFill>
@@ -1362,19 +1362,7 @@
           <a:p>
             <a:r>
               <a:rPr lang="en-US" dirty="0" smtClean="0"/>
-              <a:t>No support for $skip</a:t>
-            </a:r>
-            <a:r>
-              <a:rPr lang="en-US" baseline="0" dirty="0" smtClean="0"/>
-              <a:t> and $</a:t>
-            </a:r>
-            <a:r>
-              <a:rPr lang="en-US" baseline="0" dirty="0" err="1" smtClean="0"/>
-              <a:t>orderby</a:t>
-            </a:r>
-            <a:r>
-              <a:rPr lang="en-US" baseline="0" dirty="0" smtClean="0"/>
-              <a:t> so paging is post-query</a:t>
+              <a:t>Note that the OneDrive URI is hard-coded just for clarity. Normally, you would get this from the discover service.</a:t>
             </a:r>
             <a:endParaRPr lang="en-US" dirty="0"/>
           </a:p>
@@ -1395,9 +1383,9 @@
           <a:bodyPr/>
           <a:lstStyle/>
           <a:p>
-            <a:fld id="{9F6C2A45-62A9-453C-B1A0-E9BD4232256A}" type="datetime1">
+            <a:fld id="{1A5C2C3A-D50C-4B9F-A685-57400100D200}" type="datetime1">
               <a:rPr lang="en-US" smtClean="0"/>
-              <a:t>9/3/2014</a:t>
+              <a:t>9/29/2014</a:t>
             </a:fld>
             <a:endParaRPr lang="en-US"/>
           </a:p>
@@ -1420,7 +1408,7 @@
           <a:p>
             <a:fld id="{B4008EB6-D09E-4580-8CD6-DDB14511944F}" type="slidenum">
               <a:rPr lang="en-US" smtClean="0"/>
-              <a:t>20</a:t>
+              <a:t>19</a:t>
             </a:fld>
             <a:endParaRPr lang="en-US" dirty="0"/>
           </a:p>
@@ -1528,7 +1516,7 @@
     </p:spTree>
     <p:extLst>
       <p:ext uri="{BB962C8B-B14F-4D97-AF65-F5344CB8AC3E}">
-        <p14:creationId xmlns:p14="http://schemas.microsoft.com/office/powerpoint/2010/main" val="185922338"/>
+        <p14:creationId xmlns:p14="http://schemas.microsoft.com/office/powerpoint/2010/main" val="210023372"/>
       </p:ext>
     </p:extLst>
   </p:cSld>
@@ -1582,18 +1570,59 @@
           <a:bodyPr/>
           <a:lstStyle/>
           <a:p>
+            <a:r>
+              <a:rPr lang="en-US" dirty="0" smtClean="0"/>
+              <a:t>No support for $skip</a:t>
+            </a:r>
+            <a:r>
+              <a:rPr lang="en-US" baseline="0" dirty="0" smtClean="0"/>
+              <a:t> and $</a:t>
+            </a:r>
+            <a:r>
+              <a:rPr lang="en-US" baseline="0" dirty="0" err="1" smtClean="0"/>
+              <a:t>orderby</a:t>
+            </a:r>
+            <a:r>
+              <a:rPr lang="en-US" baseline="0" dirty="0" smtClean="0"/>
+              <a:t> so paging is post-query</a:t>
+            </a:r>
+          </a:p>
+          <a:p>
+            <a:pPr marL="0" marR="0" indent="0" algn="l" defTabSz="914363" rtl="0" eaLnBrk="1" fontAlgn="auto" latinLnBrk="0" hangingPunct="1">
+              <a:lnSpc>
+                <a:spcPct val="90000"/>
+              </a:lnSpc>
+              <a:spcBef>
+                <a:spcPts val="0"/>
+              </a:spcBef>
+              <a:spcAft>
+                <a:spcPts val="333"/>
+              </a:spcAft>
+              <a:buClrTx/>
+              <a:buSzTx/>
+              <a:buFontTx/>
+              <a:buNone/>
+              <a:tabLst/>
+              <a:defRPr/>
+            </a:pPr>
+            <a:r>
+              <a:rPr lang="en-US" dirty="0" smtClean="0"/>
+              <a:t>Note that the OneDrive URI is hard-coded just for clarity. Normally, you would get this from the discover service.</a:t>
+            </a:r>
+          </a:p>
+          <a:p>
             <a:endParaRPr lang="en-US" dirty="0"/>
           </a:p>
         </p:txBody>
       </p:sp>
       <p:sp>
         <p:nvSpPr>
-          <p:cNvPr id="4" name="Footer Placeholder 3"/>
-          <p:cNvSpPr>
-            <a:spLocks noGrp="1"/>
-          </p:cNvSpPr>
-          <p:nvPr>
-            <p:ph type="ftr" sz="quarter" idx="10"/>
+          <p:cNvPr id="4" name="Date Placeholder 3"/>
+          <p:cNvSpPr>
+            <a:spLocks noGrp="1"/>
+          </p:cNvSpPr>
+          <p:nvPr>
+            <p:ph type="dt" idx="10"/>
           </p:nvPr>
         </p:nvSpPr>
         <p:spPr/>
@@ -1601,16 +1630,85 @@
           <a:bodyPr/>
           <a:lstStyle/>
           <a:p>
-            <a:pPr defTabSz="914099" eaLnBrk="0" hangingPunct="0"/>
-            <a:r>
-              <a:rPr lang="en-US" sz="400" smtClean="0">
+            <a:fld id="{9F6C2A45-62A9-453C-B1A0-E9BD4232256A}" type="datetime1">
+              <a:rPr lang="en-US" smtClean="0"/>
+              <a:t>9/29/2014</a:t>
+            </a:fld>
+            <a:endParaRPr lang="en-US"/>
+          </a:p>
+        </p:txBody>
+      </p:sp>
+      <p:sp>
+        <p:nvSpPr>
+          <p:cNvPr id="5" name="Slide Number Placeholder 4"/>
+          <p:cNvSpPr>
+            <a:spLocks noGrp="1"/>
+          </p:cNvSpPr>
+          <p:nvPr>
+            <p:ph type="sldNum" sz="quarter" idx="11"/>
+          </p:nvPr>
+        </p:nvSpPr>
+        <p:spPr/>
+        <p:txBody>
+          <a:bodyPr/>
+          <a:lstStyle/>
+          <a:p>
+            <a:fld id="{B4008EB6-D09E-4580-8CD6-DDB14511944F}" type="slidenum">
+              <a:rPr lang="en-US" smtClean="0"/>
+              <a:t>20</a:t>
+            </a:fld>
+            <a:endParaRPr lang="en-US" dirty="0"/>
+          </a:p>
+        </p:txBody>
+      </p:sp>
+      <p:sp>
+        <p:nvSpPr>
+          <p:cNvPr id="6" name="Header Placeholder 5"/>
+          <p:cNvSpPr>
+            <a:spLocks noGrp="1"/>
+          </p:cNvSpPr>
+          <p:nvPr>
+            <p:ph type="hdr" sz="quarter" idx="12"/>
+          </p:nvPr>
+        </p:nvSpPr>
+        <p:spPr/>
+        <p:txBody>
+          <a:bodyPr/>
+          <a:lstStyle/>
+          <a:p>
+            <a:r>
+              <a:rPr lang="en-US" smtClean="0"/>
+              <a:t>Microsoft Office</a:t>
+            </a:r>
+            <a:endParaRPr lang="en-US" dirty="0"/>
+          </a:p>
+        </p:txBody>
+      </p:sp>
+      <p:sp>
+        <p:nvSpPr>
+          <p:cNvPr id="7" name="Footer Placeholder 6"/>
+          <p:cNvSpPr>
+            <a:spLocks noGrp="1"/>
+          </p:cNvSpPr>
+          <p:nvPr>
+            <p:ph type="ftr" sz="quarter" idx="13"/>
+          </p:nvPr>
+        </p:nvSpPr>
+        <p:spPr/>
+        <p:txBody>
+          <a:bodyPr/>
+          <a:lstStyle/>
+          <a:p>
+            <a:pPr marL="231775" defTabSz="914099" eaLnBrk="0" hangingPunct="0"/>
+            <a:r>
+              <a:rPr lang="en-US" sz="500" smtClean="0">
                 <a:gradFill>
                   <a:gsLst>
                     <a:gs pos="0">
-                      <a:prstClr val="black"/>
+                      <a:schemeClr val="tx1"/>
                     </a:gs>
                     <a:gs pos="100000">
-                      <a:prstClr val="black"/>
+                      <a:schemeClr val="tx1"/>
                     </a:gs>
                   </a:gsLst>
                   <a:lin ang="5400000" scaled="0"/>
@@ -1619,16 +1717,38 @@
                 <a:ea typeface="Segoe UI" pitchFamily="34" charset="0"/>
                 <a:cs typeface="Segoe UI" pitchFamily="34" charset="0"/>
               </a:rPr>
-              <a:t>© 2014 Microsoft Corporation. All rights reserved. Microsoft, Windows, and other product names are or may be registered trademarks and/or trademarks in the U.S. and/or other countries. The information herein is for informational purposes only and represents the current view of Microsoft Corporation as of the date of this presentation.  Because Microsoft must respond to changing market conditions, it should not be interpreted to be a commitment on the part of Microsoft, and Microsoft cannot guarantee the accuracy of any information provided after the date of this presentation.  MICROSOFT MAKES NO WARRANTIES, EXPRESS, IMPLIED OR STATUTORY, AS TO THE INFORMATION IN THIS PRESENTATION.</a:t>
-            </a:r>
-            <a:endParaRPr lang="en-US" sz="400" dirty="0" smtClean="0">
+              <a:t>© 2012 Microsoft Corporation. All rights reserved. Microsoft, Windows, and other product names are or may be registered trademarks and/or trademarks in the U.S. and/or other countries.</a:t>
+            </a:r>
+          </a:p>
+          <a:p>
+            <a:pPr marL="231775" defTabSz="914099" eaLnBrk="0" hangingPunct="0"/>
+            <a:r>
+              <a:rPr lang="en-US" sz="500" smtClean="0">
+                <a:gradFill>
+                  <a:gsLst>
+                    <a:gs pos="0">
+                      <a:schemeClr val="tx1"/>
+                    </a:gs>
+                    <a:gs pos="100000">
+                      <a:schemeClr val="tx1"/>
+                    </a:gs>
+                  </a:gsLst>
+                  <a:lin ang="5400000" scaled="0"/>
+                </a:gradFill>
+                <a:latin typeface="Segoe UI" pitchFamily="34" charset="0"/>
+                <a:ea typeface="Segoe UI" pitchFamily="34" charset="0"/>
+                <a:cs typeface="Segoe UI" pitchFamily="34" charset="0"/>
+              </a:rPr>
+              <a:t>The information herein is for informational purposes only and represents the current view of Microsoft Corporation as of the date of this presentation.  Because Microsoft must respond to changing market conditions, it should not be interpreted to be a commitment on the part of Microsoft, and Microsoft cannot guarantee the accuracy of any information provided after the date of this presentation.  MICROSOFT MAKES NO WARRANTIES, EXPRESS, IMPLIED OR STATUTORY, AS TO THE INFORMATION IN THIS PRESENTATION.</a:t>
+            </a:r>
+            <a:endParaRPr lang="en-US" sz="500" dirty="0">
               <a:gradFill>
                 <a:gsLst>
                   <a:gs pos="0">
-                    <a:prstClr val="black"/>
+                    <a:schemeClr val="tx1"/>
                   </a:gs>
                   <a:gs pos="100000">
-                    <a:prstClr val="black"/>
+                    <a:schemeClr val="tx1"/>
                   </a:gs>
                 </a:gsLst>
                 <a:lin ang="5400000" scaled="0"/>
@@ -1640,80 +1760,10 @@
           </a:p>
         </p:txBody>
       </p:sp>
-      <p:sp>
-        <p:nvSpPr>
-          <p:cNvPr id="5" name="Date Placeholder 4"/>
-          <p:cNvSpPr>
-            <a:spLocks noGrp="1"/>
-          </p:cNvSpPr>
-          <p:nvPr>
-            <p:ph type="dt" idx="11"/>
-          </p:nvPr>
-        </p:nvSpPr>
-        <p:spPr/>
-        <p:txBody>
-          <a:bodyPr/>
-          <a:lstStyle/>
-          <a:p>
-            <a:fld id="{B079C3B8-7366-4A44-A34B-3977080C19E7}" type="datetime1">
-              <a:rPr lang="en-US" smtClean="0"/>
-              <a:t>9/3/2014</a:t>
-            </a:fld>
-            <a:endParaRPr lang="en-US" dirty="0"/>
-          </a:p>
-        </p:txBody>
-      </p:sp>
-      <p:sp>
-        <p:nvSpPr>
-          <p:cNvPr id="6" name="Slide Number Placeholder 5"/>
-          <p:cNvSpPr>
-            <a:spLocks noGrp="1"/>
-          </p:cNvSpPr>
-          <p:nvPr>
-            <p:ph type="sldNum" sz="quarter" idx="12"/>
-          </p:nvPr>
-        </p:nvSpPr>
-        <p:spPr/>
-        <p:txBody>
-          <a:bodyPr/>
-          <a:lstStyle/>
-          <a:p>
-            <a:fld id="{B4008EB6-D09E-4580-8CD6-DDB14511944F}" type="slidenum">
-              <a:rPr lang="en-US" smtClean="0"/>
-              <a:pPr/>
-              <a:t>24</a:t>
-            </a:fld>
-            <a:endParaRPr lang="en-US" dirty="0"/>
-          </a:p>
-        </p:txBody>
-      </p:sp>
-      <p:sp>
-        <p:nvSpPr>
-          <p:cNvPr id="7" name="Header Placeholder 6"/>
-          <p:cNvSpPr>
-            <a:spLocks noGrp="1"/>
-          </p:cNvSpPr>
-          <p:nvPr>
-            <p:ph type="hdr" sz="quarter" idx="13"/>
-          </p:nvPr>
-        </p:nvSpPr>
-        <p:spPr/>
-        <p:txBody>
-          <a:bodyPr/>
-          <a:lstStyle/>
-          <a:p>
-            <a:r>
-              <a:rPr lang="en-US" smtClean="0"/>
-              <a:t>Build 2014</a:t>
-            </a:r>
-            <a:endParaRPr lang="en-US" dirty="0"/>
-          </a:p>
-        </p:txBody>
-      </p:sp>
     </p:spTree>
     <p:extLst>
       <p:ext uri="{BB962C8B-B14F-4D97-AF65-F5344CB8AC3E}">
-        <p14:creationId xmlns:p14="http://schemas.microsoft.com/office/powerpoint/2010/main" val="2880687264"/>
+        <p14:creationId xmlns:p14="http://schemas.microsoft.com/office/powerpoint/2010/main" val="185922338"/>
       </p:ext>
     </p:extLst>
   </p:cSld>
@@ -1767,70 +1817,127 @@
           <a:bodyPr/>
           <a:lstStyle/>
           <a:p>
-            <a:endParaRPr lang="en-US"/>
-          </a:p>
-        </p:txBody>
-      </p:sp>
-      <p:sp>
-        <p:nvSpPr>
-          <p:cNvPr id="4" name="Header Placeholder 3"/>
-          <p:cNvSpPr>
-            <a:spLocks noGrp="1"/>
-          </p:cNvSpPr>
-          <p:nvPr>
-            <p:ph type="hdr" sz="quarter" idx="10"/>
-          </p:nvPr>
-        </p:nvSpPr>
-        <p:spPr>
-          <a:xfrm>
-            <a:off x="0" y="0"/>
-            <a:ext cx="2971800" cy="457200"/>
-          </a:xfrm>
-          <a:prstGeom prst="rect">
-            <a:avLst/>
-          </a:prstGeom>
-        </p:spPr>
+            <a:pPr marL="0" marR="0" indent="0" algn="l" defTabSz="914363" rtl="0" eaLnBrk="1" fontAlgn="auto" latinLnBrk="0" hangingPunct="1">
+              <a:lnSpc>
+                <a:spcPct val="90000"/>
+              </a:lnSpc>
+              <a:spcBef>
+                <a:spcPts val="0"/>
+              </a:spcBef>
+              <a:spcAft>
+                <a:spcPts val="333"/>
+              </a:spcAft>
+              <a:buClrTx/>
+              <a:buSzTx/>
+              <a:buFontTx/>
+              <a:buNone/>
+              <a:tabLst/>
+              <a:defRPr/>
+            </a:pPr>
+            <a:r>
+              <a:rPr lang="en-US" dirty="0" smtClean="0"/>
+              <a:t>Note that the OneDrive URI is hard-coded just for clarity. Normally, you would get this from the discover service.</a:t>
+            </a:r>
+          </a:p>
+          <a:p>
+            <a:endParaRPr lang="en-US" dirty="0"/>
+          </a:p>
+        </p:txBody>
+      </p:sp>
+      <p:sp>
+        <p:nvSpPr>
+          <p:cNvPr id="4" name="Date Placeholder 3"/>
+          <p:cNvSpPr>
+            <a:spLocks noGrp="1"/>
+          </p:cNvSpPr>
+          <p:nvPr>
+            <p:ph type="dt" idx="10"/>
+          </p:nvPr>
+        </p:nvSpPr>
+        <p:spPr/>
         <p:txBody>
           <a:bodyPr/>
           <a:lstStyle/>
           <a:p>
-            <a:endParaRPr lang="en-US" dirty="0"/>
-          </a:p>
-        </p:txBody>
-      </p:sp>
-      <p:sp>
-        <p:nvSpPr>
-          <p:cNvPr id="5" name="Footer Placeholder 4"/>
-          <p:cNvSpPr>
-            <a:spLocks noGrp="1"/>
-          </p:cNvSpPr>
-          <p:nvPr>
-            <p:ph type="ftr" sz="quarter" idx="11"/>
-          </p:nvPr>
-        </p:nvSpPr>
-        <p:spPr>
-          <a:xfrm>
-            <a:off x="0" y="8686800"/>
-            <a:ext cx="5920740" cy="355964"/>
-          </a:xfrm>
-          <a:prstGeom prst="rect">
-            <a:avLst/>
-          </a:prstGeom>
-        </p:spPr>
+            <a:fld id="{4A523DA0-D7F9-40C8-93F2-955D0B90721A}" type="datetime1">
+              <a:rPr lang="en-US" smtClean="0"/>
+              <a:t>9/29/2014</a:t>
+            </a:fld>
+            <a:endParaRPr lang="en-US"/>
+          </a:p>
+        </p:txBody>
+      </p:sp>
+      <p:sp>
+        <p:nvSpPr>
+          <p:cNvPr id="5" name="Slide Number Placeholder 4"/>
+          <p:cNvSpPr>
+            <a:spLocks noGrp="1"/>
+          </p:cNvSpPr>
+          <p:nvPr>
+            <p:ph type="sldNum" sz="quarter" idx="11"/>
+          </p:nvPr>
+        </p:nvSpPr>
+        <p:spPr/>
         <p:txBody>
           <a:bodyPr/>
           <a:lstStyle/>
           <a:p>
-            <a:pPr defTabSz="914099" eaLnBrk="0" hangingPunct="0"/>
-            <a:r>
-              <a:rPr lang="en-US" sz="400" smtClean="0">
+            <a:fld id="{B4008EB6-D09E-4580-8CD6-DDB14511944F}" type="slidenum">
+              <a:rPr lang="en-US" smtClean="0"/>
+              <a:t>21</a:t>
+            </a:fld>
+            <a:endParaRPr lang="en-US" dirty="0"/>
+          </a:p>
+        </p:txBody>
+      </p:sp>
+      <p:sp>
+        <p:nvSpPr>
+          <p:cNvPr id="6" name="Header Placeholder 5"/>
+          <p:cNvSpPr>
+            <a:spLocks noGrp="1"/>
+          </p:cNvSpPr>
+          <p:nvPr>
+            <p:ph type="hdr" sz="quarter" idx="12"/>
+          </p:nvPr>
+        </p:nvSpPr>
+        <p:spPr/>
+        <p:txBody>
+          <a:bodyPr/>
+          <a:lstStyle/>
+          <a:p>
+            <a:r>
+              <a:rPr lang="en-US" smtClean="0"/>
+              <a:t>Microsoft Office</a:t>
+            </a:r>
+            <a:endParaRPr lang="en-US" dirty="0"/>
+          </a:p>
+        </p:txBody>
+      </p:sp>
+      <p:sp>
+        <p:nvSpPr>
+          <p:cNvPr id="7" name="Footer Placeholder 6"/>
+          <p:cNvSpPr>
+            <a:spLocks noGrp="1"/>
+          </p:cNvSpPr>
+          <p:nvPr>
+            <p:ph type="ftr" sz="quarter" idx="13"/>
+          </p:nvPr>
+        </p:nvSpPr>
+        <p:spPr/>
+        <p:txBody>
+          <a:bodyPr/>
+          <a:lstStyle/>
+          <a:p>
+            <a:pPr marL="231775" defTabSz="914099" eaLnBrk="0" hangingPunct="0"/>
+            <a:r>
+              <a:rPr lang="en-US" sz="500" smtClean="0">
                 <a:gradFill>
                   <a:gsLst>
                     <a:gs pos="0">
-                      <a:prstClr val="black"/>
+                      <a:schemeClr val="tx1"/>
                     </a:gs>
                     <a:gs pos="100000">
-                      <a:prstClr val="black"/>
+                      <a:schemeClr val="tx1"/>
                     </a:gs>
                   </a:gsLst>
                   <a:lin ang="5400000" scaled="0"/>
@@ -1843,16 +1950,16 @@
             </a:r>
           </a:p>
           <a:p>
-            <a:pPr defTabSz="914099" eaLnBrk="0" hangingPunct="0"/>
-            <a:r>
-              <a:rPr lang="en-US" sz="400" smtClean="0">
+            <a:pPr marL="231775" defTabSz="914099" eaLnBrk="0" hangingPunct="0"/>
+            <a:r>
+              <a:rPr lang="en-US" sz="500" smtClean="0">
                 <a:gradFill>
                   <a:gsLst>
                     <a:gs pos="0">
-                      <a:prstClr val="black"/>
+                      <a:schemeClr val="tx1"/>
                     </a:gs>
                     <a:gs pos="100000">
-                      <a:prstClr val="black"/>
+                      <a:schemeClr val="tx1"/>
                     </a:gs>
                   </a:gsLst>
                   <a:lin ang="5400000" scaled="0"/>
@@ -1862,6 +1969,354 @@
                 <a:cs typeface="Segoe UI" pitchFamily="34" charset="0"/>
               </a:rPr>
               <a:t>The information herein is for informational purposes only and represents the current view of Microsoft Corporation as of the date of this presentation.  Because Microsoft must respond to changing market conditions, it should not be interpreted to be a commitment on the part of Microsoft, and Microsoft cannot guarantee the accuracy of any information provided after the date of this presentation.  MICROSOFT MAKES NO WARRANTIES, EXPRESS, IMPLIED OR STATUTORY, AS TO THE INFORMATION IN THIS PRESENTATION.</a:t>
+            </a:r>
+            <a:endParaRPr lang="en-US" sz="500" dirty="0">
+              <a:gradFill>
+                <a:gsLst>
+                  <a:gs pos="0">
+                    <a:schemeClr val="tx1"/>
+                  </a:gs>
+                  <a:gs pos="100000">
+                    <a:schemeClr val="tx1"/>
+                  </a:gs>
+                </a:gsLst>
+                <a:lin ang="5400000" scaled="0"/>
+              </a:gradFill>
+              <a:latin typeface="Segoe UI" pitchFamily="34" charset="0"/>
+              <a:ea typeface="Segoe UI" pitchFamily="34" charset="0"/>
+              <a:cs typeface="Segoe UI" pitchFamily="34" charset="0"/>
+            </a:endParaRPr>
+          </a:p>
+        </p:txBody>
+      </p:sp>
+    </p:spTree>
+    <p:extLst>
+      <p:ext uri="{BB962C8B-B14F-4D97-AF65-F5344CB8AC3E}">
+        <p14:creationId xmlns:p14="http://schemas.microsoft.com/office/powerpoint/2010/main" val="3646729243"/>
+      </p:ext>
+    </p:extLst>
+  </p:cSld>
+  <p:clrMapOvr>
+    <a:masterClrMapping/>
+  </p:clrMapOvr>
+</p:notes>
+</file>
+
+<file path=ppt/notesSlides/notesSlide14.xml><?xml version="1.0" encoding="utf-8"?>
+<p:notes xmlns:a="http://schemas.openxmlformats.org/drawingml/2006/main" xmlns:r="http://schemas.openxmlformats.org/officeDocument/2006/relationships" xmlns:p="http://schemas.openxmlformats.org/presentationml/2006/main">
+  <p:cSld>
+    <p:spTree>
+      <p:nvGrpSpPr>
+        <p:cNvPr id="1" name=""/>
+        <p:cNvGrpSpPr/>
+        <p:nvPr/>
+      </p:nvGrpSpPr>
+      <p:grpSpPr>
+        <a:xfrm>
+          <a:off x="0" y="0"/>
+          <a:ext cx="0" cy="0"/>
+          <a:chOff x="0" y="0"/>
+          <a:chExt cx="0" cy="0"/>
+        </a:xfrm>
+      </p:grpSpPr>
+      <p:sp>
+        <p:nvSpPr>
+          <p:cNvPr id="2" name="Slide Image Placeholder 1"/>
+          <p:cNvSpPr>
+            <a:spLocks noGrp="1" noRot="1" noChangeAspect="1"/>
+          </p:cNvSpPr>
+          <p:nvPr>
+            <p:ph type="sldImg"/>
+          </p:nvPr>
+        </p:nvSpPr>
+        <p:spPr/>
+      </p:sp>
+      <p:sp>
+        <p:nvSpPr>
+          <p:cNvPr id="3" name="Notes Placeholder 2"/>
+          <p:cNvSpPr>
+            <a:spLocks noGrp="1"/>
+          </p:cNvSpPr>
+          <p:nvPr>
+            <p:ph type="body" idx="1"/>
+          </p:nvPr>
+        </p:nvSpPr>
+        <p:spPr/>
+        <p:txBody>
+          <a:bodyPr/>
+          <a:lstStyle/>
+          <a:p>
+            <a:pPr marL="0" marR="0" indent="0" algn="l" defTabSz="914363" rtl="0" eaLnBrk="1" fontAlgn="auto" latinLnBrk="0" hangingPunct="1">
+              <a:lnSpc>
+                <a:spcPct val="90000"/>
+              </a:lnSpc>
+              <a:spcBef>
+                <a:spcPts val="0"/>
+              </a:spcBef>
+              <a:spcAft>
+                <a:spcPts val="333"/>
+              </a:spcAft>
+              <a:buClrTx/>
+              <a:buSzTx/>
+              <a:buFontTx/>
+              <a:buNone/>
+              <a:tabLst/>
+              <a:defRPr/>
+            </a:pPr>
+            <a:r>
+              <a:rPr lang="en-US" dirty="0" smtClean="0"/>
+              <a:t>Note that the OneDrive URI is hard-coded just for clarity. </a:t>
+            </a:r>
+            <a:r>
+              <a:rPr lang="en-US" smtClean="0"/>
+              <a:t>Normally, you would get this from the discover service.</a:t>
+            </a:r>
+          </a:p>
+          <a:p>
+            <a:endParaRPr lang="en-US"/>
+          </a:p>
+        </p:txBody>
+      </p:sp>
+      <p:sp>
+        <p:nvSpPr>
+          <p:cNvPr id="4" name="Date Placeholder 3"/>
+          <p:cNvSpPr>
+            <a:spLocks noGrp="1"/>
+          </p:cNvSpPr>
+          <p:nvPr>
+            <p:ph type="dt" idx="10"/>
+          </p:nvPr>
+        </p:nvSpPr>
+        <p:spPr/>
+        <p:txBody>
+          <a:bodyPr/>
+          <a:lstStyle/>
+          <a:p>
+            <a:fld id="{1CC0E6A2-9C05-4C6A-B248-617B7C1A9EAE}" type="datetime1">
+              <a:rPr lang="en-US" smtClean="0"/>
+              <a:t>9/29/2014</a:t>
+            </a:fld>
+            <a:endParaRPr lang="en-US"/>
+          </a:p>
+        </p:txBody>
+      </p:sp>
+      <p:sp>
+        <p:nvSpPr>
+          <p:cNvPr id="5" name="Slide Number Placeholder 4"/>
+          <p:cNvSpPr>
+            <a:spLocks noGrp="1"/>
+          </p:cNvSpPr>
+          <p:nvPr>
+            <p:ph type="sldNum" sz="quarter" idx="11"/>
+          </p:nvPr>
+        </p:nvSpPr>
+        <p:spPr/>
+        <p:txBody>
+          <a:bodyPr/>
+          <a:lstStyle/>
+          <a:p>
+            <a:fld id="{B4008EB6-D09E-4580-8CD6-DDB14511944F}" type="slidenum">
+              <a:rPr lang="en-US" smtClean="0"/>
+              <a:t>22</a:t>
+            </a:fld>
+            <a:endParaRPr lang="en-US" dirty="0"/>
+          </a:p>
+        </p:txBody>
+      </p:sp>
+      <p:sp>
+        <p:nvSpPr>
+          <p:cNvPr id="6" name="Header Placeholder 5"/>
+          <p:cNvSpPr>
+            <a:spLocks noGrp="1"/>
+          </p:cNvSpPr>
+          <p:nvPr>
+            <p:ph type="hdr" sz="quarter" idx="12"/>
+          </p:nvPr>
+        </p:nvSpPr>
+        <p:spPr/>
+        <p:txBody>
+          <a:bodyPr/>
+          <a:lstStyle/>
+          <a:p>
+            <a:r>
+              <a:rPr lang="en-US" smtClean="0"/>
+              <a:t>Microsoft Office</a:t>
+            </a:r>
+            <a:endParaRPr lang="en-US" dirty="0"/>
+          </a:p>
+        </p:txBody>
+      </p:sp>
+      <p:sp>
+        <p:nvSpPr>
+          <p:cNvPr id="7" name="Footer Placeholder 6"/>
+          <p:cNvSpPr>
+            <a:spLocks noGrp="1"/>
+          </p:cNvSpPr>
+          <p:nvPr>
+            <p:ph type="ftr" sz="quarter" idx="13"/>
+          </p:nvPr>
+        </p:nvSpPr>
+        <p:spPr/>
+        <p:txBody>
+          <a:bodyPr/>
+          <a:lstStyle/>
+          <a:p>
+            <a:pPr marL="231775" defTabSz="914099" eaLnBrk="0" hangingPunct="0"/>
+            <a:r>
+              <a:rPr lang="en-US" sz="500" smtClean="0">
+                <a:gradFill>
+                  <a:gsLst>
+                    <a:gs pos="0">
+                      <a:schemeClr val="tx1"/>
+                    </a:gs>
+                    <a:gs pos="100000">
+                      <a:schemeClr val="tx1"/>
+                    </a:gs>
+                  </a:gsLst>
+                  <a:lin ang="5400000" scaled="0"/>
+                </a:gradFill>
+                <a:latin typeface="Segoe UI" pitchFamily="34" charset="0"/>
+                <a:ea typeface="Segoe UI" pitchFamily="34" charset="0"/>
+                <a:cs typeface="Segoe UI" pitchFamily="34" charset="0"/>
+              </a:rPr>
+              <a:t>© 2012 Microsoft Corporation. All rights reserved. Microsoft, Windows, and other product names are or may be registered trademarks and/or trademarks in the U.S. and/or other countries.</a:t>
+            </a:r>
+          </a:p>
+          <a:p>
+            <a:pPr marL="231775" defTabSz="914099" eaLnBrk="0" hangingPunct="0"/>
+            <a:r>
+              <a:rPr lang="en-US" sz="500" smtClean="0">
+                <a:gradFill>
+                  <a:gsLst>
+                    <a:gs pos="0">
+                      <a:schemeClr val="tx1"/>
+                    </a:gs>
+                    <a:gs pos="100000">
+                      <a:schemeClr val="tx1"/>
+                    </a:gs>
+                  </a:gsLst>
+                  <a:lin ang="5400000" scaled="0"/>
+                </a:gradFill>
+                <a:latin typeface="Segoe UI" pitchFamily="34" charset="0"/>
+                <a:ea typeface="Segoe UI" pitchFamily="34" charset="0"/>
+                <a:cs typeface="Segoe UI" pitchFamily="34" charset="0"/>
+              </a:rPr>
+              <a:t>The information herein is for informational purposes only and represents the current view of Microsoft Corporation as of the date of this presentation.  Because Microsoft must respond to changing market conditions, it should not be interpreted to be a commitment on the part of Microsoft, and Microsoft cannot guarantee the accuracy of any information provided after the date of this presentation.  MICROSOFT MAKES NO WARRANTIES, EXPRESS, IMPLIED OR STATUTORY, AS TO THE INFORMATION IN THIS PRESENTATION.</a:t>
+            </a:r>
+            <a:endParaRPr lang="en-US" sz="500" dirty="0">
+              <a:gradFill>
+                <a:gsLst>
+                  <a:gs pos="0">
+                    <a:schemeClr val="tx1"/>
+                  </a:gs>
+                  <a:gs pos="100000">
+                    <a:schemeClr val="tx1"/>
+                  </a:gs>
+                </a:gsLst>
+                <a:lin ang="5400000" scaled="0"/>
+              </a:gradFill>
+              <a:latin typeface="Segoe UI" pitchFamily="34" charset="0"/>
+              <a:ea typeface="Segoe UI" pitchFamily="34" charset="0"/>
+              <a:cs typeface="Segoe UI" pitchFamily="34" charset="0"/>
+            </a:endParaRPr>
+          </a:p>
+        </p:txBody>
+      </p:sp>
+    </p:spTree>
+    <p:extLst>
+      <p:ext uri="{BB962C8B-B14F-4D97-AF65-F5344CB8AC3E}">
+        <p14:creationId xmlns:p14="http://schemas.microsoft.com/office/powerpoint/2010/main" val="184553210"/>
+      </p:ext>
+    </p:extLst>
+  </p:cSld>
+  <p:clrMapOvr>
+    <a:masterClrMapping/>
+  </p:clrMapOvr>
+</p:notes>
+</file>
+
+<file path=ppt/notesSlides/notesSlide15.xml><?xml version="1.0" encoding="utf-8"?>
+<p:notes xmlns:a="http://schemas.openxmlformats.org/drawingml/2006/main" xmlns:r="http://schemas.openxmlformats.org/officeDocument/2006/relationships" xmlns:p="http://schemas.openxmlformats.org/presentationml/2006/main">
+  <p:cSld>
+    <p:spTree>
+      <p:nvGrpSpPr>
+        <p:cNvPr id="1" name=""/>
+        <p:cNvGrpSpPr/>
+        <p:nvPr/>
+      </p:nvGrpSpPr>
+      <p:grpSpPr>
+        <a:xfrm>
+          <a:off x="0" y="0"/>
+          <a:ext cx="0" cy="0"/>
+          <a:chOff x="0" y="0"/>
+          <a:chExt cx="0" cy="0"/>
+        </a:xfrm>
+      </p:grpSpPr>
+      <p:sp>
+        <p:nvSpPr>
+          <p:cNvPr id="2" name="Slide Image Placeholder 1"/>
+          <p:cNvSpPr>
+            <a:spLocks noGrp="1" noRot="1" noChangeAspect="1"/>
+          </p:cNvSpPr>
+          <p:nvPr>
+            <p:ph type="sldImg"/>
+          </p:nvPr>
+        </p:nvSpPr>
+        <p:spPr/>
+      </p:sp>
+      <p:sp>
+        <p:nvSpPr>
+          <p:cNvPr id="3" name="Notes Placeholder 2"/>
+          <p:cNvSpPr>
+            <a:spLocks noGrp="1"/>
+          </p:cNvSpPr>
+          <p:nvPr>
+            <p:ph type="body" idx="1"/>
+          </p:nvPr>
+        </p:nvSpPr>
+        <p:spPr/>
+        <p:txBody>
+          <a:bodyPr/>
+          <a:lstStyle/>
+          <a:p>
+            <a:endParaRPr lang="en-US" dirty="0"/>
+          </a:p>
+        </p:txBody>
+      </p:sp>
+      <p:sp>
+        <p:nvSpPr>
+          <p:cNvPr id="4" name="Footer Placeholder 3"/>
+          <p:cNvSpPr>
+            <a:spLocks noGrp="1"/>
+          </p:cNvSpPr>
+          <p:nvPr>
+            <p:ph type="ftr" sz="quarter" idx="10"/>
+          </p:nvPr>
+        </p:nvSpPr>
+        <p:spPr/>
+        <p:txBody>
+          <a:bodyPr/>
+          <a:lstStyle/>
+          <a:p>
+            <a:pPr defTabSz="914099" eaLnBrk="0" hangingPunct="0"/>
+            <a:r>
+              <a:rPr lang="en-US" sz="400" smtClean="0">
+                <a:gradFill>
+                  <a:gsLst>
+                    <a:gs pos="0">
+                      <a:prstClr val="black"/>
+                    </a:gs>
+                    <a:gs pos="100000">
+                      <a:prstClr val="black"/>
+                    </a:gs>
+                  </a:gsLst>
+                  <a:lin ang="5400000" scaled="0"/>
+                </a:gradFill>
+                <a:latin typeface="Segoe UI" pitchFamily="34" charset="0"/>
+                <a:ea typeface="Segoe UI" pitchFamily="34" charset="0"/>
+                <a:cs typeface="Segoe UI" pitchFamily="34" charset="0"/>
+              </a:rPr>
+              <a:t>© 2014 Microsoft Corporation. All rights reserved. Microsoft, Windows, and other product names are or may be registered trademarks and/or trademarks in the U.S. and/or other countries. The information herein is for informational purposes only and represents the current view of Microsoft Corporation as of the date of this presentation.  Because Microsoft must respond to changing market conditions, it should not be interpreted to be a commitment on the part of Microsoft, and Microsoft cannot guarantee the accuracy of any information provided after the date of this presentation.  MICROSOFT MAKES NO WARRANTIES, EXPRESS, IMPLIED OR STATUTORY, AS TO THE INFORMATION IN THIS PRESENTATION.</a:t>
             </a:r>
             <a:endParaRPr lang="en-US" sz="400" dirty="0" smtClean="0">
               <a:gradFill>
@@ -1884,12 +2339,12 @@
       </p:sp>
       <p:sp>
         <p:nvSpPr>
-          <p:cNvPr id="6" name="Date Placeholder 5"/>
-          <p:cNvSpPr>
-            <a:spLocks noGrp="1"/>
-          </p:cNvSpPr>
-          <p:nvPr>
-            <p:ph type="dt" idx="12"/>
+          <p:cNvPr id="5" name="Date Placeholder 4"/>
+          <p:cNvSpPr>
+            <a:spLocks noGrp="1"/>
+          </p:cNvSpPr>
+          <p:nvPr>
+            <p:ph type="dt" idx="11"/>
           </p:nvPr>
         </p:nvSpPr>
         <p:spPr/>
@@ -1897,9 +2352,251 @@
           <a:bodyPr/>
           <a:lstStyle/>
           <a:p>
+            <a:fld id="{B079C3B8-7366-4A44-A34B-3977080C19E7}" type="datetime1">
+              <a:rPr lang="en-US" smtClean="0"/>
+              <a:t>9/29/2014</a:t>
+            </a:fld>
+            <a:endParaRPr lang="en-US" dirty="0"/>
+          </a:p>
+        </p:txBody>
+      </p:sp>
+      <p:sp>
+        <p:nvSpPr>
+          <p:cNvPr id="6" name="Slide Number Placeholder 5"/>
+          <p:cNvSpPr>
+            <a:spLocks noGrp="1"/>
+          </p:cNvSpPr>
+          <p:nvPr>
+            <p:ph type="sldNum" sz="quarter" idx="12"/>
+          </p:nvPr>
+        </p:nvSpPr>
+        <p:spPr/>
+        <p:txBody>
+          <a:bodyPr/>
+          <a:lstStyle/>
+          <a:p>
+            <a:fld id="{B4008EB6-D09E-4580-8CD6-DDB14511944F}" type="slidenum">
+              <a:rPr lang="en-US" smtClean="0"/>
+              <a:pPr/>
+              <a:t>24</a:t>
+            </a:fld>
+            <a:endParaRPr lang="en-US" dirty="0"/>
+          </a:p>
+        </p:txBody>
+      </p:sp>
+      <p:sp>
+        <p:nvSpPr>
+          <p:cNvPr id="7" name="Header Placeholder 6"/>
+          <p:cNvSpPr>
+            <a:spLocks noGrp="1"/>
+          </p:cNvSpPr>
+          <p:nvPr>
+            <p:ph type="hdr" sz="quarter" idx="13"/>
+          </p:nvPr>
+        </p:nvSpPr>
+        <p:spPr/>
+        <p:txBody>
+          <a:bodyPr/>
+          <a:lstStyle/>
+          <a:p>
+            <a:r>
+              <a:rPr lang="en-US" smtClean="0"/>
+              <a:t>Build 2014</a:t>
+            </a:r>
+            <a:endParaRPr lang="en-US" dirty="0"/>
+          </a:p>
+        </p:txBody>
+      </p:sp>
+    </p:spTree>
+    <p:extLst>
+      <p:ext uri="{BB962C8B-B14F-4D97-AF65-F5344CB8AC3E}">
+        <p14:creationId xmlns:p14="http://schemas.microsoft.com/office/powerpoint/2010/main" val="2880687264"/>
+      </p:ext>
+    </p:extLst>
+  </p:cSld>
+  <p:clrMapOvr>
+    <a:masterClrMapping/>
+  </p:clrMapOvr>
+</p:notes>
+</file>
+
+<file path=ppt/notesSlides/notesSlide16.xml><?xml version="1.0" encoding="utf-8"?>
+<p:notes xmlns:a="http://schemas.openxmlformats.org/drawingml/2006/main" xmlns:r="http://schemas.openxmlformats.org/officeDocument/2006/relationships" xmlns:p="http://schemas.openxmlformats.org/presentationml/2006/main">
+  <p:cSld>
+    <p:spTree>
+      <p:nvGrpSpPr>
+        <p:cNvPr id="1" name=""/>
+        <p:cNvGrpSpPr/>
+        <p:nvPr/>
+      </p:nvGrpSpPr>
+      <p:grpSpPr>
+        <a:xfrm>
+          <a:off x="0" y="0"/>
+          <a:ext cx="0" cy="0"/>
+          <a:chOff x="0" y="0"/>
+          <a:chExt cx="0" cy="0"/>
+        </a:xfrm>
+      </p:grpSpPr>
+      <p:sp>
+        <p:nvSpPr>
+          <p:cNvPr id="2" name="Slide Image Placeholder 1"/>
+          <p:cNvSpPr>
+            <a:spLocks noGrp="1" noRot="1" noChangeAspect="1"/>
+          </p:cNvSpPr>
+          <p:nvPr>
+            <p:ph type="sldImg"/>
+          </p:nvPr>
+        </p:nvSpPr>
+        <p:spPr/>
+      </p:sp>
+      <p:sp>
+        <p:nvSpPr>
+          <p:cNvPr id="3" name="Notes Placeholder 2"/>
+          <p:cNvSpPr>
+            <a:spLocks noGrp="1"/>
+          </p:cNvSpPr>
+          <p:nvPr>
+            <p:ph type="body" idx="1"/>
+          </p:nvPr>
+        </p:nvSpPr>
+        <p:spPr/>
+        <p:txBody>
+          <a:bodyPr/>
+          <a:lstStyle/>
+          <a:p>
+            <a:endParaRPr lang="en-US"/>
+          </a:p>
+        </p:txBody>
+      </p:sp>
+      <p:sp>
+        <p:nvSpPr>
+          <p:cNvPr id="4" name="Header Placeholder 3"/>
+          <p:cNvSpPr>
+            <a:spLocks noGrp="1"/>
+          </p:cNvSpPr>
+          <p:nvPr>
+            <p:ph type="hdr" sz="quarter" idx="10"/>
+          </p:nvPr>
+        </p:nvSpPr>
+        <p:spPr>
+          <a:xfrm>
+            <a:off x="0" y="0"/>
+            <a:ext cx="2971800" cy="457200"/>
+          </a:xfrm>
+          <a:prstGeom prst="rect">
+            <a:avLst/>
+          </a:prstGeom>
+        </p:spPr>
+        <p:txBody>
+          <a:bodyPr/>
+          <a:lstStyle/>
+          <a:p>
+            <a:endParaRPr lang="en-US" dirty="0"/>
+          </a:p>
+        </p:txBody>
+      </p:sp>
+      <p:sp>
+        <p:nvSpPr>
+          <p:cNvPr id="5" name="Footer Placeholder 4"/>
+          <p:cNvSpPr>
+            <a:spLocks noGrp="1"/>
+          </p:cNvSpPr>
+          <p:nvPr>
+            <p:ph type="ftr" sz="quarter" idx="11"/>
+          </p:nvPr>
+        </p:nvSpPr>
+        <p:spPr>
+          <a:xfrm>
+            <a:off x="0" y="8686800"/>
+            <a:ext cx="5920740" cy="355964"/>
+          </a:xfrm>
+          <a:prstGeom prst="rect">
+            <a:avLst/>
+          </a:prstGeom>
+        </p:spPr>
+        <p:txBody>
+          <a:bodyPr/>
+          <a:lstStyle/>
+          <a:p>
+            <a:pPr defTabSz="914099" eaLnBrk="0" hangingPunct="0"/>
+            <a:r>
+              <a:rPr lang="en-US" sz="400" smtClean="0">
+                <a:gradFill>
+                  <a:gsLst>
+                    <a:gs pos="0">
+                      <a:prstClr val="black"/>
+                    </a:gs>
+                    <a:gs pos="100000">
+                      <a:prstClr val="black"/>
+                    </a:gs>
+                  </a:gsLst>
+                  <a:lin ang="5400000" scaled="0"/>
+                </a:gradFill>
+                <a:latin typeface="Segoe UI" pitchFamily="34" charset="0"/>
+                <a:ea typeface="Segoe UI" pitchFamily="34" charset="0"/>
+                <a:cs typeface="Segoe UI" pitchFamily="34" charset="0"/>
+              </a:rPr>
+              <a:t>© 2012 Microsoft Corporation. All rights reserved. Microsoft, Windows, and other product names are or may be registered trademarks and/or trademarks in the U.S. and/or other countries.</a:t>
+            </a:r>
+          </a:p>
+          <a:p>
+            <a:pPr defTabSz="914099" eaLnBrk="0" hangingPunct="0"/>
+            <a:r>
+              <a:rPr lang="en-US" sz="400" smtClean="0">
+                <a:gradFill>
+                  <a:gsLst>
+                    <a:gs pos="0">
+                      <a:prstClr val="black"/>
+                    </a:gs>
+                    <a:gs pos="100000">
+                      <a:prstClr val="black"/>
+                    </a:gs>
+                  </a:gsLst>
+                  <a:lin ang="5400000" scaled="0"/>
+                </a:gradFill>
+                <a:latin typeface="Segoe UI" pitchFamily="34" charset="0"/>
+                <a:ea typeface="Segoe UI" pitchFamily="34" charset="0"/>
+                <a:cs typeface="Segoe UI" pitchFamily="34" charset="0"/>
+              </a:rPr>
+              <a:t>The information herein is for informational purposes only and represents the current view of Microsoft Corporation as of the date of this presentation.  Because Microsoft must respond to changing market conditions, it should not be interpreted to be a commitment on the part of Microsoft, and Microsoft cannot guarantee the accuracy of any information provided after the date of this presentation.  MICROSOFT MAKES NO WARRANTIES, EXPRESS, IMPLIED OR STATUTORY, AS TO THE INFORMATION IN THIS PRESENTATION.</a:t>
+            </a:r>
+            <a:endParaRPr lang="en-US" sz="400" dirty="0" smtClean="0">
+              <a:gradFill>
+                <a:gsLst>
+                  <a:gs pos="0">
+                    <a:prstClr val="black"/>
+                  </a:gs>
+                  <a:gs pos="100000">
+                    <a:prstClr val="black"/>
+                  </a:gs>
+                </a:gsLst>
+                <a:lin ang="5400000" scaled="0"/>
+              </a:gradFill>
+              <a:latin typeface="Segoe UI" pitchFamily="34" charset="0"/>
+              <a:ea typeface="Segoe UI" pitchFamily="34" charset="0"/>
+              <a:cs typeface="Segoe UI" pitchFamily="34" charset="0"/>
+            </a:endParaRPr>
+          </a:p>
+        </p:txBody>
+      </p:sp>
+      <p:sp>
+        <p:nvSpPr>
+          <p:cNvPr id="6" name="Date Placeholder 5"/>
+          <p:cNvSpPr>
+            <a:spLocks noGrp="1"/>
+          </p:cNvSpPr>
+          <p:nvPr>
+            <p:ph type="dt" idx="12"/>
+          </p:nvPr>
+        </p:nvSpPr>
+        <p:spPr/>
+        <p:txBody>
+          <a:bodyPr/>
+          <a:lstStyle/>
+          <a:p>
             <a:fld id="{0BB6559B-C68D-49B4-97AE-9BB74C417927}" type="datetime1">
               <a:rPr lang="en-US" smtClean="0"/>
-              <a:t>9/3/2014</a:t>
+              <a:t>9/29/2014</a:t>
             </a:fld>
             <a:endParaRPr lang="en-US"/>
           </a:p>
@@ -2060,7 +2757,7 @@
           <a:p>
             <a:fld id="{B079C3B8-7366-4A44-A34B-3977080C19E7}" type="datetime1">
               <a:rPr lang="en-US" smtClean="0"/>
-              <a:t>9/3/2014</a:t>
+              <a:t>9/29/2014</a:t>
             </a:fld>
             <a:endParaRPr lang="en-US" dirty="0"/>
           </a:p>
@@ -2229,7 +2926,7 @@
           <a:p>
             <a:fld id="{EF0BC8FF-1410-4CCA-B01C-BFED761700B3}" type="datetime1">
               <a:rPr lang="en-US" smtClean="0"/>
-              <a:t>9/3/2014</a:t>
+              <a:t>9/29/2014</a:t>
             </a:fld>
             <a:endParaRPr lang="en-US"/>
           </a:p>
@@ -2466,7 +3163,7 @@
           <a:p>
             <a:fld id="{ADC4CC81-B90F-4AD9-813B-0B6C2BAB785E}" type="datetime1">
               <a:rPr lang="en-US" smtClean="0"/>
-              <a:t>9/3/2014</a:t>
+              <a:t>9/29/2014</a:t>
             </a:fld>
             <a:endParaRPr lang="en-US"/>
           </a:p>
@@ -2735,7 +3432,7 @@
           <a:p>
             <a:fld id="{ECF38875-AA95-4108-85FB-972DEC840C1C}" type="datetime1">
               <a:rPr lang="en-US" smtClean="0"/>
-              <a:t>9/3/2014</a:t>
+              <a:t>9/29/2014</a:t>
             </a:fld>
             <a:endParaRPr lang="en-US"/>
           </a:p>
@@ -2959,7 +3656,7 @@
           <a:p>
             <a:fld id="{F4ED0980-F356-492E-AEE0-341D5AB7B1F8}" type="datetime1">
               <a:rPr lang="en-US" smtClean="0"/>
-              <a:t>9/3/2014</a:t>
+              <a:t>9/29/2014</a:t>
             </a:fld>
             <a:endParaRPr lang="en-US"/>
           </a:p>
@@ -3181,7 +3878,7 @@
           <a:p>
             <a:fld id="{23FDFFE0-9E47-4B8C-842E-FA426FE218C8}" type="datetime1">
               <a:rPr lang="en-US" smtClean="0"/>
-              <a:t>9/3/2014</a:t>
+              <a:t>9/29/2014</a:t>
             </a:fld>
             <a:endParaRPr lang="en-US"/>
           </a:p>
@@ -3423,7 +4120,7 @@
           <a:p>
             <a:fld id="{8DACB9AA-B03F-4672-BD3F-07034206D49E}" type="datetime1">
               <a:rPr lang="en-US" smtClean="0"/>
-              <a:t>9/3/2014</a:t>
+              <a:t>9/29/2014</a:t>
             </a:fld>
             <a:endParaRPr lang="en-US"/>
           </a:p>
@@ -3666,7 +4363,7 @@
                 </a:solidFill>
               </a:rPr>
               <a:pPr/>
-              <a:t>9/3/2014</a:t>
+              <a:t>9/29/2014</a:t>
             </a:fld>
             <a:endParaRPr lang="en-US" dirty="0">
               <a:solidFill>
@@ -14007,8 +14704,20 @@
             </a:r>
             <a:r>
               <a:rPr lang="en-US" dirty="0"/>
-              <a:t>” capability</a:t>
-            </a:r>
+              <a:t>” </a:t>
+            </a:r>
+            <a:r>
+              <a:rPr lang="en-US" dirty="0" smtClean="0"/>
+              <a:t>capability</a:t>
+            </a:r>
+          </a:p>
+          <a:p>
+            <a:pPr lvl="1"/>
+            <a:r>
+              <a:rPr lang="en-US" dirty="0" smtClean="0"/>
+              <a:t>Returns tenant and user-specific URL for user’s OneDrive for Business</a:t>
+            </a:r>
+            <a:endParaRPr lang="en-US" dirty="0"/>
           </a:p>
           <a:p>
             <a:r>
@@ -14153,7 +14862,7 @@
         <p:spPr>
           <a:xfrm>
             <a:off x="519112" y="1447798"/>
-            <a:ext cx="11149013" cy="2450961"/>
+            <a:ext cx="11149013" cy="4159626"/>
           </a:xfrm>
         </p:spPr>
         <p:txBody>
@@ -14162,8 +14871,13 @@
           <a:p>
             <a:r>
               <a:rPr lang="en-US" dirty="0" smtClean="0"/>
-              <a:t>Read Files collection</a:t>
-            </a:r>
+              <a:t>Read Files </a:t>
+            </a:r>
+            <a:r>
+              <a:rPr lang="en-US" dirty="0" smtClean="0"/>
+              <a:t>collection</a:t>
+            </a:r>
+            <a:endParaRPr lang="en-US" dirty="0" smtClean="0"/>
           </a:p>
           <a:p>
             <a:r>
@@ -14174,7 +14888,25 @@
           <a:p>
             <a:r>
               <a:rPr lang="en-US" dirty="0" smtClean="0"/>
-              <a:t>Paging is accomplished post-query using LINQ</a:t>
+              <a:t>Both client and server paging supported</a:t>
+            </a:r>
+          </a:p>
+          <a:p>
+            <a:pPr lvl="1"/>
+            <a:r>
+              <a:rPr lang="en-US" dirty="0" smtClean="0"/>
+              <a:t>Client-side with LINQ</a:t>
+            </a:r>
+          </a:p>
+          <a:p>
+            <a:pPr lvl="1"/>
+            <a:r>
+              <a:rPr lang="en-US" dirty="0" smtClean="0"/>
+              <a:t>Server-side with $</a:t>
+            </a:r>
+            <a:r>
+              <a:rPr lang="en-US" dirty="0" err="1" smtClean="0"/>
+              <a:t>skiptoken</a:t>
             </a:r>
             <a:endParaRPr lang="en-US" dirty="0"/>
           </a:p>
@@ -14227,36 +14959,6 @@
           </a:p>
         </p:txBody>
       </p:sp>
-      <p:pic>
-        <p:nvPicPr>
-          <p:cNvPr id="5" name="Picture 4"/>
-          <p:cNvPicPr>
-            <a:picLocks noChangeAspect="1"/>
-          </p:cNvPicPr>
-          <p:nvPr/>
-        </p:nvPicPr>
-        <p:blipFill>
-          <a:blip r:embed="rId3">
-            <a:extLst>
-              <a:ext uri="{28A0092B-C50C-407E-A947-70E740481C1C}">
-                <a14:useLocalDpi xmlns:a14="http://schemas.microsoft.com/office/drawing/2010/main" val="0"/>
-              </a:ext>
-            </a:extLst>
-          </a:blip>
-          <a:stretch>
-            <a:fillRect/>
-          </a:stretch>
-        </p:blipFill>
-        <p:spPr>
-          <a:xfrm>
-            <a:off x="801043" y="4115857"/>
-            <a:ext cx="10619198" cy="1079140"/>
-          </a:xfrm>
-          <a:prstGeom prst="rect">
-            <a:avLst/>
-          </a:prstGeom>
-        </p:spPr>
-      </p:pic>
     </p:spTree>
     <p:extLst>
       <p:ext uri="{BB962C8B-B14F-4D97-AF65-F5344CB8AC3E}">
@@ -14819,15 +15521,7 @@
           <a:p>
             <a:r>
               <a:rPr lang="en-US" sz="2352" dirty="0"/>
-              <a:t>GET http://&lt;</a:t>
-            </a:r>
-            <a:r>
-              <a:rPr lang="en-US" sz="2352" dirty="0"/>
-              <a:t>onedrive&gt;/_</a:t>
-            </a:r>
-            <a:r>
-              <a:rPr lang="en-US" sz="2352" dirty="0"/>
-              <a:t>api/Files</a:t>
+              <a:t>GET http://&lt;onedrive&gt;/_api/Files</a:t>
             </a:r>
           </a:p>
           <a:p>
@@ -14842,15 +15536,7 @@
           <a:p>
             <a:r>
               <a:rPr lang="en-US" sz="2352" dirty="0"/>
-              <a:t>GET http://&lt;</a:t>
-            </a:r>
-            <a:r>
-              <a:rPr lang="en-US" sz="2352" dirty="0"/>
-              <a:t>onedrive&gt;/_</a:t>
-            </a:r>
-            <a:r>
-              <a:rPr lang="en-US" sz="2352" dirty="0"/>
-              <a:t>api/Files('folder')</a:t>
+              <a:t>GET http://&lt;onedrive&gt;/_api/Files('folder')</a:t>
             </a:r>
           </a:p>
           <a:p>
@@ -14865,15 +15551,7 @@
           <a:p>
             <a:r>
               <a:rPr lang="en-US" sz="2352" dirty="0"/>
-              <a:t>GET http://&lt;</a:t>
-            </a:r>
-            <a:r>
-              <a:rPr lang="en-US" sz="2352" dirty="0"/>
-              <a:t>onedrive&gt;/_</a:t>
-            </a:r>
-            <a:r>
-              <a:rPr lang="en-US" sz="2352" dirty="0"/>
-              <a:t>api/Files('folder')/Children</a:t>
+              <a:t>GET http://&lt;onedrive&gt;/_api/Files('folder')/Children</a:t>
             </a:r>
           </a:p>
           <a:p>
@@ -14888,15 +15566,7 @@
           <a:p>
             <a:r>
               <a:rPr lang="en-US" sz="2352" dirty="0"/>
-              <a:t>GET http://&lt;</a:t>
-            </a:r>
-            <a:r>
-              <a:rPr lang="en-US" sz="2352" dirty="0"/>
-              <a:t>onedrive&gt;/_</a:t>
-            </a:r>
-            <a:r>
-              <a:rPr lang="en-US" sz="2352" dirty="0"/>
-              <a:t>api/Files('folder/filename.docx')</a:t>
+              <a:t>GET http://&lt;onedrive&gt;/_api/Files('folder/filename.docx')</a:t>
             </a:r>
           </a:p>
           <a:p>
@@ -14911,15 +15581,7 @@
           <a:p>
             <a:r>
               <a:rPr lang="en-US" sz="2352" dirty="0"/>
-              <a:t>GET http://&lt;</a:t>
-            </a:r>
-            <a:r>
-              <a:rPr lang="en-US" sz="2352" dirty="0"/>
-              <a:t>onedrive&gt;/_</a:t>
-            </a:r>
-            <a:r>
-              <a:rPr lang="en-US" sz="2352" dirty="0"/>
-              <a:t>api/Files('folder/filename.docx')/download</a:t>
+              <a:t>GET http://&lt;onedrive&gt;/_api/Files('folder/filename.docx')/download</a:t>
             </a:r>
           </a:p>
           <a:p>
@@ -14937,13 +15599,13 @@
   <p:clrMapOvr>
     <a:masterClrMapping/>
   </p:clrMapOvr>
-  <mc:AlternateContent xmlns:mc="http://schemas.openxmlformats.org/markup-compatibility/2006">
-    <mc:Choice xmlns:p14="http://schemas.microsoft.com/office/powerpoint/2010/main" Requires="p14">
+  <mc:AlternateContent xmlns:mc="http://schemas.openxmlformats.org/markup-compatibility/2006" xmlns:p14="http://schemas.microsoft.com/office/powerpoint/2010/main">
+    <mc:Choice Requires="p14">
       <p:transition spd="med" p14:dur="700">
         <p:fade/>
       </p:transition>
     </mc:Choice>
-    <mc:Fallback>
+    <mc:Fallback xmlns="">
       <p:transition spd="med">
         <p:fade/>
       </p:transition>
@@ -15027,11 +15689,7 @@
           <a:p>
             <a:r>
               <a:rPr lang="en-US" sz="2352" dirty="0"/>
-              <a:t>POST /_</a:t>
-            </a:r>
-            <a:r>
-              <a:rPr lang="en-US" sz="2352" dirty="0"/>
-              <a:t>api/Files/Add(name='folder/filename.</a:t>
+              <a:t>POST /_api/Files/Add(name='folder/filename.</a:t>
             </a:r>
             <a:r>
               <a:rPr lang="en-US" sz="2352" dirty="0" err="1"/>
@@ -15049,7 +15707,6 @@
               <a:rPr lang="en-US" sz="2352" dirty="0"/>
               <a:t>&gt;)</a:t>
             </a:r>
-            <a:endParaRPr lang="en-US" sz="2352" dirty="0"/>
           </a:p>
           <a:p>
             <a:endParaRPr lang="en-US" sz="1960" dirty="0"/>
@@ -15059,24 +15716,11 @@
               <a:rPr lang="en-US" sz="2352" dirty="0"/>
               <a:t>Delete a file from OneDrive</a:t>
             </a:r>
-            <a:endParaRPr lang="en-US" sz="2352" dirty="0"/>
           </a:p>
           <a:p>
             <a:r>
               <a:rPr lang="en-US" sz="2352" dirty="0"/>
-              <a:t>DELETE </a:t>
-            </a:r>
-            <a:r>
-              <a:rPr lang="en-US" sz="2352" dirty="0"/>
-              <a:t>/_</a:t>
-            </a:r>
-            <a:r>
-              <a:rPr lang="en-US" sz="2352" dirty="0"/>
-              <a:t>api/Files('folder/filename.docx</a:t>
-            </a:r>
-            <a:r>
-              <a:rPr lang="en-US" sz="2352" dirty="0"/>
-              <a:t>')</a:t>
+              <a:t>DELETE /_api/Files('folder/filename.docx')</a:t>
             </a:r>
           </a:p>
           <a:p>
@@ -15101,7 +15745,6 @@
               <a:rPr lang="en-US" sz="2352" dirty="0"/>
               <a:t>/Files('folder')?$expand=Children</a:t>
             </a:r>
-            <a:endParaRPr lang="en-US" sz="2352" dirty="0"/>
           </a:p>
           <a:p>
             <a:endParaRPr lang="en-US" sz="1960" dirty="0"/>
@@ -15115,19 +15758,7 @@
           <a:p>
             <a:r>
               <a:rPr lang="en-US" sz="2352" dirty="0"/>
-              <a:t>GET </a:t>
-            </a:r>
-            <a:r>
-              <a:rPr lang="en-US" sz="2352" dirty="0"/>
-              <a:t>/_</a:t>
-            </a:r>
-            <a:r>
-              <a:rPr lang="en-US" sz="2352" dirty="0"/>
-              <a:t>api/Files?$</a:t>
-            </a:r>
-            <a:r>
-              <a:rPr lang="en-US" sz="2352" dirty="0"/>
-              <a:t>select=</a:t>
+              <a:t>GET /_api/Files?$select=</a:t>
             </a:r>
             <a:r>
               <a:rPr lang="en-US" sz="2352" dirty="0" err="1"/>
@@ -15146,7 +15777,6 @@
               <a:rPr lang="en-US" sz="2352" dirty="0"/>
               <a:t>Use Files API on other document libraries</a:t>
             </a:r>
-            <a:endParaRPr lang="en-US" sz="2352" dirty="0"/>
           </a:p>
           <a:p>
             <a:r>
@@ -15177,7 +15807,6 @@
               <a:rPr lang="en-US" sz="2352" dirty="0"/>
               <a:t>')/Files</a:t>
             </a:r>
-            <a:endParaRPr lang="en-US" sz="2352" dirty="0"/>
           </a:p>
         </p:txBody>
       </p:sp>
@@ -15191,13 +15820,13 @@
   <p:clrMapOvr>
     <a:masterClrMapping/>
   </p:clrMapOvr>
-  <mc:AlternateContent xmlns:mc="http://schemas.openxmlformats.org/markup-compatibility/2006">
-    <mc:Choice xmlns:p14="http://schemas.microsoft.com/office/powerpoint/2010/main" Requires="p14">
+  <mc:AlternateContent xmlns:mc="http://schemas.openxmlformats.org/markup-compatibility/2006" xmlns:p14="http://schemas.microsoft.com/office/powerpoint/2010/main">
+    <mc:Choice Requires="p14">
       <p:transition spd="med" p14:dur="700">
         <p:fade/>
       </p:transition>
     </mc:Choice>
-    <mc:Fallback>
+    <mc:Fallback xmlns="">
       <p:transition spd="med">
         <p:fade/>
       </p:transition>
@@ -15314,7 +15943,7 @@
           <p:nvPr/>
         </p:nvPicPr>
         <p:blipFill>
-          <a:blip r:embed="rId2">
+          <a:blip r:embed="rId3">
             <a:extLst>
               <a:ext uri="{28A0092B-C50C-407E-A947-70E740481C1C}">
                 <a14:useLocalDpi xmlns:a14="http://schemas.microsoft.com/office/drawing/2010/main" val="0"/>
@@ -15420,7 +16049,7 @@
                 <a:gridCol w="11225057">
                   <a:extLst>
                     <a:ext uri="{9D8B030D-6E8A-4147-A177-3AD203B41FA5}">
-                      <a16:colId xmlns="" xmlns:a16="http://schemas.microsoft.com/office/drawing/2014/main" val="1253488153"/>
+                      <a16:colId xmlns:a16="http://schemas.microsoft.com/office/drawing/2014/main" xmlns="" val="1253488153"/>
                     </a:ext>
                   </a:extLst>
                 </a:gridCol>
@@ -15442,7 +16071,7 @@
                 </a:tc>
                 <a:extLst>
                   <a:ext uri="{0D108BD9-81ED-4DB2-BD59-A6C34878D82A}">
-                    <a16:rowId xmlns="" xmlns:a16="http://schemas.microsoft.com/office/drawing/2014/main" val="829859176"/>
+                    <a16:rowId xmlns:a16="http://schemas.microsoft.com/office/drawing/2014/main" xmlns="" val="829859176"/>
                   </a:ext>
                 </a:extLst>
               </a:tr>
@@ -15454,11 +16083,7 @@
                     <a:p>
                       <a:r>
                         <a:rPr lang="en-US" sz="1800" b="0" dirty="0" smtClean="0"/>
-                        <a:t>Module 1: </a:t>
-                      </a:r>
-                      <a:r>
-                        <a:rPr lang="en-US" sz="1800" b="0" dirty="0" smtClean="0"/>
-                        <a:t>Deep Dive into Azure AD with the Office 365 APIs</a:t>
+                        <a:t>Module 1: Deep Dive into Azure AD with the Office 365 APIs</a:t>
                       </a:r>
                       <a:endParaRPr lang="en-US" sz="1800" b="0" baseline="0" dirty="0" smtClean="0"/>
                     </a:p>
@@ -15467,7 +16092,7 @@
                 </a:tc>
                 <a:extLst>
                   <a:ext uri="{0D108BD9-81ED-4DB2-BD59-A6C34878D82A}">
-                    <a16:rowId xmlns="" xmlns:a16="http://schemas.microsoft.com/office/drawing/2014/main" val="1946132611"/>
+                    <a16:rowId xmlns:a16="http://schemas.microsoft.com/office/drawing/2014/main" xmlns="" val="1946132611"/>
                   </a:ext>
                 </a:extLst>
               </a:tr>
@@ -15496,11 +16121,7 @@
                       </a:pPr>
                       <a:r>
                         <a:rPr lang="en-US" sz="1800" b="0" dirty="0" smtClean="0"/>
-                        <a:t>Module 2: </a:t>
-                      </a:r>
-                      <a:r>
-                        <a:rPr lang="en-US" sz="1800" b="0" dirty="0" smtClean="0"/>
-                        <a:t>Deep Dive into Office 365 APIs for Calendar,</a:t>
+                        <a:t>Module 2: Deep Dive into Office 365 APIs for Calendar,</a:t>
                       </a:r>
                       <a:r>
                         <a:rPr lang="en-US" sz="1800" b="0" baseline="0" dirty="0" smtClean="0"/>
@@ -15513,7 +16134,7 @@
                 </a:tc>
                 <a:extLst>
                   <a:ext uri="{0D108BD9-81ED-4DB2-BD59-A6C34878D82A}">
-                    <a16:rowId xmlns="" xmlns:a16="http://schemas.microsoft.com/office/drawing/2014/main" val="3204002662"/>
+                    <a16:rowId xmlns:a16="http://schemas.microsoft.com/office/drawing/2014/main" xmlns="" val="3204002662"/>
                   </a:ext>
                 </a:extLst>
               </a:tr>
@@ -15542,20 +16163,15 @@
                       </a:pPr>
                       <a:r>
                         <a:rPr lang="en-US" sz="1800" b="1" dirty="0" smtClean="0"/>
-                        <a:t>Module 3: Deep Dive </a:t>
+                        <a:t>Module 3: Deep Dive into Office 365 APIs for OneDrive for Business</a:t>
                       </a:r>
-                      <a:r>
-                        <a:rPr lang="en-US" sz="1800" b="1" dirty="0" smtClean="0"/>
-                        <a:t>into Office 365 APIs for OneDrive for Business</a:t>
-                      </a:r>
-                      <a:endParaRPr lang="en-US" sz="1800" b="1" dirty="0" smtClean="0"/>
                     </a:p>
                   </a:txBody>
                   <a:tcPr marL="91403" marR="91403" marT="45701" marB="45701" anchor="ctr"/>
                 </a:tc>
                 <a:extLst>
                   <a:ext uri="{0D108BD9-81ED-4DB2-BD59-A6C34878D82A}">
-                    <a16:rowId xmlns="" xmlns:a16="http://schemas.microsoft.com/office/drawing/2014/main" val="4266278162"/>
+                    <a16:rowId xmlns:a16="http://schemas.microsoft.com/office/drawing/2014/main" xmlns="" val="4266278162"/>
                   </a:ext>
                 </a:extLst>
               </a:tr>
@@ -15584,11 +16200,7 @@
                       </a:pPr>
                       <a:r>
                         <a:rPr lang="en-US" sz="1800" b="0" dirty="0" smtClean="0"/>
-                        <a:t>Module 4: </a:t>
-                      </a:r>
-                      <a:r>
-                        <a:rPr lang="en-US" sz="1800" b="0" dirty="0" smtClean="0"/>
-                        <a:t>Deep Dive into Office 365 APIs for SharePoint Site services</a:t>
+                        <a:t>Module 4: Deep Dive into Office 365 APIs for SharePoint Site services</a:t>
                       </a:r>
                       <a:endParaRPr lang="en-US" sz="1800" b="1" dirty="0" smtClean="0"/>
                     </a:p>
@@ -15631,7 +16243,6 @@
                         <a:rPr lang="en-US" sz="1800" b="0" dirty="0" smtClean="0"/>
                         <a:t>Deep Dive into Office 365 APIs for Yammer services</a:t>
                       </a:r>
-                      <a:endParaRPr lang="en-US" sz="1800" b="0" dirty="0" smtClean="0"/>
                     </a:p>
                   </a:txBody>
                   <a:tcPr marL="91403" marR="91403" marT="45701" marB="45701" anchor="ctr"/>
@@ -15662,13 +16273,8 @@
                       </a:pPr>
                       <a:r>
                         <a:rPr lang="en-US" sz="1800" b="0" dirty="0" smtClean="0"/>
-                        <a:t>Module 6: </a:t>
+                        <a:t>Module 6: Deep Dive into Office 365 APIs for Office Graph</a:t>
                       </a:r>
-                      <a:r>
-                        <a:rPr lang="en-US" sz="1800" b="0" dirty="0" smtClean="0"/>
-                        <a:t>Deep Dive into Office 365 APIs for Office Graph</a:t>
-                      </a:r>
-                      <a:endParaRPr lang="en-US" sz="1800" b="0" dirty="0" smtClean="0"/>
                     </a:p>
                   </a:txBody>
                   <a:tcPr marL="91403" marR="91403" marT="45701" marB="45701" anchor="ctr"/>
@@ -15699,13 +16305,8 @@
                       </a:pPr>
                       <a:r>
                         <a:rPr lang="en-US" sz="1800" b="0" dirty="0" smtClean="0"/>
-                        <a:t>Module 7: </a:t>
+                        <a:t>Module 7: Deep Dive into Office 365 APIs for OneNote services</a:t>
                       </a:r>
-                      <a:r>
-                        <a:rPr lang="en-US" sz="1800" b="0" dirty="0" smtClean="0"/>
-                        <a:t>Deep Dive into Office 365 APIs for OneNote services</a:t>
-                      </a:r>
-                      <a:endParaRPr lang="en-US" sz="1800" b="0" dirty="0" smtClean="0"/>
                     </a:p>
                   </a:txBody>
                   <a:tcPr marL="91403" marR="91403" marT="45701" marB="45701" anchor="ctr"/>
@@ -15984,7 +16585,7 @@
           <p:nvPr/>
         </p:nvPicPr>
         <p:blipFill>
-          <a:blip r:embed="rId2">
+          <a:blip r:embed="rId3">
             <a:extLst>
               <a:ext uri="{28A0092B-C50C-407E-A947-70E740481C1C}">
                 <a14:useLocalDpi xmlns:a14="http://schemas.microsoft.com/office/drawing/2010/main" val="0"/>
@@ -16121,7 +16722,7 @@
           <p:nvPr/>
         </p:nvPicPr>
         <p:blipFill>
-          <a:blip r:embed="rId2">
+          <a:blip r:embed="rId3">
             <a:extLst>
               <a:ext uri="{28A0092B-C50C-407E-A947-70E740481C1C}">
                 <a14:useLocalDpi xmlns:a14="http://schemas.microsoft.com/office/drawing/2010/main" val="0"/>
@@ -16836,7 +17437,6 @@
               <a:rPr lang="en-US" dirty="0"/>
               <a:t>OneDrive for Business</a:t>
             </a:r>
-            <a:endParaRPr lang="en-US" dirty="0"/>
           </a:p>
         </p:txBody>
       </p:sp>
@@ -16958,7 +17558,6 @@
               <a:rPr lang="en-US" dirty="0" smtClean="0"/>
               <a:t>File Operations with REST</a:t>
             </a:r>
-            <a:endParaRPr lang="en-US" dirty="0" smtClean="0"/>
           </a:p>
         </p:txBody>
       </p:sp>
@@ -17859,19 +18458,6 @@
               </a:rPr>
               <a:t>https://[site]/_api/Files</a:t>
             </a:r>
-            <a:endParaRPr lang="en-US" sz="2400" spc="-70" dirty="0" smtClean="0">
-              <a:gradFill>
-                <a:gsLst>
-                  <a:gs pos="2917">
-                    <a:schemeClr val="bg2"/>
-                  </a:gs>
-                  <a:gs pos="95000">
-                    <a:schemeClr val="bg2"/>
-                  </a:gs>
-                </a:gsLst>
-                <a:lin ang="5400000" scaled="0"/>
-              </a:gradFill>
-            </a:endParaRPr>
           </a:p>
         </p:txBody>
       </p:sp>
@@ -19044,6 +19630,21 @@
 </file>
 
 <file path=customXml/item1.xml><?xml version="1.0" encoding="utf-8"?>
+<?mso-contentType ?>
+<FormTemplates xmlns="http://schemas.microsoft.com/sharepoint/v3/contenttype/forms">
+  <Display>DocumentLibraryForm</Display>
+  <Edit>DocumentLibraryForm</Edit>
+  <New>DocumentLibraryForm</New>
+</FormTemplates>
+</file>
+
+<file path=customXml/item2.xml><?xml version="1.0" encoding="utf-8"?>
+<p:properties xmlns:p="http://schemas.microsoft.com/office/2006/metadata/properties" xmlns:xsi="http://www.w3.org/2001/XMLSchema-instance" xmlns:pc="http://schemas.microsoft.com/office/infopath/2007/PartnerControls">
+  <documentManagement/>
+</p:properties>
+</file>
+
+<file path=customXml/item3.xml><?xml version="1.0" encoding="utf-8"?>
 <ct:contentTypeSchema xmlns:ct="http://schemas.microsoft.com/office/2006/metadata/contentType" xmlns:ma="http://schemas.microsoft.com/office/2006/metadata/properties/metaAttributes" ct:_="" ma:_="" ma:contentTypeName="Document" ma:contentTypeID="0x010100A2E4C90AA7333249A7DBC8CC6F49919B" ma:contentTypeVersion="1" ma:contentTypeDescription="Create a new document." ma:contentTypeScope="" ma:versionID="e7b09f0f38d7ed30c7da14951e97abcc">
   <xsd:schema xmlns:xsd="http://www.w3.org/2001/XMLSchema" xmlns:xs="http://www.w3.org/2001/XMLSchema" xmlns:p="http://schemas.microsoft.com/office/2006/metadata/properties" xmlns:ns2="5fad15d0-477e-40da-a20d-40d4ca777cbd" targetNamespace="http://schemas.microsoft.com/office/2006/metadata/properties" ma:root="true" ma:fieldsID="0cee24db179c30c5ebec40b677cadf70" ns2:_="">
     <xsd:import namespace="5fad15d0-477e-40da-a20d-40d4ca777cbd"/>
@@ -19183,35 +19784,10 @@
 </ct:contentTypeSchema>
 </file>
 
-<file path=customXml/item2.xml><?xml version="1.0" encoding="utf-8"?>
-<p:properties xmlns:p="http://schemas.microsoft.com/office/2006/metadata/properties" xmlns:xsi="http://www.w3.org/2001/XMLSchema-instance" xmlns:pc="http://schemas.microsoft.com/office/infopath/2007/PartnerControls">
-  <documentManagement/>
-</p:properties>
-</file>
-
-<file path=customXml/item3.xml><?xml version="1.0" encoding="utf-8"?>
-<?mso-contentType ?>
-<FormTemplates xmlns="http://schemas.microsoft.com/sharepoint/v3/contenttype/forms">
-  <Display>DocumentLibraryForm</Display>
-  <Edit>DocumentLibraryForm</Edit>
-  <New>DocumentLibraryForm</New>
-</FormTemplates>
-</file>
-
 <file path=customXml/itemProps1.xml><?xml version="1.0" encoding="utf-8"?>
-<ds:datastoreItem xmlns:ds="http://schemas.openxmlformats.org/officeDocument/2006/customXml" ds:itemID="{F17DCE38-6787-497B-B958-75817420EB1E}">
+<ds:datastoreItem xmlns:ds="http://schemas.openxmlformats.org/officeDocument/2006/customXml" ds:itemID="{E1E0CE18-CA03-4891-9CD8-3448778E3D53}">
   <ds:schemaRefs>
-    <ds:schemaRef ds:uri="http://schemas.microsoft.com/office/2006/metadata/contentType"/>
-    <ds:schemaRef ds:uri="http://schemas.microsoft.com/office/2006/metadata/properties/metaAttributes"/>
-    <ds:schemaRef ds:uri="http://www.w3.org/2001/XMLSchema"/>
-    <ds:schemaRef ds:uri="http://schemas.microsoft.com/office/2006/metadata/properties"/>
-    <ds:schemaRef ds:uri="5fad15d0-477e-40da-a20d-40d4ca777cbd"/>
-    <ds:schemaRef ds:uri="http://schemas.microsoft.com/office/2006/documentManagement/types"/>
-    <ds:schemaRef ds:uri="http://schemas.microsoft.com/office/infopath/2007/PartnerControls"/>
-    <ds:schemaRef ds:uri="http://schemas.openxmlformats.org/package/2006/metadata/core-properties"/>
-    <ds:schemaRef ds:uri="http://purl.org/dc/elements/1.1/"/>
-    <ds:schemaRef ds:uri="http://purl.org/dc/terms/"/>
-    <ds:schemaRef ds:uri="http://schemas.microsoft.com/internal/obd"/>
+    <ds:schemaRef ds:uri="http://schemas.microsoft.com/sharepoint/v3/contenttype/forms"/>
   </ds:schemaRefs>
 </ds:datastoreItem>
 </file>
@@ -19233,9 +19809,19 @@
 </file>
 
 <file path=customXml/itemProps3.xml><?xml version="1.0" encoding="utf-8"?>
-<ds:datastoreItem xmlns:ds="http://schemas.openxmlformats.org/officeDocument/2006/customXml" ds:itemID="{E1E0CE18-CA03-4891-9CD8-3448778E3D53}">
+<ds:datastoreItem xmlns:ds="http://schemas.openxmlformats.org/officeDocument/2006/customXml" ds:itemID="{F17DCE38-6787-497B-B958-75817420EB1E}">
   <ds:schemaRefs>
-    <ds:schemaRef ds:uri="http://schemas.microsoft.com/sharepoint/v3/contenttype/forms"/>
+    <ds:schemaRef ds:uri="http://schemas.microsoft.com/office/2006/metadata/contentType"/>
+    <ds:schemaRef ds:uri="http://schemas.microsoft.com/office/2006/metadata/properties/metaAttributes"/>
+    <ds:schemaRef ds:uri="http://www.w3.org/2001/XMLSchema"/>
+    <ds:schemaRef ds:uri="http://schemas.microsoft.com/office/2006/metadata/properties"/>
+    <ds:schemaRef ds:uri="5fad15d0-477e-40da-a20d-40d4ca777cbd"/>
+    <ds:schemaRef ds:uri="http://schemas.microsoft.com/office/2006/documentManagement/types"/>
+    <ds:schemaRef ds:uri="http://schemas.microsoft.com/office/infopath/2007/PartnerControls"/>
+    <ds:schemaRef ds:uri="http://schemas.openxmlformats.org/package/2006/metadata/core-properties"/>
+    <ds:schemaRef ds:uri="http://purl.org/dc/elements/1.1/"/>
+    <ds:schemaRef ds:uri="http://purl.org/dc/terms/"/>
+    <ds:schemaRef ds:uri="http://schemas.microsoft.com/internal/obd"/>
   </ds:schemaRefs>
 </ds:datastoreItem>
 </file>
--- a/O3653-3 Deep Dive into Office 365 APIs for OneDrive for Business/O3653-3 Deep Dive into Office 365 APIs for OneDrive for Business.pptx
+++ b/O3653-3 Deep Dive into Office 365 APIs for OneDrive for Business/O3653-3 Deep Dive into Office 365 APIs for OneDrive for Business.pptx
@@ -6,10 +6,10 @@
     <p:sldMasterId id="2147484046" r:id="rId5"/>
   </p:sldMasterIdLst>
   <p:notesMasterIdLst>
-    <p:notesMasterId r:id="rId36"/>
+    <p:notesMasterId r:id="rId35"/>
   </p:notesMasterIdLst>
   <p:handoutMasterIdLst>
-    <p:handoutMasterId r:id="rId37"/>
+    <p:handoutMasterId r:id="rId36"/>
   </p:handoutMasterIdLst>
   <p:sldIdLst>
     <p:sldId id="778" r:id="rId6"/>
@@ -31,17 +31,16 @@
     <p:sldId id="867" r:id="rId22"/>
     <p:sldId id="881" r:id="rId23"/>
     <p:sldId id="882" r:id="rId24"/>
-    <p:sldId id="877" r:id="rId25"/>
-    <p:sldId id="878" r:id="rId26"/>
-    <p:sldId id="879" r:id="rId27"/>
-    <p:sldId id="880" r:id="rId28"/>
-    <p:sldId id="868" r:id="rId29"/>
-    <p:sldId id="853" r:id="rId30"/>
-    <p:sldId id="883" r:id="rId31"/>
-    <p:sldId id="884" r:id="rId32"/>
-    <p:sldId id="885" r:id="rId33"/>
-    <p:sldId id="886" r:id="rId34"/>
-    <p:sldId id="887" r:id="rId35"/>
+    <p:sldId id="878" r:id="rId25"/>
+    <p:sldId id="879" r:id="rId26"/>
+    <p:sldId id="880" r:id="rId27"/>
+    <p:sldId id="868" r:id="rId28"/>
+    <p:sldId id="853" r:id="rId29"/>
+    <p:sldId id="883" r:id="rId30"/>
+    <p:sldId id="884" r:id="rId31"/>
+    <p:sldId id="885" r:id="rId32"/>
+    <p:sldId id="886" r:id="rId33"/>
+    <p:sldId id="887" r:id="rId34"/>
   </p:sldIdLst>
   <p:sldSz cx="12188825" cy="6858000"/>
   <p:notesSz cx="6858000" cy="9144000"/>
@@ -344,7 +343,7 @@
           <a:p>
             <a:fld id="{DE219B1A-AE41-483B-A766-69B9363DDA6A}" type="datetimeFigureOut">
               <a:rPr lang="en-US" smtClean="0"/>
-              <a:t>10/3/2014</a:t>
+              <a:t>10/5/2014</a:t>
             </a:fld>
             <a:endParaRPr lang="en-US"/>
           </a:p>
@@ -626,7 +625,7 @@
           <a:p>
             <a:fld id="{D51B1278-D92B-4AF3-A9C1-71DD298190CE}" type="datetimeFigureOut">
               <a:rPr lang="en-US" smtClean="0"/>
-              <a:t>10/3/2014</a:t>
+              <a:t>10/5/2014</a:t>
             </a:fld>
             <a:endParaRPr lang="en-US"/>
           </a:p>
@@ -1244,7 +1243,7 @@
                 </a:solidFill>
               </a:rPr>
               <a:pPr/>
-              <a:t>10/3/2014</a:t>
+              <a:t>10/5/2014</a:t>
             </a:fld>
             <a:endParaRPr lang="en-US" dirty="0">
               <a:solidFill>
@@ -1367,8 +1366,45 @@
           <a:p>
             <a:r>
               <a:rPr lang="en-US" dirty="0" smtClean="0"/>
+              <a:t>No support for $skip</a:t>
+            </a:r>
+            <a:r>
+              <a:rPr lang="en-US" baseline="0" dirty="0" smtClean="0"/>
+              <a:t> and $</a:t>
+            </a:r>
+            <a:r>
+              <a:rPr lang="en-US" baseline="0" dirty="0" err="1" smtClean="0"/>
+              <a:t>orderby</a:t>
+            </a:r>
+            <a:r>
+              <a:rPr lang="en-US" baseline="0" dirty="0" smtClean="0"/>
+              <a:t> so paging is post-query</a:t>
+            </a:r>
+          </a:p>
+          <a:p>
+            <a:pPr marL="0" marR="0" indent="0" algn="l" defTabSz="914363" rtl="0" eaLnBrk="1" fontAlgn="auto" latinLnBrk="0" hangingPunct="1">
+              <a:lnSpc>
+                <a:spcPct val="90000"/>
+              </a:lnSpc>
+              <a:spcBef>
+                <a:spcPts val="0"/>
+              </a:spcBef>
+              <a:spcAft>
+                <a:spcPts val="333"/>
+              </a:spcAft>
+              <a:buClrTx/>
+              <a:buSzTx/>
+              <a:buFontTx/>
+              <a:buNone/>
+              <a:tabLst/>
+              <a:defRPr/>
+            </a:pPr>
+            <a:r>
+              <a:rPr lang="en-US" dirty="0" smtClean="0"/>
               <a:t>Note that the OneDrive URI is hard-coded just for clarity. Normally, you would get this from the discover service.</a:t>
             </a:r>
+          </a:p>
+          <a:p>
             <a:endParaRPr lang="en-US" dirty="0"/>
           </a:p>
         </p:txBody>
@@ -1388,9 +1424,9 @@
           <a:bodyPr/>
           <a:lstStyle/>
           <a:p>
-            <a:fld id="{1A5C2C3A-D50C-4B9F-A685-57400100D200}" type="datetime1">
+            <a:fld id="{9F6C2A45-62A9-453C-B1A0-E9BD4232256A}" type="datetime1">
               <a:rPr lang="en-US" smtClean="0"/>
-              <a:t>10/3/2014</a:t>
+              <a:t>10/5/2014</a:t>
             </a:fld>
             <a:endParaRPr lang="en-US"/>
           </a:p>
@@ -1521,7 +1557,7 @@
     </p:spTree>
     <p:extLst>
       <p:ext uri="{BB962C8B-B14F-4D97-AF65-F5344CB8AC3E}">
-        <p14:creationId xmlns:p14="http://schemas.microsoft.com/office/powerpoint/2010/main" val="210023372"/>
+        <p14:creationId xmlns:p14="http://schemas.microsoft.com/office/powerpoint/2010/main" val="185922338"/>
       </p:ext>
     </p:extLst>
   </p:cSld>
@@ -1575,24 +1611,6 @@
           <a:bodyPr/>
           <a:lstStyle/>
           <a:p>
-            <a:r>
-              <a:rPr lang="en-US" dirty="0" smtClean="0"/>
-              <a:t>No support for $skip</a:t>
-            </a:r>
-            <a:r>
-              <a:rPr lang="en-US" baseline="0" dirty="0" smtClean="0"/>
-              <a:t> and $</a:t>
-            </a:r>
-            <a:r>
-              <a:rPr lang="en-US" baseline="0" dirty="0" err="1" smtClean="0"/>
-              <a:t>orderby</a:t>
-            </a:r>
-            <a:r>
-              <a:rPr lang="en-US" baseline="0" dirty="0" smtClean="0"/>
-              <a:t> so paging is post-query</a:t>
-            </a:r>
-          </a:p>
-          <a:p>
             <a:pPr marL="0" marR="0" indent="0" algn="l" defTabSz="914363" rtl="0" eaLnBrk="1" fontAlgn="auto" latinLnBrk="0" hangingPunct="1">
               <a:lnSpc>
                 <a:spcPct val="90000"/>
@@ -1635,9 +1653,9 @@
           <a:bodyPr/>
           <a:lstStyle/>
           <a:p>
-            <a:fld id="{9F6C2A45-62A9-453C-B1A0-E9BD4232256A}" type="datetime1">
+            <a:fld id="{4A523DA0-D7F9-40C8-93F2-955D0B90721A}" type="datetime1">
               <a:rPr lang="en-US" smtClean="0"/>
-              <a:t>10/3/2014</a:t>
+              <a:t>10/5/2014</a:t>
             </a:fld>
             <a:endParaRPr lang="en-US"/>
           </a:p>
@@ -1768,7 +1786,7 @@
     </p:spTree>
     <p:extLst>
       <p:ext uri="{BB962C8B-B14F-4D97-AF65-F5344CB8AC3E}">
-        <p14:creationId xmlns:p14="http://schemas.microsoft.com/office/powerpoint/2010/main" val="185922338"/>
+        <p14:creationId xmlns:p14="http://schemas.microsoft.com/office/powerpoint/2010/main" val="3646729243"/>
       </p:ext>
     </p:extLst>
   </p:cSld>
@@ -1841,11 +1859,15 @@
             </a:pPr>
             <a:r>
               <a:rPr lang="en-US" dirty="0" smtClean="0"/>
-              <a:t>Note that the OneDrive URI is hard-coded just for clarity. Normally, you would get this from the discover service.</a:t>
-            </a:r>
-          </a:p>
-          <a:p>
-            <a:endParaRPr lang="en-US" dirty="0"/>
+              <a:t>Note that the OneDrive URI is hard-coded just for clarity. </a:t>
+            </a:r>
+            <a:r>
+              <a:rPr lang="en-US" smtClean="0"/>
+              <a:t>Normally, you would get this from the discover service.</a:t>
+            </a:r>
+          </a:p>
+          <a:p>
+            <a:endParaRPr lang="en-US"/>
           </a:p>
         </p:txBody>
       </p:sp>
@@ -1864,9 +1886,9 @@
           <a:bodyPr/>
           <a:lstStyle/>
           <a:p>
-            <a:fld id="{4A523DA0-D7F9-40C8-93F2-955D0B90721A}" type="datetime1">
+            <a:fld id="{1CC0E6A2-9C05-4C6A-B248-617B7C1A9EAE}" type="datetime1">
               <a:rPr lang="en-US" smtClean="0"/>
-              <a:t>10/3/2014</a:t>
+              <a:t>10/5/2014</a:t>
             </a:fld>
             <a:endParaRPr lang="en-US"/>
           </a:p>
@@ -1997,7 +2019,7 @@
     </p:spTree>
     <p:extLst>
       <p:ext uri="{BB962C8B-B14F-4D97-AF65-F5344CB8AC3E}">
-        <p14:creationId xmlns:p14="http://schemas.microsoft.com/office/powerpoint/2010/main" val="3646729243"/>
+        <p14:creationId xmlns:p14="http://schemas.microsoft.com/office/powerpoint/2010/main" val="184553210"/>
       </p:ext>
     </p:extLst>
   </p:cSld>
@@ -2051,239 +2073,6 @@
           <a:bodyPr/>
           <a:lstStyle/>
           <a:p>
-            <a:pPr marL="0" marR="0" indent="0" algn="l" defTabSz="914363" rtl="0" eaLnBrk="1" fontAlgn="auto" latinLnBrk="0" hangingPunct="1">
-              <a:lnSpc>
-                <a:spcPct val="90000"/>
-              </a:lnSpc>
-              <a:spcBef>
-                <a:spcPts val="0"/>
-              </a:spcBef>
-              <a:spcAft>
-                <a:spcPts val="333"/>
-              </a:spcAft>
-              <a:buClrTx/>
-              <a:buSzTx/>
-              <a:buFontTx/>
-              <a:buNone/>
-              <a:tabLst/>
-              <a:defRPr/>
-            </a:pPr>
-            <a:r>
-              <a:rPr lang="en-US" dirty="0" smtClean="0"/>
-              <a:t>Note that the OneDrive URI is hard-coded just for clarity. </a:t>
-            </a:r>
-            <a:r>
-              <a:rPr lang="en-US" smtClean="0"/>
-              <a:t>Normally, you would get this from the discover service.</a:t>
-            </a:r>
-          </a:p>
-          <a:p>
-            <a:endParaRPr lang="en-US"/>
-          </a:p>
-        </p:txBody>
-      </p:sp>
-      <p:sp>
-        <p:nvSpPr>
-          <p:cNvPr id="4" name="Date Placeholder 3"/>
-          <p:cNvSpPr>
-            <a:spLocks noGrp="1"/>
-          </p:cNvSpPr>
-          <p:nvPr>
-            <p:ph type="dt" idx="10"/>
-          </p:nvPr>
-        </p:nvSpPr>
-        <p:spPr/>
-        <p:txBody>
-          <a:bodyPr/>
-          <a:lstStyle/>
-          <a:p>
-            <a:fld id="{1CC0E6A2-9C05-4C6A-B248-617B7C1A9EAE}" type="datetime1">
-              <a:rPr lang="en-US" smtClean="0"/>
-              <a:t>10/3/2014</a:t>
-            </a:fld>
-            <a:endParaRPr lang="en-US"/>
-          </a:p>
-        </p:txBody>
-      </p:sp>
-      <p:sp>
-        <p:nvSpPr>
-          <p:cNvPr id="5" name="Slide Number Placeholder 4"/>
-          <p:cNvSpPr>
-            <a:spLocks noGrp="1"/>
-          </p:cNvSpPr>
-          <p:nvPr>
-            <p:ph type="sldNum" sz="quarter" idx="11"/>
-          </p:nvPr>
-        </p:nvSpPr>
-        <p:spPr/>
-        <p:txBody>
-          <a:bodyPr/>
-          <a:lstStyle/>
-          <a:p>
-            <a:fld id="{B4008EB6-D09E-4580-8CD6-DDB14511944F}" type="slidenum">
-              <a:rPr lang="en-US" smtClean="0"/>
-              <a:t>23</a:t>
-            </a:fld>
-            <a:endParaRPr lang="en-US" dirty="0"/>
-          </a:p>
-        </p:txBody>
-      </p:sp>
-      <p:sp>
-        <p:nvSpPr>
-          <p:cNvPr id="6" name="Header Placeholder 5"/>
-          <p:cNvSpPr>
-            <a:spLocks noGrp="1"/>
-          </p:cNvSpPr>
-          <p:nvPr>
-            <p:ph type="hdr" sz="quarter" idx="12"/>
-          </p:nvPr>
-        </p:nvSpPr>
-        <p:spPr/>
-        <p:txBody>
-          <a:bodyPr/>
-          <a:lstStyle/>
-          <a:p>
-            <a:r>
-              <a:rPr lang="en-US" smtClean="0"/>
-              <a:t>Microsoft Office</a:t>
-            </a:r>
-            <a:endParaRPr lang="en-US" dirty="0"/>
-          </a:p>
-        </p:txBody>
-      </p:sp>
-      <p:sp>
-        <p:nvSpPr>
-          <p:cNvPr id="7" name="Footer Placeholder 6"/>
-          <p:cNvSpPr>
-            <a:spLocks noGrp="1"/>
-          </p:cNvSpPr>
-          <p:nvPr>
-            <p:ph type="ftr" sz="quarter" idx="13"/>
-          </p:nvPr>
-        </p:nvSpPr>
-        <p:spPr/>
-        <p:txBody>
-          <a:bodyPr/>
-          <a:lstStyle/>
-          <a:p>
-            <a:pPr marL="231775" defTabSz="914099" eaLnBrk="0" hangingPunct="0"/>
-            <a:r>
-              <a:rPr lang="en-US" sz="500" smtClean="0">
-                <a:gradFill>
-                  <a:gsLst>
-                    <a:gs pos="0">
-                      <a:schemeClr val="tx1"/>
-                    </a:gs>
-                    <a:gs pos="100000">
-                      <a:schemeClr val="tx1"/>
-                    </a:gs>
-                  </a:gsLst>
-                  <a:lin ang="5400000" scaled="0"/>
-                </a:gradFill>
-                <a:latin typeface="Segoe UI" pitchFamily="34" charset="0"/>
-                <a:ea typeface="Segoe UI" pitchFamily="34" charset="0"/>
-                <a:cs typeface="Segoe UI" pitchFamily="34" charset="0"/>
-              </a:rPr>
-              <a:t>© 2012 Microsoft Corporation. All rights reserved. Microsoft, Windows, and other product names are or may be registered trademarks and/or trademarks in the U.S. and/or other countries.</a:t>
-            </a:r>
-          </a:p>
-          <a:p>
-            <a:pPr marL="231775" defTabSz="914099" eaLnBrk="0" hangingPunct="0"/>
-            <a:r>
-              <a:rPr lang="en-US" sz="500" smtClean="0">
-                <a:gradFill>
-                  <a:gsLst>
-                    <a:gs pos="0">
-                      <a:schemeClr val="tx1"/>
-                    </a:gs>
-                    <a:gs pos="100000">
-                      <a:schemeClr val="tx1"/>
-                    </a:gs>
-                  </a:gsLst>
-                  <a:lin ang="5400000" scaled="0"/>
-                </a:gradFill>
-                <a:latin typeface="Segoe UI" pitchFamily="34" charset="0"/>
-                <a:ea typeface="Segoe UI" pitchFamily="34" charset="0"/>
-                <a:cs typeface="Segoe UI" pitchFamily="34" charset="0"/>
-              </a:rPr>
-              <a:t>The information herein is for informational purposes only and represents the current view of Microsoft Corporation as of the date of this presentation.  Because Microsoft must respond to changing market conditions, it should not be interpreted to be a commitment on the part of Microsoft, and Microsoft cannot guarantee the accuracy of any information provided after the date of this presentation.  MICROSOFT MAKES NO WARRANTIES, EXPRESS, IMPLIED OR STATUTORY, AS TO THE INFORMATION IN THIS PRESENTATION.</a:t>
-            </a:r>
-            <a:endParaRPr lang="en-US" sz="500" dirty="0">
-              <a:gradFill>
-                <a:gsLst>
-                  <a:gs pos="0">
-                    <a:schemeClr val="tx1"/>
-                  </a:gs>
-                  <a:gs pos="100000">
-                    <a:schemeClr val="tx1"/>
-                  </a:gs>
-                </a:gsLst>
-                <a:lin ang="5400000" scaled="0"/>
-              </a:gradFill>
-              <a:latin typeface="Segoe UI" pitchFamily="34" charset="0"/>
-              <a:ea typeface="Segoe UI" pitchFamily="34" charset="0"/>
-              <a:cs typeface="Segoe UI" pitchFamily="34" charset="0"/>
-            </a:endParaRPr>
-          </a:p>
-        </p:txBody>
-      </p:sp>
-    </p:spTree>
-    <p:extLst>
-      <p:ext uri="{BB962C8B-B14F-4D97-AF65-F5344CB8AC3E}">
-        <p14:creationId xmlns:p14="http://schemas.microsoft.com/office/powerpoint/2010/main" val="184553210"/>
-      </p:ext>
-    </p:extLst>
-  </p:cSld>
-  <p:clrMapOvr>
-    <a:masterClrMapping/>
-  </p:clrMapOvr>
-</p:notes>
-</file>
-
-<file path=ppt/notesSlides/notesSlide15.xml><?xml version="1.0" encoding="utf-8"?>
-<p:notes xmlns:a="http://schemas.openxmlformats.org/drawingml/2006/main" xmlns:r="http://schemas.openxmlformats.org/officeDocument/2006/relationships" xmlns:p="http://schemas.openxmlformats.org/presentationml/2006/main">
-  <p:cSld>
-    <p:spTree>
-      <p:nvGrpSpPr>
-        <p:cNvPr id="1" name=""/>
-        <p:cNvGrpSpPr/>
-        <p:nvPr/>
-      </p:nvGrpSpPr>
-      <p:grpSpPr>
-        <a:xfrm>
-          <a:off x="0" y="0"/>
-          <a:ext cx="0" cy="0"/>
-          <a:chOff x="0" y="0"/>
-          <a:chExt cx="0" cy="0"/>
-        </a:xfrm>
-      </p:grpSpPr>
-      <p:sp>
-        <p:nvSpPr>
-          <p:cNvPr id="2" name="Slide Image Placeholder 1"/>
-          <p:cNvSpPr>
-            <a:spLocks noGrp="1" noRot="1" noChangeAspect="1"/>
-          </p:cNvSpPr>
-          <p:nvPr>
-            <p:ph type="sldImg"/>
-          </p:nvPr>
-        </p:nvSpPr>
-        <p:spPr/>
-      </p:sp>
-      <p:sp>
-        <p:nvSpPr>
-          <p:cNvPr id="3" name="Notes Placeholder 2"/>
-          <p:cNvSpPr>
-            <a:spLocks noGrp="1"/>
-          </p:cNvSpPr>
-          <p:nvPr>
-            <p:ph type="body" idx="1"/>
-          </p:nvPr>
-        </p:nvSpPr>
-        <p:spPr/>
-        <p:txBody>
-          <a:bodyPr/>
-          <a:lstStyle/>
-          <a:p>
             <a:endParaRPr lang="en-US" dirty="0"/>
           </a:p>
         </p:txBody>
@@ -2359,7 +2148,7 @@
           <a:p>
             <a:fld id="{B079C3B8-7366-4A44-A34B-3977080C19E7}" type="datetime1">
               <a:rPr lang="en-US" smtClean="0"/>
-              <a:t>10/3/2014</a:t>
+              <a:t>10/5/2014</a:t>
             </a:fld>
             <a:endParaRPr lang="en-US" dirty="0"/>
           </a:p>
@@ -2383,7 +2172,7 @@
             <a:fld id="{B4008EB6-D09E-4580-8CD6-DDB14511944F}" type="slidenum">
               <a:rPr lang="en-US" smtClean="0"/>
               <a:pPr/>
-              <a:t>25</a:t>
+              <a:t>24</a:t>
             </a:fld>
             <a:endParaRPr lang="en-US" dirty="0"/>
           </a:p>
@@ -2425,7 +2214,7 @@
 </p:notes>
 </file>
 
-<file path=ppt/notesSlides/notesSlide16.xml><?xml version="1.0" encoding="utf-8"?>
+<file path=ppt/notesSlides/notesSlide15.xml><?xml version="1.0" encoding="utf-8"?>
 <p:notes xmlns:a="http://schemas.openxmlformats.org/drawingml/2006/main" xmlns:r="http://schemas.openxmlformats.org/officeDocument/2006/relationships" xmlns:p="http://schemas.openxmlformats.org/presentationml/2006/main">
   <p:cSld>
     <p:spTree>
@@ -2500,7 +2289,7 @@
                 </a:solidFill>
               </a:rPr>
               <a:pPr/>
-              <a:t>10/3/2014</a:t>
+              <a:t>10/5/2014</a:t>
             </a:fld>
             <a:endParaRPr lang="en-US" dirty="0">
               <a:solidFill>
@@ -2532,7 +2321,7 @@
                 </a:solidFill>
               </a:rPr>
               <a:pPr/>
-              <a:t>27</a:t>
+              <a:t>26</a:t>
             </a:fld>
             <a:endParaRPr lang="en-US" dirty="0">
               <a:solidFill>
@@ -2584,6 +2373,152 @@
     <p:extLst>
       <p:ext uri="{BB962C8B-B14F-4D97-AF65-F5344CB8AC3E}">
         <p14:creationId xmlns:p14="http://schemas.microsoft.com/office/powerpoint/2010/main" val="3429736912"/>
+      </p:ext>
+    </p:extLst>
+  </p:cSld>
+  <p:clrMapOvr>
+    <a:masterClrMapping/>
+  </p:clrMapOvr>
+</p:notes>
+</file>
+
+<file path=ppt/notesSlides/notesSlide16.xml><?xml version="1.0" encoding="utf-8"?>
+<p:notes xmlns:a="http://schemas.openxmlformats.org/drawingml/2006/main" xmlns:r="http://schemas.openxmlformats.org/officeDocument/2006/relationships" xmlns:p="http://schemas.openxmlformats.org/presentationml/2006/main">
+  <p:cSld>
+    <p:spTree>
+      <p:nvGrpSpPr>
+        <p:cNvPr id="1" name=""/>
+        <p:cNvGrpSpPr/>
+        <p:nvPr/>
+      </p:nvGrpSpPr>
+      <p:grpSpPr>
+        <a:xfrm>
+          <a:off x="0" y="0"/>
+          <a:ext cx="0" cy="0"/>
+          <a:chOff x="0" y="0"/>
+          <a:chExt cx="0" cy="0"/>
+        </a:xfrm>
+      </p:grpSpPr>
+      <p:sp>
+        <p:nvSpPr>
+          <p:cNvPr id="2" name="Slide Image Placeholder 1"/>
+          <p:cNvSpPr>
+            <a:spLocks noGrp="1" noRot="1" noChangeAspect="1"/>
+          </p:cNvSpPr>
+          <p:nvPr>
+            <p:ph type="sldImg"/>
+          </p:nvPr>
+        </p:nvSpPr>
+        <p:spPr/>
+      </p:sp>
+      <p:sp>
+        <p:nvSpPr>
+          <p:cNvPr id="3" name="Notes Placeholder 2"/>
+          <p:cNvSpPr>
+            <a:spLocks noGrp="1"/>
+          </p:cNvSpPr>
+          <p:nvPr>
+            <p:ph type="body" idx="1"/>
+          </p:nvPr>
+        </p:nvSpPr>
+        <p:spPr/>
+        <p:txBody>
+          <a:bodyPr/>
+          <a:lstStyle/>
+          <a:p>
+            <a:endParaRPr lang="en-US" dirty="0"/>
+          </a:p>
+        </p:txBody>
+      </p:sp>
+      <p:sp>
+        <p:nvSpPr>
+          <p:cNvPr id="4" name="Footer Placeholder 3"/>
+          <p:cNvSpPr>
+            <a:spLocks noGrp="1"/>
+          </p:cNvSpPr>
+          <p:nvPr>
+            <p:ph type="ftr" sz="quarter" idx="10"/>
+          </p:nvPr>
+        </p:nvSpPr>
+        <p:spPr/>
+        <p:txBody>
+          <a:bodyPr/>
+          <a:lstStyle/>
+          <a:p>
+            <a:pPr defTabSz="914099" eaLnBrk="0" hangingPunct="0"/>
+            <a:r>
+              <a:rPr lang="en-US" sz="400" dirty="0" smtClean="0">
+                <a:gradFill>
+                  <a:gsLst>
+                    <a:gs pos="0">
+                      <a:prstClr val="black"/>
+                    </a:gs>
+                    <a:gs pos="100000">
+                      <a:prstClr val="black"/>
+                    </a:gs>
+                  </a:gsLst>
+                  <a:lin ang="5400000" scaled="0"/>
+                </a:gradFill>
+                <a:latin typeface="Segoe UI" pitchFamily="34" charset="0"/>
+                <a:ea typeface="Segoe UI" pitchFamily="34" charset="0"/>
+                <a:cs typeface="Segoe UI" pitchFamily="34" charset="0"/>
+              </a:rPr>
+              <a:t>© 2014 Microsoft Corporation. All rights reserved. Microsoft, Windows, and other product names are or may be registered trademarks and/or trademarks in the U.S. and/or other countries. The information herein is for informational purposes only and represents the current view of Microsoft Corporation as of the date of this presentation.  Because Microsoft must respond to changing market conditions, it should not be interpreted to be a commitment on the part of Microsoft, and Microsoft cannot guarantee the accuracy of any information provided after the date of this presentation.  MICROSOFT MAKES NO WARRANTIES, EXPRESS, IMPLIED OR STATUTORY, AS TO THE INFORMATION IN THIS PRESENTATION.</a:t>
+            </a:r>
+          </a:p>
+        </p:txBody>
+      </p:sp>
+      <p:sp>
+        <p:nvSpPr>
+          <p:cNvPr id="5" name="Date Placeholder 4"/>
+          <p:cNvSpPr>
+            <a:spLocks noGrp="1"/>
+          </p:cNvSpPr>
+          <p:nvPr>
+            <p:ph type="dt" idx="11"/>
+          </p:nvPr>
+        </p:nvSpPr>
+        <p:spPr/>
+        <p:txBody>
+          <a:bodyPr/>
+          <a:lstStyle/>
+          <a:p>
+            <a:fld id="{E74353ED-ACB2-44BF-A903-985B0AF962B7}" type="datetime1">
+              <a:rPr lang="en-US" smtClean="0"/>
+              <a:t>10/5/2014</a:t>
+            </a:fld>
+            <a:endParaRPr lang="en-US" dirty="0"/>
+          </a:p>
+        </p:txBody>
+      </p:sp>
+      <p:sp>
+        <p:nvSpPr>
+          <p:cNvPr id="6" name="Slide Number Placeholder 5"/>
+          <p:cNvSpPr>
+            <a:spLocks noGrp="1"/>
+          </p:cNvSpPr>
+          <p:nvPr>
+            <p:ph type="sldNum" sz="quarter" idx="12"/>
+          </p:nvPr>
+        </p:nvSpPr>
+        <p:spPr/>
+        <p:txBody>
+          <a:bodyPr/>
+          <a:lstStyle/>
+          <a:p>
+            <a:fld id="{B4008EB6-D09E-4580-8CD6-DDB14511944F}" type="slidenum">
+              <a:rPr lang="en-US" smtClean="0"/>
+              <a:pPr/>
+              <a:t>28</a:t>
+            </a:fld>
+            <a:endParaRPr lang="en-US" dirty="0"/>
+          </a:p>
+        </p:txBody>
+      </p:sp>
+    </p:spTree>
+    <p:extLst>
+      <p:ext uri="{BB962C8B-B14F-4D97-AF65-F5344CB8AC3E}">
+        <p14:creationId xmlns:p14="http://schemas.microsoft.com/office/powerpoint/2010/main" val="2697203804"/>
       </p:ext>
     </p:extLst>
   </p:cSld>
@@ -2637,152 +2572,6 @@
           <a:bodyPr/>
           <a:lstStyle/>
           <a:p>
-            <a:endParaRPr lang="en-US" dirty="0"/>
-          </a:p>
-        </p:txBody>
-      </p:sp>
-      <p:sp>
-        <p:nvSpPr>
-          <p:cNvPr id="4" name="Footer Placeholder 3"/>
-          <p:cNvSpPr>
-            <a:spLocks noGrp="1"/>
-          </p:cNvSpPr>
-          <p:nvPr>
-            <p:ph type="ftr" sz="quarter" idx="10"/>
-          </p:nvPr>
-        </p:nvSpPr>
-        <p:spPr/>
-        <p:txBody>
-          <a:bodyPr/>
-          <a:lstStyle/>
-          <a:p>
-            <a:pPr defTabSz="914099" eaLnBrk="0" hangingPunct="0"/>
-            <a:r>
-              <a:rPr lang="en-US" sz="400" dirty="0" smtClean="0">
-                <a:gradFill>
-                  <a:gsLst>
-                    <a:gs pos="0">
-                      <a:prstClr val="black"/>
-                    </a:gs>
-                    <a:gs pos="100000">
-                      <a:prstClr val="black"/>
-                    </a:gs>
-                  </a:gsLst>
-                  <a:lin ang="5400000" scaled="0"/>
-                </a:gradFill>
-                <a:latin typeface="Segoe UI" pitchFamily="34" charset="0"/>
-                <a:ea typeface="Segoe UI" pitchFamily="34" charset="0"/>
-                <a:cs typeface="Segoe UI" pitchFamily="34" charset="0"/>
-              </a:rPr>
-              <a:t>© 2014 Microsoft Corporation. All rights reserved. Microsoft, Windows, and other product names are or may be registered trademarks and/or trademarks in the U.S. and/or other countries. The information herein is for informational purposes only and represents the current view of Microsoft Corporation as of the date of this presentation.  Because Microsoft must respond to changing market conditions, it should not be interpreted to be a commitment on the part of Microsoft, and Microsoft cannot guarantee the accuracy of any information provided after the date of this presentation.  MICROSOFT MAKES NO WARRANTIES, EXPRESS, IMPLIED OR STATUTORY, AS TO THE INFORMATION IN THIS PRESENTATION.</a:t>
-            </a:r>
-          </a:p>
-        </p:txBody>
-      </p:sp>
-      <p:sp>
-        <p:nvSpPr>
-          <p:cNvPr id="5" name="Date Placeholder 4"/>
-          <p:cNvSpPr>
-            <a:spLocks noGrp="1"/>
-          </p:cNvSpPr>
-          <p:nvPr>
-            <p:ph type="dt" idx="11"/>
-          </p:nvPr>
-        </p:nvSpPr>
-        <p:spPr/>
-        <p:txBody>
-          <a:bodyPr/>
-          <a:lstStyle/>
-          <a:p>
-            <a:fld id="{E74353ED-ACB2-44BF-A903-985B0AF962B7}" type="datetime1">
-              <a:rPr lang="en-US" smtClean="0"/>
-              <a:t>10/3/2014</a:t>
-            </a:fld>
-            <a:endParaRPr lang="en-US" dirty="0"/>
-          </a:p>
-        </p:txBody>
-      </p:sp>
-      <p:sp>
-        <p:nvSpPr>
-          <p:cNvPr id="6" name="Slide Number Placeholder 5"/>
-          <p:cNvSpPr>
-            <a:spLocks noGrp="1"/>
-          </p:cNvSpPr>
-          <p:nvPr>
-            <p:ph type="sldNum" sz="quarter" idx="12"/>
-          </p:nvPr>
-        </p:nvSpPr>
-        <p:spPr/>
-        <p:txBody>
-          <a:bodyPr/>
-          <a:lstStyle/>
-          <a:p>
-            <a:fld id="{B4008EB6-D09E-4580-8CD6-DDB14511944F}" type="slidenum">
-              <a:rPr lang="en-US" smtClean="0"/>
-              <a:pPr/>
-              <a:t>29</a:t>
-            </a:fld>
-            <a:endParaRPr lang="en-US" dirty="0"/>
-          </a:p>
-        </p:txBody>
-      </p:sp>
-    </p:spTree>
-    <p:extLst>
-      <p:ext uri="{BB962C8B-B14F-4D97-AF65-F5344CB8AC3E}">
-        <p14:creationId xmlns:p14="http://schemas.microsoft.com/office/powerpoint/2010/main" val="2697203804"/>
-      </p:ext>
-    </p:extLst>
-  </p:cSld>
-  <p:clrMapOvr>
-    <a:masterClrMapping/>
-  </p:clrMapOvr>
-</p:notes>
-</file>
-
-<file path=ppt/notesSlides/notesSlide18.xml><?xml version="1.0" encoding="utf-8"?>
-<p:notes xmlns:a="http://schemas.openxmlformats.org/drawingml/2006/main" xmlns:r="http://schemas.openxmlformats.org/officeDocument/2006/relationships" xmlns:p="http://schemas.openxmlformats.org/presentationml/2006/main">
-  <p:cSld>
-    <p:spTree>
-      <p:nvGrpSpPr>
-        <p:cNvPr id="1" name=""/>
-        <p:cNvGrpSpPr/>
-        <p:nvPr/>
-      </p:nvGrpSpPr>
-      <p:grpSpPr>
-        <a:xfrm>
-          <a:off x="0" y="0"/>
-          <a:ext cx="0" cy="0"/>
-          <a:chOff x="0" y="0"/>
-          <a:chExt cx="0" cy="0"/>
-        </a:xfrm>
-      </p:grpSpPr>
-      <p:sp>
-        <p:nvSpPr>
-          <p:cNvPr id="2" name="Slide Image Placeholder 1"/>
-          <p:cNvSpPr>
-            <a:spLocks noGrp="1" noRot="1" noChangeAspect="1"/>
-          </p:cNvSpPr>
-          <p:nvPr>
-            <p:ph type="sldImg"/>
-          </p:nvPr>
-        </p:nvSpPr>
-        <p:spPr/>
-      </p:sp>
-      <p:sp>
-        <p:nvSpPr>
-          <p:cNvPr id="3" name="Notes Placeholder 2"/>
-          <p:cNvSpPr>
-            <a:spLocks noGrp="1"/>
-          </p:cNvSpPr>
-          <p:nvPr>
-            <p:ph type="body" idx="1"/>
-          </p:nvPr>
-        </p:nvSpPr>
-        <p:spPr/>
-        <p:txBody>
-          <a:bodyPr/>
-          <a:lstStyle/>
-          <a:p>
             <a:endParaRPr lang="en-US"/>
           </a:p>
         </p:txBody>
@@ -2915,7 +2704,7 @@
           <a:p>
             <a:fld id="{0BB6559B-C68D-49B4-97AE-9BB74C417927}" type="datetime1">
               <a:rPr lang="en-US" smtClean="0"/>
-              <a:t>10/3/2014</a:t>
+              <a:t>10/5/2014</a:t>
             </a:fld>
             <a:endParaRPr lang="en-US"/>
           </a:p>
@@ -2938,7 +2727,7 @@
           <a:p>
             <a:fld id="{B4008EB6-D09E-4580-8CD6-DDB14511944F}" type="slidenum">
               <a:rPr lang="en-US" smtClean="0"/>
-              <a:t>30</a:t>
+              <a:t>29</a:t>
             </a:fld>
             <a:endParaRPr lang="en-US" dirty="0"/>
           </a:p>
@@ -3076,7 +2865,7 @@
           <a:p>
             <a:fld id="{B079C3B8-7366-4A44-A34B-3977080C19E7}" type="datetime1">
               <a:rPr lang="en-US" smtClean="0"/>
-              <a:t>10/3/2014</a:t>
+              <a:t>10/5/2014</a:t>
             </a:fld>
             <a:endParaRPr lang="en-US" dirty="0"/>
           </a:p>
@@ -3245,7 +3034,7 @@
           <a:p>
             <a:fld id="{EF0BC8FF-1410-4CCA-B01C-BFED761700B3}" type="datetime1">
               <a:rPr lang="en-US" smtClean="0"/>
-              <a:t>10/3/2014</a:t>
+              <a:t>10/5/2014</a:t>
             </a:fld>
             <a:endParaRPr lang="en-US"/>
           </a:p>
@@ -3482,7 +3271,7 @@
           <a:p>
             <a:fld id="{ADC4CC81-B90F-4AD9-813B-0B6C2BAB785E}" type="datetime1">
               <a:rPr lang="en-US" smtClean="0"/>
-              <a:t>10/3/2014</a:t>
+              <a:t>10/5/2014</a:t>
             </a:fld>
             <a:endParaRPr lang="en-US"/>
           </a:p>
@@ -3751,7 +3540,7 @@
           <a:p>
             <a:fld id="{ECF38875-AA95-4108-85FB-972DEC840C1C}" type="datetime1">
               <a:rPr lang="en-US" smtClean="0"/>
-              <a:t>10/3/2014</a:t>
+              <a:t>10/5/2014</a:t>
             </a:fld>
             <a:endParaRPr lang="en-US"/>
           </a:p>
@@ -3975,7 +3764,7 @@
           <a:p>
             <a:fld id="{F4ED0980-F356-492E-AEE0-341D5AB7B1F8}" type="datetime1">
               <a:rPr lang="en-US" smtClean="0"/>
-              <a:t>10/3/2014</a:t>
+              <a:t>10/5/2014</a:t>
             </a:fld>
             <a:endParaRPr lang="en-US"/>
           </a:p>
@@ -4197,7 +3986,7 @@
           <a:p>
             <a:fld id="{23FDFFE0-9E47-4B8C-842E-FA426FE218C8}" type="datetime1">
               <a:rPr lang="en-US" smtClean="0"/>
-              <a:t>10/3/2014</a:t>
+              <a:t>10/5/2014</a:t>
             </a:fld>
             <a:endParaRPr lang="en-US"/>
           </a:p>
@@ -4439,7 +4228,7 @@
           <a:p>
             <a:fld id="{8DACB9AA-B03F-4672-BD3F-07034206D49E}" type="datetime1">
               <a:rPr lang="en-US" smtClean="0"/>
-              <a:t>10/3/2014</a:t>
+              <a:t>10/5/2014</a:t>
             </a:fld>
             <a:endParaRPr lang="en-US"/>
           </a:p>
@@ -4682,7 +4471,7 @@
                 </a:solidFill>
               </a:rPr>
               <a:pPr/>
-              <a:t>10/3/2014</a:t>
+              <a:t>10/5/2014</a:t>
             </a:fld>
             <a:endParaRPr lang="en-US" dirty="0">
               <a:solidFill>
@@ -15385,33 +15174,13 @@
           <a:p>
             <a:r>
               <a:rPr lang="en-US" dirty="0" smtClean="0"/>
-              <a:t>Can also read an individual Folder</a:t>
-            </a:r>
-          </a:p>
-          <a:p>
+              <a:t>Can also read an individual </a:t>
+            </a:r>
             <a:r>
               <a:rPr lang="en-US" dirty="0" smtClean="0"/>
-              <a:t>Both client and server paging supported</a:t>
-            </a:r>
-          </a:p>
-          <a:p>
-            <a:pPr lvl="1"/>
-            <a:r>
-              <a:rPr lang="en-US" dirty="0" smtClean="0"/>
-              <a:t>Client-side with LINQ</a:t>
-            </a:r>
-          </a:p>
-          <a:p>
-            <a:pPr lvl="1"/>
-            <a:r>
-              <a:rPr lang="en-US" dirty="0" smtClean="0"/>
-              <a:t>Server-side with $</a:t>
-            </a:r>
-            <a:r>
-              <a:rPr lang="en-US" dirty="0" err="1" smtClean="0"/>
-              <a:t>skiptoken</a:t>
-            </a:r>
-            <a:endParaRPr lang="en-US" dirty="0"/>
+              <a:t>Folder</a:t>
+            </a:r>
+            <a:endParaRPr lang="en-US" dirty="0" smtClean="0"/>
           </a:p>
         </p:txBody>
       </p:sp>
@@ -17530,7 +17299,7 @@
                 <a:gridCol w="5760278">
                   <a:extLst>
                     <a:ext uri="{9D8B030D-6E8A-4147-A177-3AD203B41FA5}">
-                      <a16:colId xmlns:a16="http://schemas.microsoft.com/office/drawing/2014/main" val="1253488153"/>
+                      <a16:colId xmlns:a16="http://schemas.microsoft.com/office/drawing/2014/main" xmlns="" val="1253488153"/>
                     </a:ext>
                   </a:extLst>
                 </a:gridCol>
@@ -17556,7 +17325,7 @@
                 </a:tc>
                 <a:extLst>
                   <a:ext uri="{0D108BD9-81ED-4DB2-BD59-A6C34878D82A}">
-                    <a16:rowId xmlns:a16="http://schemas.microsoft.com/office/drawing/2014/main" val="829859176"/>
+                    <a16:rowId xmlns:a16="http://schemas.microsoft.com/office/drawing/2014/main" xmlns="" val="829859176"/>
                   </a:ext>
                 </a:extLst>
               </a:tr>
@@ -17568,11 +17337,7 @@
                     <a:p>
                       <a:r>
                         <a:rPr lang="en-US" sz="1800" b="0" dirty="0" smtClean="0"/>
-                        <a:t>Module 1: </a:t>
-                      </a:r>
-                      <a:r>
-                        <a:rPr lang="en-US" sz="1800" b="0" dirty="0" smtClean="0"/>
-                        <a:t>Introduction</a:t>
+                        <a:t>Module 1: Introduction</a:t>
                       </a:r>
                       <a:r>
                         <a:rPr lang="en-US" sz="1800" b="0" baseline="0" dirty="0" smtClean="0"/>
@@ -17585,7 +17350,7 @@
                 </a:tc>
                 <a:extLst>
                   <a:ext uri="{0D108BD9-81ED-4DB2-BD59-A6C34878D82A}">
-                    <a16:rowId xmlns:a16="http://schemas.microsoft.com/office/drawing/2014/main" val="1946132611"/>
+                    <a16:rowId xmlns:a16="http://schemas.microsoft.com/office/drawing/2014/main" xmlns="" val="1946132611"/>
                   </a:ext>
                 </a:extLst>
               </a:tr>
@@ -17618,11 +17383,7 @@
                       </a:r>
                       <a:r>
                         <a:rPr lang="en-US" sz="1800" b="0" baseline="0" dirty="0" smtClean="0"/>
-                        <a:t> </a:t>
-                      </a:r>
-                      <a:r>
-                        <a:rPr lang="en-US" sz="1800" b="0" baseline="0" dirty="0" smtClean="0"/>
-                        <a:t>Office</a:t>
+                        <a:t> Office</a:t>
                       </a:r>
                       <a:endParaRPr lang="en-US" sz="1800" b="0" dirty="0" smtClean="0"/>
                     </a:p>
@@ -17631,7 +17392,7 @@
                 </a:tc>
                 <a:extLst>
                   <a:ext uri="{0D108BD9-81ED-4DB2-BD59-A6C34878D82A}">
-                    <a16:rowId xmlns:a16="http://schemas.microsoft.com/office/drawing/2014/main" val="3204002662"/>
+                    <a16:rowId xmlns:a16="http://schemas.microsoft.com/office/drawing/2014/main" xmlns="" val="3204002662"/>
                   </a:ext>
                 </a:extLst>
               </a:tr>
@@ -17662,14 +17423,13 @@
                         <a:rPr lang="en-US" sz="1800" b="0" dirty="0" smtClean="0"/>
                         <a:t>Module 3: Getting started with Apps for SharePoint</a:t>
                       </a:r>
-                      <a:endParaRPr lang="en-US" sz="1800" b="0" dirty="0" smtClean="0"/>
                     </a:p>
                   </a:txBody>
                   <a:tcPr marL="67371" marR="67371" marT="33685" marB="33685" anchor="ctr"/>
                 </a:tc>
                 <a:extLst>
                   <a:ext uri="{0D108BD9-81ED-4DB2-BD59-A6C34878D82A}">
-                    <a16:rowId xmlns:a16="http://schemas.microsoft.com/office/drawing/2014/main" val="3774542436"/>
+                    <a16:rowId xmlns:a16="http://schemas.microsoft.com/office/drawing/2014/main" xmlns="" val="3774542436"/>
                   </a:ext>
                 </a:extLst>
               </a:tr>
@@ -17721,7 +17481,7 @@
                 </a:tc>
                 <a:extLst>
                   <a:ext uri="{0D108BD9-81ED-4DB2-BD59-A6C34878D82A}">
-                    <a16:rowId xmlns:a16="http://schemas.microsoft.com/office/drawing/2014/main" val="4266278162"/>
+                    <a16:rowId xmlns:a16="http://schemas.microsoft.com/office/drawing/2014/main" xmlns="" val="4266278162"/>
                   </a:ext>
                 </a:extLst>
               </a:tr>
@@ -17758,7 +17518,7 @@
                 </a:tc>
                 <a:extLst>
                   <a:ext uri="{0D108BD9-81ED-4DB2-BD59-A6C34878D82A}">
-                    <a16:rowId xmlns:a16="http://schemas.microsoft.com/office/drawing/2014/main" val="1208832343"/>
+                    <a16:rowId xmlns:a16="http://schemas.microsoft.com/office/drawing/2014/main" xmlns="" val="1208832343"/>
                   </a:ext>
                 </a:extLst>
               </a:tr>
@@ -18330,8 +18090,8 @@
         </p:nvSpPr>
         <p:spPr>
           <a:xfrm>
-            <a:off x="519112" y="1447800"/>
-            <a:ext cx="11149013" cy="632210"/>
+            <a:off x="519112" y="1447798"/>
+            <a:ext cx="11149013" cy="1566707"/>
           </a:xfrm>
         </p:spPr>
         <p:txBody>
@@ -18340,7 +18100,13 @@
           <a:p>
             <a:r>
               <a:rPr lang="en-US" dirty="0" smtClean="0"/>
-              <a:t>Use Discovery Service to get an Access Token</a:t>
+              <a:t>GET Files endpoint</a:t>
+            </a:r>
+          </a:p>
+          <a:p>
+            <a:r>
+              <a:rPr lang="en-US" dirty="0" smtClean="0"/>
+              <a:t>Paging is accomplished post-query using LINQ</a:t>
             </a:r>
             <a:endParaRPr lang="en-US" dirty="0"/>
           </a:p>
@@ -18363,7 +18129,7 @@
           <a:p>
             <a:r>
               <a:rPr lang="en-US" dirty="0" smtClean="0"/>
-              <a:t>Obtaining an Access Token</a:t>
+              <a:t>Reading File Metadata</a:t>
             </a:r>
             <a:endParaRPr lang="en-US" dirty="0"/>
           </a:p>
@@ -18388,150 +18154,6 @@
               <a:rPr lang="en-US" smtClean="0"/>
               <a:pPr/>
               <a:t>20</a:t>
-            </a:fld>
-            <a:endParaRPr lang="en-US" dirty="0"/>
-          </a:p>
-        </p:txBody>
-      </p:sp>
-      <p:pic>
-        <p:nvPicPr>
-          <p:cNvPr id="5" name="Picture 4"/>
-          <p:cNvPicPr>
-            <a:picLocks noChangeAspect="1"/>
-          </p:cNvPicPr>
-          <p:nvPr/>
-        </p:nvPicPr>
-        <p:blipFill>
-          <a:blip r:embed="rId3">
-            <a:extLst>
-              <a:ext uri="{28A0092B-C50C-407E-A947-70E740481C1C}">
-                <a14:useLocalDpi xmlns:a14="http://schemas.microsoft.com/office/drawing/2010/main" val="0"/>
-              </a:ext>
-            </a:extLst>
-          </a:blip>
-          <a:stretch>
-            <a:fillRect/>
-          </a:stretch>
-        </p:blipFill>
-        <p:spPr>
-          <a:xfrm>
-            <a:off x="1179888" y="2455383"/>
-            <a:ext cx="8426336" cy="3568801"/>
-          </a:xfrm>
-          <a:prstGeom prst="rect">
-            <a:avLst/>
-          </a:prstGeom>
-        </p:spPr>
-      </p:pic>
-    </p:spTree>
-    <p:extLst>
-      <p:ext uri="{BB962C8B-B14F-4D97-AF65-F5344CB8AC3E}">
-        <p14:creationId xmlns:p14="http://schemas.microsoft.com/office/powerpoint/2010/main" val="550336623"/>
-      </p:ext>
-    </p:extLst>
-  </p:cSld>
-  <p:clrMapOvr>
-    <a:masterClrMapping/>
-  </p:clrMapOvr>
-  <p:transition>
-    <p:fade/>
-  </p:transition>
-</p:sld>
-</file>
-
-<file path=ppt/slides/slide21.xml><?xml version="1.0" encoding="utf-8"?>
-<p:sld xmlns:a="http://schemas.openxmlformats.org/drawingml/2006/main" xmlns:r="http://schemas.openxmlformats.org/officeDocument/2006/relationships" xmlns:p="http://schemas.openxmlformats.org/presentationml/2006/main">
-  <p:cSld>
-    <p:spTree>
-      <p:nvGrpSpPr>
-        <p:cNvPr id="1" name=""/>
-        <p:cNvGrpSpPr/>
-        <p:nvPr/>
-      </p:nvGrpSpPr>
-      <p:grpSpPr>
-        <a:xfrm>
-          <a:off x="0" y="0"/>
-          <a:ext cx="0" cy="0"/>
-          <a:chOff x="0" y="0"/>
-          <a:chExt cx="0" cy="0"/>
-        </a:xfrm>
-      </p:grpSpPr>
-      <p:sp>
-        <p:nvSpPr>
-          <p:cNvPr id="2" name="Text Placeholder 1"/>
-          <p:cNvSpPr>
-            <a:spLocks noGrp="1"/>
-          </p:cNvSpPr>
-          <p:nvPr>
-            <p:ph type="body" sz="quarter" idx="10"/>
-          </p:nvPr>
-        </p:nvSpPr>
-        <p:spPr>
-          <a:xfrm>
-            <a:off x="519112" y="1447798"/>
-            <a:ext cx="11149013" cy="1566707"/>
-          </a:xfrm>
-        </p:spPr>
-        <p:txBody>
-          <a:bodyPr/>
-          <a:lstStyle/>
-          <a:p>
-            <a:r>
-              <a:rPr lang="en-US" dirty="0" smtClean="0"/>
-              <a:t>GET Files endpoint</a:t>
-            </a:r>
-          </a:p>
-          <a:p>
-            <a:r>
-              <a:rPr lang="en-US" dirty="0" smtClean="0"/>
-              <a:t>Paging is accomplished post-query using LINQ</a:t>
-            </a:r>
-            <a:endParaRPr lang="en-US" dirty="0"/>
-          </a:p>
-        </p:txBody>
-      </p:sp>
-      <p:sp>
-        <p:nvSpPr>
-          <p:cNvPr id="3" name="Title 2"/>
-          <p:cNvSpPr>
-            <a:spLocks noGrp="1"/>
-          </p:cNvSpPr>
-          <p:nvPr>
-            <p:ph type="title"/>
-          </p:nvPr>
-        </p:nvSpPr>
-        <p:spPr/>
-        <p:txBody>
-          <a:bodyPr/>
-          <a:lstStyle/>
-          <a:p>
-            <a:r>
-              <a:rPr lang="en-US" dirty="0" smtClean="0"/>
-              <a:t>Reading File Metadata</a:t>
-            </a:r>
-            <a:endParaRPr lang="en-US" dirty="0"/>
-          </a:p>
-        </p:txBody>
-      </p:sp>
-      <p:sp>
-        <p:nvSpPr>
-          <p:cNvPr id="4" name="Slide Number Placeholder 3"/>
-          <p:cNvSpPr>
-            <a:spLocks noGrp="1"/>
-          </p:cNvSpPr>
-          <p:nvPr>
-            <p:ph type="sldNum" sz="quarter" idx="12"/>
-          </p:nvPr>
-        </p:nvSpPr>
-        <p:spPr/>
-        <p:txBody>
-          <a:bodyPr/>
-          <a:lstStyle/>
-          <a:p>
-            <a:fld id="{727B4C2D-45E2-4621-8491-2995EB46A674}" type="slidenum">
-              <a:rPr lang="en-US" smtClean="0"/>
-              <a:pPr/>
-              <a:t>21</a:t>
             </a:fld>
             <a:endParaRPr lang="en-US" dirty="0"/>
           </a:p>
@@ -18583,7 +18205,7 @@
 </p:sld>
 </file>
 
-<file path=ppt/slides/slide22.xml><?xml version="1.0" encoding="utf-8"?>
+<file path=ppt/slides/slide21.xml><?xml version="1.0" encoding="utf-8"?>
 <p:sld xmlns:a="http://schemas.openxmlformats.org/drawingml/2006/main" xmlns:r="http://schemas.openxmlformats.org/officeDocument/2006/relationships" xmlns:p="http://schemas.openxmlformats.org/presentationml/2006/main">
   <p:cSld>
     <p:spTree>
@@ -18670,7 +18292,7 @@
             <a:fld id="{727B4C2D-45E2-4621-8491-2995EB46A674}" type="slidenum">
               <a:rPr lang="en-US" smtClean="0"/>
               <a:pPr/>
-              <a:t>22</a:t>
+              <a:t>21</a:t>
             </a:fld>
             <a:endParaRPr lang="en-US" dirty="0"/>
           </a:p>
@@ -18722,7 +18344,7 @@
 </p:sld>
 </file>
 
-<file path=ppt/slides/slide23.xml><?xml version="1.0" encoding="utf-8"?>
+<file path=ppt/slides/slide22.xml><?xml version="1.0" encoding="utf-8"?>
 <p:sld xmlns:a="http://schemas.openxmlformats.org/drawingml/2006/main" xmlns:r="http://schemas.openxmlformats.org/officeDocument/2006/relationships" xmlns:p="http://schemas.openxmlformats.org/presentationml/2006/main">
   <p:cSld>
     <p:spTree>
@@ -18807,7 +18429,7 @@
             <a:fld id="{727B4C2D-45E2-4621-8491-2995EB46A674}" type="slidenum">
               <a:rPr lang="en-US" smtClean="0"/>
               <a:pPr/>
-              <a:t>23</a:t>
+              <a:t>22</a:t>
             </a:fld>
             <a:endParaRPr lang="en-US" dirty="0"/>
           </a:p>
@@ -18859,7 +18481,7 @@
 </p:sld>
 </file>
 
-<file path=ppt/slides/slide24.xml><?xml version="1.0" encoding="utf-8"?>
+<file path=ppt/slides/slide23.xml><?xml version="1.0" encoding="utf-8"?>
 <p:sld xmlns:a="http://schemas.openxmlformats.org/drawingml/2006/main" xmlns:r="http://schemas.openxmlformats.org/officeDocument/2006/relationships" xmlns:p="http://schemas.openxmlformats.org/presentationml/2006/main">
   <p:cSld>
     <p:spTree>
@@ -18948,7 +18570,7 @@
 </p:sld>
 </file>
 
-<file path=ppt/slides/slide25.xml><?xml version="1.0" encoding="utf-8"?>
+<file path=ppt/slides/slide24.xml><?xml version="1.0" encoding="utf-8"?>
 <p:sld xmlns:a="http://schemas.openxmlformats.org/drawingml/2006/main" xmlns:r="http://schemas.openxmlformats.org/officeDocument/2006/relationships" xmlns:p="http://schemas.openxmlformats.org/presentationml/2006/main">
   <p:cSld>
     <p:spTree>
@@ -19101,7 +18723,7 @@
 </p:sld>
 </file>
 
-<file path=ppt/slides/slide26.xml><?xml version="1.0" encoding="utf-8"?>
+<file path=ppt/slides/slide25.xml><?xml version="1.0" encoding="utf-8"?>
 <p:sld xmlns:a="http://schemas.openxmlformats.org/drawingml/2006/main" xmlns:r="http://schemas.openxmlformats.org/officeDocument/2006/relationships" xmlns:p="http://schemas.openxmlformats.org/presentationml/2006/main">
   <p:cSld>
     <p:spTree>
@@ -21840,13 +21462,13 @@
   <p:clrMapOvr>
     <a:masterClrMapping/>
   </p:clrMapOvr>
-  <mc:AlternateContent xmlns:mc="http://schemas.openxmlformats.org/markup-compatibility/2006">
-    <mc:Choice xmlns:p14="http://schemas.microsoft.com/office/powerpoint/2010/main" Requires="p14">
+  <mc:AlternateContent xmlns:mc="http://schemas.openxmlformats.org/markup-compatibility/2006" xmlns:p14="http://schemas.microsoft.com/office/powerpoint/2010/main">
+    <mc:Choice Requires="p14">
       <p:transition spd="med" p14:dur="700">
         <p:fade/>
       </p:transition>
     </mc:Choice>
-    <mc:Fallback>
+    <mc:Fallback xmlns="">
       <p:transition spd="med">
         <p:fade/>
       </p:transition>
@@ -24022,7 +23644,7 @@
 </p:sld>
 </file>
 
-<file path=ppt/slides/slide27.xml><?xml version="1.0" encoding="utf-8"?>
+<file path=ppt/slides/slide26.xml><?xml version="1.0" encoding="utf-8"?>
 <p:sld xmlns:a="http://schemas.openxmlformats.org/drawingml/2006/main" xmlns:r="http://schemas.openxmlformats.org/officeDocument/2006/relationships" xmlns:p="http://schemas.openxmlformats.org/presentationml/2006/main">
   <p:cSld>
     <p:spTree>
@@ -24300,41 +23922,8 @@
                 <a:latin typeface="Segoe UI Light" panose="020B0502040204020203" pitchFamily="34" charset="0"/>
                 <a:cs typeface="Segoe UI Light" panose="020B0502040204020203" pitchFamily="34" charset="0"/>
               </a:rPr>
-              <a:t>Explore our </a:t>
-            </a:r>
-            <a:r>
-              <a:rPr lang="en-US" sz="3528" dirty="0">
-                <a:gradFill>
-                  <a:gsLst>
-                    <a:gs pos="0">
-                      <a:srgbClr val="FFFFFF"/>
-                    </a:gs>
-                    <a:gs pos="100000">
-                      <a:srgbClr val="FFFFFF"/>
-                    </a:gs>
-                  </a:gsLst>
-                  <a:lin ang="5400000" scaled="1"/>
-                </a:gradFill>
-                <a:latin typeface="Segoe UI Light" panose="020B0502040204020203" pitchFamily="34" charset="0"/>
-                <a:cs typeface="Segoe UI Light" panose="020B0502040204020203" pitchFamily="34" charset="0"/>
-              </a:rPr>
-              <a:t>developer center</a:t>
-            </a:r>
-            <a:endParaRPr lang="en-US" sz="3528" dirty="0">
-              <a:gradFill>
-                <a:gsLst>
-                  <a:gs pos="0">
-                    <a:srgbClr val="FFFFFF"/>
-                  </a:gs>
-                  <a:gs pos="100000">
-                    <a:srgbClr val="FFFFFF"/>
-                  </a:gs>
-                </a:gsLst>
-                <a:lin ang="5400000" scaled="1"/>
-              </a:gradFill>
-              <a:latin typeface="Segoe UI Light" panose="020B0502040204020203" pitchFamily="34" charset="0"/>
-              <a:cs typeface="Segoe UI Light" panose="020B0502040204020203" pitchFamily="34" charset="0"/>
-            </a:endParaRPr>
+              <a:t>Explore our developer center</a:t>
+            </a:r>
           </a:p>
           <a:p>
             <a:pPr marL="51309" lvl="1" defTabSz="565990"/>
@@ -24692,39 +24281,8 @@
                 </a:gradFill>
                 <a:cs typeface="Segoe UI" panose="020B0502040204020203" pitchFamily="34" charset="0"/>
               </a:rPr>
-              <a:t>http</a:t>
-            </a:r>
-            <a:r>
-              <a:rPr lang="en-US" sz="1764" dirty="0">
-                <a:gradFill>
-                  <a:gsLst>
-                    <a:gs pos="0">
-                      <a:srgbClr val="FFFFFF"/>
-                    </a:gs>
-                    <a:gs pos="100000">
-                      <a:srgbClr val="FFFFFF"/>
-                    </a:gs>
-                  </a:gsLst>
-                  <a:lin ang="5400000" scaled="1"/>
-                </a:gradFill>
-                <a:cs typeface="Segoe UI" panose="020B0502040204020203" pitchFamily="34" charset="0"/>
-              </a:rPr>
-              <a:t>://dev.office.com/code-samples</a:t>
-            </a:r>
-            <a:endParaRPr lang="en-US" sz="1764" dirty="0">
-              <a:gradFill>
-                <a:gsLst>
-                  <a:gs pos="0">
-                    <a:srgbClr val="FFFFFF"/>
-                  </a:gs>
-                  <a:gs pos="100000">
-                    <a:srgbClr val="FFFFFF"/>
-                  </a:gs>
-                </a:gsLst>
-                <a:lin ang="5400000" scaled="1"/>
-              </a:gradFill>
-              <a:cs typeface="Segoe UI" panose="020B0502040204020203" pitchFamily="34" charset="0"/>
-            </a:endParaRPr>
+              <a:t>http://dev.office.com/code-samples</a:t>
+            </a:r>
           </a:p>
         </p:txBody>
       </p:sp>
@@ -25434,24 +24992,6 @@
               </a:rPr>
               <a:t>Jumpstart into our training</a:t>
             </a:r>
-            <a:r>
-              <a:rPr lang="en-US" sz="3528" dirty="0">
-                <a:gradFill>
-                  <a:gsLst>
-                    <a:gs pos="0">
-                      <a:srgbClr val="FFFFFF"/>
-                    </a:gs>
-                    <a:gs pos="100000">
-                      <a:srgbClr val="FFFFFF"/>
-                    </a:gs>
-                  </a:gsLst>
-                  <a:lin ang="5400000" scaled="1"/>
-                </a:gradFill>
-                <a:latin typeface="Segoe UI Light" panose="020B0502040204020203" pitchFamily="34" charset="0"/>
-                <a:cs typeface="Segoe UI Light" panose="020B0502040204020203" pitchFamily="34" charset="0"/>
-              </a:rPr>
-              <a:t/>
-            </a:r>
             <a:br>
               <a:rPr lang="en-US" sz="3528" dirty="0">
                 <a:gradFill>
@@ -25484,39 +25024,8 @@
                 </a:gradFill>
                 <a:cs typeface="Segoe UI" panose="020B0502040204020203" pitchFamily="34" charset="0"/>
               </a:rPr>
-              <a:t>http</a:t>
-            </a:r>
-            <a:r>
-              <a:rPr lang="en-US" sz="1764" dirty="0">
-                <a:gradFill>
-                  <a:gsLst>
-                    <a:gs pos="0">
-                      <a:srgbClr val="FFFFFF"/>
-                    </a:gs>
-                    <a:gs pos="100000">
-                      <a:srgbClr val="FFFFFF"/>
-                    </a:gs>
-                  </a:gsLst>
-                  <a:lin ang="5400000" scaled="1"/>
-                </a:gradFill>
-                <a:cs typeface="Segoe UI" panose="020B0502040204020203" pitchFamily="34" charset="0"/>
-              </a:rPr>
-              <a:t>://dev.office.com/training</a:t>
-            </a:r>
-            <a:endParaRPr lang="en-US" sz="1764" dirty="0">
-              <a:gradFill>
-                <a:gsLst>
-                  <a:gs pos="0">
-                    <a:srgbClr val="FFFFFF"/>
-                  </a:gs>
-                  <a:gs pos="100000">
-                    <a:srgbClr val="FFFFFF"/>
-                  </a:gs>
-                </a:gsLst>
-                <a:lin ang="5400000" scaled="1"/>
-              </a:gradFill>
-              <a:cs typeface="Segoe UI" panose="020B0502040204020203" pitchFamily="34" charset="0"/>
-            </a:endParaRPr>
+              <a:t>http://dev.office.com/training</a:t>
+            </a:r>
           </a:p>
         </p:txBody>
       </p:sp>
@@ -25530,13 +25039,13 @@
   <p:clrMapOvr>
     <a:masterClrMapping/>
   </p:clrMapOvr>
-  <mc:AlternateContent xmlns:mc="http://schemas.openxmlformats.org/markup-compatibility/2006">
-    <mc:Choice xmlns:p14="http://schemas.microsoft.com/office/powerpoint/2010/main" Requires="p14">
+  <mc:AlternateContent xmlns:mc="http://schemas.openxmlformats.org/markup-compatibility/2006" xmlns:p14="http://schemas.microsoft.com/office/powerpoint/2010/main">
+    <mc:Choice Requires="p14">
       <p:transition spd="slow" p14:dur="1250">
         <p14:flip dir="r"/>
       </p:transition>
     </mc:Choice>
-    <mc:Fallback>
+    <mc:Fallback xmlns="">
       <p:transition spd="slow">
         <p:fade/>
       </p:transition>
@@ -26300,7 +25809,7 @@
 </p:sld>
 </file>
 
-<file path=ppt/slides/slide28.xml><?xml version="1.0" encoding="utf-8"?>
+<file path=ppt/slides/slide27.xml><?xml version="1.0" encoding="utf-8"?>
 <p:sld xmlns:a="http://schemas.openxmlformats.org/drawingml/2006/main" xmlns:r="http://schemas.openxmlformats.org/officeDocument/2006/relationships" xmlns:p="http://schemas.openxmlformats.org/presentationml/2006/main">
   <p:cSld>
     <p:spTree>
@@ -26416,24 +25925,7 @@
                 </a:gradFill>
                 <a:cs typeface="Segoe UI" panose="020B0502040204020203" pitchFamily="34" charset="0"/>
               </a:rPr>
-              <a:t>Providing </a:t>
-            </a:r>
-            <a:r>
-              <a:rPr lang="en-US" sz="1958" dirty="0">
-                <a:gradFill>
-                  <a:gsLst>
-                    <a:gs pos="0">
-                      <a:srgbClr val="FFFFFF"/>
-                    </a:gs>
-                    <a:gs pos="100000">
-                      <a:srgbClr val="FFFFFF"/>
-                    </a:gs>
-                  </a:gsLst>
-                  <a:lin ang="5400000" scaled="1"/>
-                </a:gradFill>
-                <a:cs typeface="Segoe UI" panose="020B0502040204020203" pitchFamily="34" charset="0"/>
-              </a:rPr>
-              <a:t>App Model Patterns for common </a:t>
+              <a:t>Providing App Model Patterns for common </a:t>
             </a:r>
             <a:br>
               <a:rPr lang="en-US" sz="1958" dirty="0">
@@ -26504,25 +25996,7 @@
                 <a:latin typeface="Segoe UI Light" panose="020B0502040204020203" pitchFamily="34" charset="0"/>
                 <a:cs typeface="Segoe UI Light" panose="020B0502040204020203" pitchFamily="34" charset="0"/>
               </a:rPr>
-              <a:t>60</a:t>
-            </a:r>
-            <a:r>
-              <a:rPr lang="en-US" sz="3916" dirty="0">
-                <a:gradFill>
-                  <a:gsLst>
-                    <a:gs pos="0">
-                      <a:srgbClr val="FFFFFF"/>
-                    </a:gs>
-                    <a:gs pos="100000">
-                      <a:srgbClr val="FFFFFF"/>
-                    </a:gs>
-                  </a:gsLst>
-                  <a:lin ang="5400000" scaled="1"/>
-                </a:gradFill>
-                <a:latin typeface="Segoe UI Light" panose="020B0502040204020203" pitchFamily="34" charset="0"/>
-                <a:cs typeface="Segoe UI Light" panose="020B0502040204020203" pitchFamily="34" charset="0"/>
-              </a:rPr>
-              <a:t>+ Visual Studio projects</a:t>
+              <a:t>60+ Visual Studio projects</a:t>
             </a:r>
             <a:br>
               <a:rPr lang="en-US" sz="3916" dirty="0">
@@ -27104,13 +26578,13 @@
   <p:clrMapOvr>
     <a:masterClrMapping/>
   </p:clrMapOvr>
-  <mc:AlternateContent xmlns:mc="http://schemas.openxmlformats.org/markup-compatibility/2006">
-    <mc:Choice xmlns:p14="http://schemas.microsoft.com/office/powerpoint/2010/main" Requires="p14">
+  <mc:AlternateContent xmlns:mc="http://schemas.openxmlformats.org/markup-compatibility/2006" xmlns:p14="http://schemas.microsoft.com/office/powerpoint/2010/main">
+    <mc:Choice Requires="p14">
       <p:transition spd="slow" p14:dur="1250">
         <p14:flip dir="l"/>
       </p:transition>
     </mc:Choice>
-    <mc:Fallback>
+    <mc:Fallback xmlns="">
       <p:transition spd="slow">
         <p:fade/>
       </p:transition>
@@ -27332,7 +26806,7 @@
 </p:sld>
 </file>
 
-<file path=ppt/slides/slide29.xml><?xml version="1.0" encoding="utf-8"?>
+<file path=ppt/slides/slide28.xml><?xml version="1.0" encoding="utf-8"?>
 <p:sld xmlns:a="http://schemas.openxmlformats.org/drawingml/2006/main" xmlns:r="http://schemas.openxmlformats.org/officeDocument/2006/relationships" xmlns:p="http://schemas.openxmlformats.org/presentationml/2006/main">
   <p:cSld>
     <p:spTree>
@@ -27643,21 +27117,6 @@
                 </a:rPr>
                 <a:t>Aug</a:t>
               </a:r>
-              <a:endParaRPr lang="en-US" sz="1960" dirty="0">
-                <a:gradFill>
-                  <a:gsLst>
-                    <a:gs pos="0">
-                      <a:schemeClr val="tx1"/>
-                    </a:gs>
-                    <a:gs pos="100000">
-                      <a:schemeClr val="tx1"/>
-                    </a:gs>
-                  </a:gsLst>
-                  <a:lin ang="5400000" scaled="0"/>
-                </a:gradFill>
-                <a:latin typeface="Segoe UI" panose="020B0502040204020203" pitchFamily="34" charset="0"/>
-                <a:cs typeface="Segoe UI" panose="020B0502040204020203" pitchFamily="34" charset="0"/>
-              </a:endParaRPr>
             </a:p>
           </p:txBody>
         </p:sp>
@@ -27719,21 +27178,6 @@
                 </a:rPr>
                 <a:t>Sept</a:t>
               </a:r>
-              <a:endParaRPr lang="en-US" sz="1960" dirty="0">
-                <a:gradFill>
-                  <a:gsLst>
-                    <a:gs pos="0">
-                      <a:schemeClr val="tx1"/>
-                    </a:gs>
-                    <a:gs pos="100000">
-                      <a:schemeClr val="tx1"/>
-                    </a:gs>
-                  </a:gsLst>
-                  <a:lin ang="5400000" scaled="0"/>
-                </a:gradFill>
-                <a:latin typeface="Segoe UI" panose="020B0502040204020203" pitchFamily="34" charset="0"/>
-                <a:cs typeface="Segoe UI" panose="020B0502040204020203" pitchFamily="34" charset="0"/>
-              </a:endParaRPr>
             </a:p>
           </p:txBody>
         </p:sp>
@@ -27795,21 +27239,6 @@
                 </a:rPr>
                 <a:t>Oct</a:t>
               </a:r>
-              <a:endParaRPr lang="en-US" sz="1960" dirty="0">
-                <a:gradFill>
-                  <a:gsLst>
-                    <a:gs pos="0">
-                      <a:schemeClr val="tx1"/>
-                    </a:gs>
-                    <a:gs pos="100000">
-                      <a:schemeClr val="tx1"/>
-                    </a:gs>
-                  </a:gsLst>
-                  <a:lin ang="5400000" scaled="0"/>
-                </a:gradFill>
-                <a:latin typeface="Segoe UI" panose="020B0502040204020203" pitchFamily="34" charset="0"/>
-                <a:cs typeface="Segoe UI" panose="020B0502040204020203" pitchFamily="34" charset="0"/>
-              </a:endParaRPr>
             </a:p>
           </p:txBody>
         </p:sp>
@@ -28190,21 +27619,6 @@
                 </a:rPr>
                 <a:t>Jan</a:t>
               </a:r>
-              <a:endParaRPr lang="en-US" sz="1960" dirty="0">
-                <a:gradFill>
-                  <a:gsLst>
-                    <a:gs pos="0">
-                      <a:schemeClr val="tx1"/>
-                    </a:gs>
-                    <a:gs pos="100000">
-                      <a:schemeClr val="tx1"/>
-                    </a:gs>
-                  </a:gsLst>
-                  <a:lin ang="5400000" scaled="0"/>
-                </a:gradFill>
-                <a:latin typeface="Segoe UI" panose="020B0502040204020203" pitchFamily="34" charset="0"/>
-                <a:cs typeface="Segoe UI" panose="020B0502040204020203" pitchFamily="34" charset="0"/>
-              </a:endParaRPr>
             </a:p>
           </p:txBody>
         </p:sp>
@@ -28266,21 +27680,6 @@
                 </a:rPr>
                 <a:t>Nov</a:t>
               </a:r>
-              <a:endParaRPr lang="en-US" sz="1960" dirty="0">
-                <a:gradFill>
-                  <a:gsLst>
-                    <a:gs pos="0">
-                      <a:schemeClr val="tx1"/>
-                    </a:gs>
-                    <a:gs pos="100000">
-                      <a:schemeClr val="tx1"/>
-                    </a:gs>
-                  </a:gsLst>
-                  <a:lin ang="5400000" scaled="0"/>
-                </a:gradFill>
-                <a:latin typeface="Segoe UI" panose="020B0502040204020203" pitchFamily="34" charset="0"/>
-                <a:cs typeface="Segoe UI" panose="020B0502040204020203" pitchFamily="34" charset="0"/>
-              </a:endParaRPr>
             </a:p>
           </p:txBody>
         </p:sp>
@@ -28342,21 +27741,6 @@
                 </a:rPr>
                 <a:t>Dec</a:t>
               </a:r>
-              <a:endParaRPr lang="en-US" sz="1960" dirty="0">
-                <a:gradFill>
-                  <a:gsLst>
-                    <a:gs pos="0">
-                      <a:schemeClr val="tx1"/>
-                    </a:gs>
-                    <a:gs pos="100000">
-                      <a:schemeClr val="tx1"/>
-                    </a:gs>
-                  </a:gsLst>
-                  <a:lin ang="5400000" scaled="0"/>
-                </a:gradFill>
-                <a:latin typeface="Segoe UI" panose="020B0502040204020203" pitchFamily="34" charset="0"/>
-                <a:cs typeface="Segoe UI" panose="020B0502040204020203" pitchFamily="34" charset="0"/>
-              </a:endParaRPr>
             </a:p>
           </p:txBody>
         </p:sp>
@@ -29106,40 +28490,7 @@
                   <a:ea typeface="Segoe UI" panose="020B0502040204020203" pitchFamily="34" charset="0"/>
                   <a:cs typeface="Segoe UI Semibold" panose="020B0702040204020203" pitchFamily="34" charset="0"/>
                 </a:rPr>
-                <a:t>Shipping </a:t>
-              </a:r>
-              <a:r>
-                <a:rPr lang="en-US" sz="1372" dirty="0">
-                  <a:solidFill>
-                    <a:schemeClr val="accent6"/>
-                  </a:solidFill>
-                  <a:latin typeface="Segoe UI Semibold" panose="020B0702040204020203" pitchFamily="34" charset="0"/>
-                  <a:ea typeface="Segoe UI" panose="020B0502040204020203" pitchFamily="34" charset="0"/>
-                  <a:cs typeface="Segoe UI Semibold" panose="020B0702040204020203" pitchFamily="34" charset="0"/>
-                </a:rPr>
-                <a:t>your </a:t>
-              </a:r>
-              <a:r>
-                <a:rPr lang="en-US" sz="1372" dirty="0">
-                  <a:solidFill>
-                    <a:schemeClr val="accent6"/>
-                  </a:solidFill>
-                  <a:latin typeface="Segoe UI Semibold" panose="020B0702040204020203" pitchFamily="34" charset="0"/>
-                  <a:ea typeface="Segoe UI" panose="020B0502040204020203" pitchFamily="34" charset="0"/>
-                  <a:cs typeface="Segoe UI Semibold" panose="020B0702040204020203" pitchFamily="34" charset="0"/>
-                </a:rPr>
-                <a:t>Office 365 </a:t>
-              </a:r>
-              <a:r>
-                <a:rPr lang="en-US" sz="1372" dirty="0">
-                  <a:solidFill>
-                    <a:schemeClr val="accent6"/>
-                  </a:solidFill>
-                  <a:latin typeface="Segoe UI Semibold" panose="020B0702040204020203" pitchFamily="34" charset="0"/>
-                  <a:ea typeface="Segoe UI" panose="020B0502040204020203" pitchFamily="34" charset="0"/>
-                  <a:cs typeface="Segoe UI Semibold" panose="020B0702040204020203" pitchFamily="34" charset="0"/>
-                </a:rPr>
-                <a:t>App </a:t>
+                <a:t>Shipping your Office 365 App </a:t>
               </a:r>
               <a:br>
                 <a:rPr lang="en-US" sz="1372" dirty="0">
@@ -29183,14 +28534,6 @@
                 </a:rPr>
                 <a:t>Office Store </a:t>
               </a:r>
-              <a:endParaRPr lang="en-US" sz="1372" dirty="0">
-                <a:solidFill>
-                  <a:schemeClr val="accent6"/>
-                </a:solidFill>
-                <a:latin typeface="Segoe UI Semibold" panose="020B0702040204020203" pitchFamily="34" charset="0"/>
-                <a:ea typeface="Segoe UI" panose="020B0502040204020203" pitchFamily="34" charset="0"/>
-                <a:cs typeface="Segoe UI Semibold" panose="020B0702040204020203" pitchFamily="34" charset="0"/>
-              </a:endParaRPr>
             </a:p>
           </p:txBody>
         </p:sp>
@@ -29264,17 +28607,6 @@
                 </a:rPr>
                 <a:t>Deep dive into </a:t>
               </a:r>
-              <a:r>
-                <a:rPr lang="en-US" sz="1372" dirty="0">
-                  <a:solidFill>
-                    <a:schemeClr val="accent6"/>
-                  </a:solidFill>
-                  <a:latin typeface="Segoe UI Semibold" panose="020B0702040204020203" pitchFamily="34" charset="0"/>
-                  <a:ea typeface="Segoe UI" panose="020B0502040204020203" pitchFamily="34" charset="0"/>
-                  <a:cs typeface="Segoe UI Semibold" panose="020B0702040204020203" pitchFamily="34" charset="0"/>
-                </a:rPr>
-                <a:t/>
-              </a:r>
               <a:br>
                 <a:rPr lang="en-US" sz="1372" dirty="0">
                   <a:solidFill>
@@ -29294,18 +28626,7 @@
                   <a:ea typeface="Segoe UI" panose="020B0502040204020203" pitchFamily="34" charset="0"/>
                   <a:cs typeface="Segoe UI Semibold" panose="020B0702040204020203" pitchFamily="34" charset="0"/>
                 </a:rPr>
-                <a:t>the </a:t>
-              </a:r>
-              <a:r>
-                <a:rPr lang="en-US" sz="1372" dirty="0">
-                  <a:solidFill>
-                    <a:schemeClr val="accent6"/>
-                  </a:solidFill>
-                  <a:latin typeface="Segoe UI Semibold" panose="020B0702040204020203" pitchFamily="34" charset="0"/>
-                  <a:ea typeface="Segoe UI" panose="020B0502040204020203" pitchFamily="34" charset="0"/>
-                  <a:cs typeface="Segoe UI Semibold" panose="020B0702040204020203" pitchFamily="34" charset="0"/>
-                </a:rPr>
-                <a:t>building blocks and services of the SharePoint platform </a:t>
+                <a:t>the building blocks and services of the SharePoint platform </a:t>
               </a:r>
             </a:p>
           </p:txBody>
@@ -29496,21 +28817,6 @@
                 </a:rPr>
                 <a:t>Feb</a:t>
               </a:r>
-              <a:endParaRPr lang="en-US" sz="1960" dirty="0">
-                <a:gradFill>
-                  <a:gsLst>
-                    <a:gs pos="0">
-                      <a:schemeClr val="tx1"/>
-                    </a:gs>
-                    <a:gs pos="100000">
-                      <a:schemeClr val="tx1"/>
-                    </a:gs>
-                  </a:gsLst>
-                  <a:lin ang="5400000" scaled="0"/>
-                </a:gradFill>
-                <a:latin typeface="Segoe UI" panose="020B0502040204020203" pitchFamily="34" charset="0"/>
-                <a:cs typeface="Segoe UI" panose="020B0502040204020203" pitchFamily="34" charset="0"/>
-              </a:endParaRPr>
             </a:p>
           </p:txBody>
         </p:sp>
@@ -30100,386 +29406,7 @@
 </p:sld>
 </file>
 
-<file path=ppt/slides/slide3.xml><?xml version="1.0" encoding="utf-8"?>
-<p:sld xmlns:a="http://schemas.openxmlformats.org/drawingml/2006/main" xmlns:r="http://schemas.openxmlformats.org/officeDocument/2006/relationships" xmlns:p="http://schemas.openxmlformats.org/presentationml/2006/main">
-  <p:cSld>
-    <p:spTree>
-      <p:nvGrpSpPr>
-        <p:cNvPr id="1" name=""/>
-        <p:cNvGrpSpPr/>
-        <p:nvPr/>
-      </p:nvGrpSpPr>
-      <p:grpSpPr>
-        <a:xfrm>
-          <a:off x="0" y="0"/>
-          <a:ext cx="0" cy="0"/>
-          <a:chOff x="0" y="0"/>
-          <a:chExt cx="0" cy="0"/>
-        </a:xfrm>
-      </p:grpSpPr>
-      <p:sp>
-        <p:nvSpPr>
-          <p:cNvPr id="5" name="Title 4"/>
-          <p:cNvSpPr>
-            <a:spLocks noGrp="1"/>
-          </p:cNvSpPr>
-          <p:nvPr>
-            <p:ph type="title"/>
-          </p:nvPr>
-        </p:nvSpPr>
-        <p:spPr/>
-        <p:txBody>
-          <a:bodyPr/>
-          <a:lstStyle/>
-          <a:p>
-            <a:r>
-              <a:rPr lang="en-US" dirty="0" smtClean="0"/>
-              <a:t>Course Agenda</a:t>
-            </a:r>
-            <a:endParaRPr lang="en-US" dirty="0"/>
-          </a:p>
-        </p:txBody>
-      </p:sp>
-      <p:graphicFrame>
-        <p:nvGraphicFramePr>
-          <p:cNvPr id="10" name="Content Placeholder 9"/>
-          <p:cNvGraphicFramePr>
-            <a:graphicFrameLocks noGrp="1"/>
-          </p:cNvGraphicFramePr>
-          <p:nvPr>
-            <p:ph sz="quarter" idx="10"/>
-            <p:extLst>
-              <p:ext uri="{D42A27DB-BD31-4B8C-83A1-F6EECF244321}">
-                <p14:modId xmlns:p14="http://schemas.microsoft.com/office/powerpoint/2010/main" val="3852056370"/>
-              </p:ext>
-            </p:extLst>
-          </p:nvPr>
-        </p:nvGraphicFramePr>
-        <p:xfrm>
-          <a:off x="438838" y="1244303"/>
-          <a:ext cx="11225057" cy="4093821"/>
-        </p:xfrm>
-        <a:graphic>
-          <a:graphicData uri="http://schemas.openxmlformats.org/drawingml/2006/table">
-            <a:tbl>
-              <a:tblPr firstRow="1" bandRow="1">
-                <a:tableStyleId>{5C22544A-7EE6-4342-B048-85BDC9FD1C3A}</a:tableStyleId>
-              </a:tblPr>
-              <a:tblGrid>
-                <a:gridCol w="11225057">
-                  <a:extLst>
-                    <a:ext uri="{9D8B030D-6E8A-4147-A177-3AD203B41FA5}">
-                      <a16:colId xmlns:a16="http://schemas.microsoft.com/office/drawing/2014/main" val="1253488153"/>
-                    </a:ext>
-                  </a:extLst>
-                </a:gridCol>
-              </a:tblGrid>
-              <a:tr h="1106101">
-                <a:tc>
-                  <a:txBody>
-                    <a:bodyPr/>
-                    <a:lstStyle/>
-                    <a:p>
-                      <a:r>
-                        <a:rPr lang="en-US" sz="2400" dirty="0" smtClean="0"/>
-                        <a:t>Deep Dive into Integrating Office 365 APIs with Web Applications</a:t>
-                      </a:r>
-                      <a:endParaRPr lang="en-US" sz="2400" dirty="0"/>
-                    </a:p>
-                  </a:txBody>
-                  <a:tcPr marL="91403" marR="91403" marT="45701" marB="45701" anchor="ctr"/>
-                </a:tc>
-                <a:extLst>
-                  <a:ext uri="{0D108BD9-81ED-4DB2-BD59-A6C34878D82A}">
-                    <a16:rowId xmlns:a16="http://schemas.microsoft.com/office/drawing/2014/main" val="829859176"/>
-                  </a:ext>
-                </a:extLst>
-              </a:tr>
-              <a:tr h="417220">
-                <a:tc>
-                  <a:txBody>
-                    <a:bodyPr/>
-                    <a:lstStyle/>
-                    <a:p>
-                      <a:r>
-                        <a:rPr lang="en-US" sz="1800" b="0" dirty="0" smtClean="0"/>
-                        <a:t>Module 1: Deep Dive into Azure AD with the Office 365 APIs</a:t>
-                      </a:r>
-                      <a:endParaRPr lang="en-US" sz="1800" b="0" baseline="0" dirty="0" smtClean="0"/>
-                    </a:p>
-                  </a:txBody>
-                  <a:tcPr marL="91403" marR="91403" marT="45701" marB="45701" anchor="ctr"/>
-                </a:tc>
-                <a:extLst>
-                  <a:ext uri="{0D108BD9-81ED-4DB2-BD59-A6C34878D82A}">
-                    <a16:rowId xmlns:a16="http://schemas.microsoft.com/office/drawing/2014/main" val="1946132611"/>
-                  </a:ext>
-                </a:extLst>
-              </a:tr>
-              <a:tr h="417220">
-                <a:tc>
-                  <a:txBody>
-                    <a:bodyPr/>
-                    <a:lstStyle/>
-                    <a:p>
-                      <a:pPr marL="0" marR="0" indent="0" algn="l" defTabSz="932559" rtl="0" eaLnBrk="1" fontAlgn="auto" latinLnBrk="0" hangingPunct="1">
-                        <a:lnSpc>
-                          <a:spcPct val="100000"/>
-                        </a:lnSpc>
-                        <a:spcBef>
-                          <a:spcPts val="0"/>
-                        </a:spcBef>
-                        <a:spcAft>
-                          <a:spcPts val="0"/>
-                        </a:spcAft>
-                        <a:buClrTx/>
-                        <a:buSzTx/>
-                        <a:buFontTx/>
-                        <a:buNone/>
-                        <a:tabLst/>
-                        <a:defRPr/>
-                      </a:pPr>
-                      <a:r>
-                        <a:rPr lang="en-US" sz="1800" b="0" dirty="0" smtClean="0"/>
-                        <a:t>Module 2: Deep Dive into Office 365 APIs for Calendar,</a:t>
-                      </a:r>
-                      <a:r>
-                        <a:rPr lang="en-US" sz="1800" b="0" baseline="0" dirty="0" smtClean="0"/>
-                        <a:t> Mail, and Contacts</a:t>
-                      </a:r>
-                      <a:endParaRPr lang="en-US" sz="1800" b="0" dirty="0" smtClean="0"/>
-                    </a:p>
-                  </a:txBody>
-                  <a:tcPr marL="91403" marR="91403" marT="45701" marB="45701" anchor="ctr"/>
-                </a:tc>
-                <a:extLst>
-                  <a:ext uri="{0D108BD9-81ED-4DB2-BD59-A6C34878D82A}">
-                    <a16:rowId xmlns:a16="http://schemas.microsoft.com/office/drawing/2014/main" val="3204002662"/>
-                  </a:ext>
-                </a:extLst>
-              </a:tr>
-              <a:tr h="417220">
-                <a:tc>
-                  <a:txBody>
-                    <a:bodyPr/>
-                    <a:lstStyle/>
-                    <a:p>
-                      <a:pPr marL="0" marR="0" indent="0" algn="l" defTabSz="914363" rtl="0" eaLnBrk="1" fontAlgn="auto" latinLnBrk="0" hangingPunct="1">
-                        <a:lnSpc>
-                          <a:spcPct val="100000"/>
-                        </a:lnSpc>
-                        <a:spcBef>
-                          <a:spcPts val="0"/>
-                        </a:spcBef>
-                        <a:spcAft>
-                          <a:spcPts val="0"/>
-                        </a:spcAft>
-                        <a:buClrTx/>
-                        <a:buSzTx/>
-                        <a:buFontTx/>
-                        <a:buNone/>
-                        <a:tabLst/>
-                        <a:defRPr/>
-                      </a:pPr>
-                      <a:r>
-                        <a:rPr lang="en-US" sz="1800" b="1" dirty="0" smtClean="0"/>
-                        <a:t>Module 3: Deep Dive into Office 365 APIs for OneDrive for Business</a:t>
-                      </a:r>
-                    </a:p>
-                  </a:txBody>
-                  <a:tcPr marL="91403" marR="91403" marT="45701" marB="45701" anchor="ctr"/>
-                </a:tc>
-                <a:extLst>
-                  <a:ext uri="{0D108BD9-81ED-4DB2-BD59-A6C34878D82A}">
-                    <a16:rowId xmlns:a16="http://schemas.microsoft.com/office/drawing/2014/main" val="4266278162"/>
-                  </a:ext>
-                </a:extLst>
-              </a:tr>
-              <a:tr h="484400">
-                <a:tc>
-                  <a:txBody>
-                    <a:bodyPr/>
-                    <a:lstStyle/>
-                    <a:p>
-                      <a:pPr marL="0" marR="0" indent="0" algn="l" defTabSz="914363" rtl="0" eaLnBrk="1" fontAlgn="auto" latinLnBrk="0" hangingPunct="1">
-                        <a:lnSpc>
-                          <a:spcPct val="100000"/>
-                        </a:lnSpc>
-                        <a:spcBef>
-                          <a:spcPts val="0"/>
-                        </a:spcBef>
-                        <a:spcAft>
-                          <a:spcPts val="0"/>
-                        </a:spcAft>
-                        <a:buClrTx/>
-                        <a:buSzTx/>
-                        <a:buFontTx/>
-                        <a:buNone/>
-                        <a:tabLst/>
-                        <a:defRPr/>
-                      </a:pPr>
-                      <a:r>
-                        <a:rPr lang="en-US" sz="1800" b="0" dirty="0" smtClean="0"/>
-                        <a:t>Module 4: Deep Dive into Office 365 APIs for SharePoint Site services</a:t>
-                      </a:r>
-                      <a:endParaRPr lang="en-US" sz="1800" b="1" dirty="0" smtClean="0"/>
-                    </a:p>
-                  </a:txBody>
-                  <a:tcPr marL="91403" marR="91403" marT="45701" marB="45701" anchor="ctr"/>
-                </a:tc>
-                <a:extLst>
-                  <a:ext uri="{0D108BD9-81ED-4DB2-BD59-A6C34878D82A}">
-                    <a16:rowId xmlns:a16="http://schemas.microsoft.com/office/drawing/2014/main" val="2405060554"/>
-                  </a:ext>
-                </a:extLst>
-              </a:tr>
-              <a:tr h="417220">
-                <a:tc>
-                  <a:txBody>
-                    <a:bodyPr/>
-                    <a:lstStyle/>
-                    <a:p>
-                      <a:pPr marL="0" marR="0" indent="0" algn="l" defTabSz="914363" rtl="0" eaLnBrk="1" fontAlgn="auto" latinLnBrk="0" hangingPunct="1">
-                        <a:lnSpc>
-                          <a:spcPct val="100000"/>
-                        </a:lnSpc>
-                        <a:spcBef>
-                          <a:spcPts val="0"/>
-                        </a:spcBef>
-                        <a:spcAft>
-                          <a:spcPts val="0"/>
-                        </a:spcAft>
-                        <a:buClrTx/>
-                        <a:buSzTx/>
-                        <a:buFontTx/>
-                        <a:buNone/>
-                        <a:tabLst/>
-                        <a:defRPr/>
-                      </a:pPr>
-                      <a:r>
-                        <a:rPr lang="en-US" sz="1800" b="0" dirty="0" smtClean="0"/>
-                        <a:t>Module 5:</a:t>
-                      </a:r>
-                      <a:r>
-                        <a:rPr lang="en-US" sz="1800" b="0" baseline="0" dirty="0" smtClean="0"/>
-                        <a:t> </a:t>
-                      </a:r>
-                      <a:r>
-                        <a:rPr lang="en-US" sz="1800" b="0" dirty="0" smtClean="0"/>
-                        <a:t>Deep Dive into Office 365 APIs for Yammer services</a:t>
-                      </a:r>
-                    </a:p>
-                  </a:txBody>
-                  <a:tcPr marL="91403" marR="91403" marT="45701" marB="45701" anchor="ctr"/>
-                </a:tc>
-                <a:extLst>
-                  <a:ext uri="{0D108BD9-81ED-4DB2-BD59-A6C34878D82A}">
-                    <a16:rowId xmlns:a16="http://schemas.microsoft.com/office/drawing/2014/main" val="3069023435"/>
-                  </a:ext>
-                </a:extLst>
-              </a:tr>
-              <a:tr h="417220">
-                <a:tc>
-                  <a:txBody>
-                    <a:bodyPr/>
-                    <a:lstStyle/>
-                    <a:p>
-                      <a:pPr marL="0" marR="0" indent="0" algn="l" defTabSz="914363" rtl="0" eaLnBrk="1" fontAlgn="auto" latinLnBrk="0" hangingPunct="1">
-                        <a:lnSpc>
-                          <a:spcPct val="100000"/>
-                        </a:lnSpc>
-                        <a:spcBef>
-                          <a:spcPts val="0"/>
-                        </a:spcBef>
-                        <a:spcAft>
-                          <a:spcPts val="0"/>
-                        </a:spcAft>
-                        <a:buClrTx/>
-                        <a:buSzTx/>
-                        <a:buFontTx/>
-                        <a:buNone/>
-                        <a:tabLst/>
-                        <a:defRPr/>
-                      </a:pPr>
-                      <a:r>
-                        <a:rPr lang="en-US" sz="1800" b="0" dirty="0" smtClean="0"/>
-                        <a:t>Module 6: Deep Dive into Office 365 APIs for Office Graph</a:t>
-                      </a:r>
-                    </a:p>
-                  </a:txBody>
-                  <a:tcPr marL="91403" marR="91403" marT="45701" marB="45701" anchor="ctr"/>
-                </a:tc>
-                <a:extLst>
-                  <a:ext uri="{0D108BD9-81ED-4DB2-BD59-A6C34878D82A}">
-                    <a16:rowId xmlns:a16="http://schemas.microsoft.com/office/drawing/2014/main" val="2293274207"/>
-                  </a:ext>
-                </a:extLst>
-              </a:tr>
-              <a:tr h="417220">
-                <a:tc>
-                  <a:txBody>
-                    <a:bodyPr/>
-                    <a:lstStyle/>
-                    <a:p>
-                      <a:pPr marL="0" marR="0" indent="0" algn="l" defTabSz="914363" rtl="0" eaLnBrk="1" fontAlgn="auto" latinLnBrk="0" hangingPunct="1">
-                        <a:lnSpc>
-                          <a:spcPct val="100000"/>
-                        </a:lnSpc>
-                        <a:spcBef>
-                          <a:spcPts val="0"/>
-                        </a:spcBef>
-                        <a:spcAft>
-                          <a:spcPts val="0"/>
-                        </a:spcAft>
-                        <a:buClrTx/>
-                        <a:buSzTx/>
-                        <a:buFontTx/>
-                        <a:buNone/>
-                        <a:tabLst/>
-                        <a:defRPr/>
-                      </a:pPr>
-                      <a:r>
-                        <a:rPr lang="en-US" sz="1800" b="0" dirty="0" smtClean="0"/>
-                        <a:t>Module 7: Deep Dive into Office 365 APIs for OneNote services</a:t>
-                      </a:r>
-                    </a:p>
-                  </a:txBody>
-                  <a:tcPr marL="91403" marR="91403" marT="45701" marB="45701" anchor="ctr"/>
-                </a:tc>
-                <a:extLst>
-                  <a:ext uri="{0D108BD9-81ED-4DB2-BD59-A6C34878D82A}">
-                    <a16:rowId xmlns:a16="http://schemas.microsoft.com/office/drawing/2014/main" val="4198435309"/>
-                  </a:ext>
-                </a:extLst>
-              </a:tr>
-            </a:tbl>
-          </a:graphicData>
-        </a:graphic>
-      </p:graphicFrame>
-    </p:spTree>
-    <p:extLst>
-      <p:ext uri="{BB962C8B-B14F-4D97-AF65-F5344CB8AC3E}">
-        <p14:creationId xmlns:p14="http://schemas.microsoft.com/office/powerpoint/2010/main" val="2536830214"/>
-      </p:ext>
-    </p:extLst>
-  </p:cSld>
-  <p:clrMapOvr>
-    <a:masterClrMapping/>
-  </p:clrMapOvr>
-  <p:transition>
-    <p:fade/>
-  </p:transition>
-  <p:timing>
-    <p:tnLst>
-      <p:par>
-        <p:cTn id="1" dur="indefinite" restart="never" nodeType="tmRoot"/>
-      </p:par>
-    </p:tnLst>
-  </p:timing>
-</p:sld>
-</file>
-
-<file path=ppt/slides/slide30.xml><?xml version="1.0" encoding="utf-8"?>
+<file path=ppt/slides/slide29.xml><?xml version="1.0" encoding="utf-8"?>
 <p:sld xmlns:a="http://schemas.openxmlformats.org/drawingml/2006/main" xmlns:r="http://schemas.openxmlformats.org/officeDocument/2006/relationships" xmlns:p="http://schemas.openxmlformats.org/presentationml/2006/main">
   <p:cSld>
     <p:spTree>
@@ -30567,26 +29494,7 @@
                 <a:ea typeface="Segoe UI" pitchFamily="34" charset="0"/>
                 <a:cs typeface="Segoe UI" pitchFamily="34" charset="0"/>
               </a:rPr>
-              <a:t>2014 </a:t>
-            </a:r>
-            <a:r>
-              <a:rPr lang="en-US" sz="700" dirty="0" smtClean="0">
-                <a:gradFill>
-                  <a:gsLst>
-                    <a:gs pos="0">
-                      <a:schemeClr val="tx1"/>
-                    </a:gs>
-                    <a:gs pos="100000">
-                      <a:schemeClr val="tx1"/>
-                    </a:gs>
-                  </a:gsLst>
-                  <a:lin ang="5400000" scaled="0"/>
-                </a:gradFill>
-                <a:latin typeface="Segoe UI" pitchFamily="34" charset="0"/>
-                <a:ea typeface="Segoe UI" pitchFamily="34" charset="0"/>
-                <a:cs typeface="Segoe UI" pitchFamily="34" charset="0"/>
-              </a:rPr>
-              <a:t>Microsoft </a:t>
+              <a:t>2014 Microsoft </a:t>
             </a:r>
             <a:r>
               <a:rPr lang="en-US" sz="700" dirty="0">
@@ -30861,18 +29769,397 @@
   <p:clrMapOvr>
     <a:masterClrMapping/>
   </p:clrMapOvr>
-  <mc:AlternateContent xmlns:mc="http://schemas.openxmlformats.org/markup-compatibility/2006">
-    <mc:Choice xmlns:p14="http://schemas.microsoft.com/office/powerpoint/2010/main" Requires="p14">
+  <mc:AlternateContent xmlns:mc="http://schemas.openxmlformats.org/markup-compatibility/2006" xmlns:p14="http://schemas.microsoft.com/office/powerpoint/2010/main">
+    <mc:Choice Requires="p14">
       <p:transition spd="slow" p14:dur="3400">
         <p14:reveal/>
       </p:transition>
     </mc:Choice>
-    <mc:Fallback>
+    <mc:Fallback xmlns="">
       <p:transition spd="slow">
         <p:fade/>
       </p:transition>
     </mc:Fallback>
   </mc:AlternateContent>
+  <p:timing>
+    <p:tnLst>
+      <p:par>
+        <p:cTn id="1" dur="indefinite" restart="never" nodeType="tmRoot"/>
+      </p:par>
+    </p:tnLst>
+  </p:timing>
+</p:sld>
+</file>
+
+<file path=ppt/slides/slide3.xml><?xml version="1.0" encoding="utf-8"?>
+<p:sld xmlns:a="http://schemas.openxmlformats.org/drawingml/2006/main" xmlns:r="http://schemas.openxmlformats.org/officeDocument/2006/relationships" xmlns:p="http://schemas.openxmlformats.org/presentationml/2006/main">
+  <p:cSld>
+    <p:spTree>
+      <p:nvGrpSpPr>
+        <p:cNvPr id="1" name=""/>
+        <p:cNvGrpSpPr/>
+        <p:nvPr/>
+      </p:nvGrpSpPr>
+      <p:grpSpPr>
+        <a:xfrm>
+          <a:off x="0" y="0"/>
+          <a:ext cx="0" cy="0"/>
+          <a:chOff x="0" y="0"/>
+          <a:chExt cx="0" cy="0"/>
+        </a:xfrm>
+      </p:grpSpPr>
+      <p:sp>
+        <p:nvSpPr>
+          <p:cNvPr id="5" name="Title 4"/>
+          <p:cNvSpPr>
+            <a:spLocks noGrp="1"/>
+          </p:cNvSpPr>
+          <p:nvPr>
+            <p:ph type="title"/>
+          </p:nvPr>
+        </p:nvSpPr>
+        <p:spPr/>
+        <p:txBody>
+          <a:bodyPr/>
+          <a:lstStyle/>
+          <a:p>
+            <a:r>
+              <a:rPr lang="en-US" dirty="0" smtClean="0"/>
+              <a:t>Course Agenda</a:t>
+            </a:r>
+            <a:endParaRPr lang="en-US" dirty="0"/>
+          </a:p>
+        </p:txBody>
+      </p:sp>
+      <p:graphicFrame>
+        <p:nvGraphicFramePr>
+          <p:cNvPr id="10" name="Content Placeholder 9"/>
+          <p:cNvGraphicFramePr>
+            <a:graphicFrameLocks noGrp="1"/>
+          </p:cNvGraphicFramePr>
+          <p:nvPr>
+            <p:ph sz="quarter" idx="10"/>
+            <p:extLst>
+              <p:ext uri="{D42A27DB-BD31-4B8C-83A1-F6EECF244321}">
+                <p14:modId xmlns:p14="http://schemas.microsoft.com/office/powerpoint/2010/main" val="3852056370"/>
+              </p:ext>
+            </p:extLst>
+          </p:nvPr>
+        </p:nvGraphicFramePr>
+        <p:xfrm>
+          <a:off x="438838" y="1244303"/>
+          <a:ext cx="11225057" cy="4093821"/>
+        </p:xfrm>
+        <a:graphic>
+          <a:graphicData uri="http://schemas.openxmlformats.org/drawingml/2006/table">
+            <a:tbl>
+              <a:tblPr firstRow="1" bandRow="1">
+                <a:tableStyleId>{5C22544A-7EE6-4342-B048-85BDC9FD1C3A}</a:tableStyleId>
+              </a:tblPr>
+              <a:tblGrid>
+                <a:gridCol w="11225057">
+                  <a:extLst>
+                    <a:ext uri="{9D8B030D-6E8A-4147-A177-3AD203B41FA5}">
+                      <a16:colId xmlns:a16="http://schemas.microsoft.com/office/drawing/2014/main" xmlns="" val="1253488153"/>
+                    </a:ext>
+                  </a:extLst>
+                </a:gridCol>
+              </a:tblGrid>
+              <a:tr h="1106101">
+                <a:tc>
+                  <a:txBody>
+                    <a:bodyPr/>
+                    <a:lstStyle/>
+                    <a:p>
+                      <a:r>
+                        <a:rPr lang="en-US" sz="2400" dirty="0" smtClean="0"/>
+                        <a:t>Deep Dive into Integrating Office 365 APIs with Web Applications</a:t>
+                      </a:r>
+                      <a:endParaRPr lang="en-US" sz="2400" dirty="0"/>
+                    </a:p>
+                  </a:txBody>
+                  <a:tcPr marL="91403" marR="91403" marT="45701" marB="45701" anchor="ctr"/>
+                </a:tc>
+                <a:extLst>
+                  <a:ext uri="{0D108BD9-81ED-4DB2-BD59-A6C34878D82A}">
+                    <a16:rowId xmlns:a16="http://schemas.microsoft.com/office/drawing/2014/main" xmlns="" val="829859176"/>
+                  </a:ext>
+                </a:extLst>
+              </a:tr>
+              <a:tr h="417220">
+                <a:tc>
+                  <a:txBody>
+                    <a:bodyPr/>
+                    <a:lstStyle/>
+                    <a:p>
+                      <a:r>
+                        <a:rPr lang="en-US" sz="1800" b="0" dirty="0" smtClean="0"/>
+                        <a:t>Module 1: Deep Dive into Azure AD with the Office 365 APIs</a:t>
+                      </a:r>
+                      <a:endParaRPr lang="en-US" sz="1800" b="0" baseline="0" dirty="0" smtClean="0"/>
+                    </a:p>
+                  </a:txBody>
+                  <a:tcPr marL="91403" marR="91403" marT="45701" marB="45701" anchor="ctr"/>
+                </a:tc>
+                <a:extLst>
+                  <a:ext uri="{0D108BD9-81ED-4DB2-BD59-A6C34878D82A}">
+                    <a16:rowId xmlns:a16="http://schemas.microsoft.com/office/drawing/2014/main" xmlns="" val="1946132611"/>
+                  </a:ext>
+                </a:extLst>
+              </a:tr>
+              <a:tr h="417220">
+                <a:tc>
+                  <a:txBody>
+                    <a:bodyPr/>
+                    <a:lstStyle/>
+                    <a:p>
+                      <a:pPr marL="0" marR="0" indent="0" algn="l" defTabSz="932559" rtl="0" eaLnBrk="1" fontAlgn="auto" latinLnBrk="0" hangingPunct="1">
+                        <a:lnSpc>
+                          <a:spcPct val="100000"/>
+                        </a:lnSpc>
+                        <a:spcBef>
+                          <a:spcPts val="0"/>
+                        </a:spcBef>
+                        <a:spcAft>
+                          <a:spcPts val="0"/>
+                        </a:spcAft>
+                        <a:buClrTx/>
+                        <a:buSzTx/>
+                        <a:buFontTx/>
+                        <a:buNone/>
+                        <a:tabLst/>
+                        <a:defRPr/>
+                      </a:pPr>
+                      <a:r>
+                        <a:rPr lang="en-US" sz="1800" b="0" dirty="0" smtClean="0"/>
+                        <a:t>Module 2: Deep Dive into Office 365 APIs for Calendar,</a:t>
+                      </a:r>
+                      <a:r>
+                        <a:rPr lang="en-US" sz="1800" b="0" baseline="0" dirty="0" smtClean="0"/>
+                        <a:t> Mail, and Contacts</a:t>
+                      </a:r>
+                      <a:endParaRPr lang="en-US" sz="1800" b="0" dirty="0" smtClean="0"/>
+                    </a:p>
+                  </a:txBody>
+                  <a:tcPr marL="91403" marR="91403" marT="45701" marB="45701" anchor="ctr"/>
+                </a:tc>
+                <a:extLst>
+                  <a:ext uri="{0D108BD9-81ED-4DB2-BD59-A6C34878D82A}">
+                    <a16:rowId xmlns:a16="http://schemas.microsoft.com/office/drawing/2014/main" xmlns="" val="3204002662"/>
+                  </a:ext>
+                </a:extLst>
+              </a:tr>
+              <a:tr h="417220">
+                <a:tc>
+                  <a:txBody>
+                    <a:bodyPr/>
+                    <a:lstStyle/>
+                    <a:p>
+                      <a:pPr marL="0" marR="0" indent="0" algn="l" defTabSz="914363" rtl="0" eaLnBrk="1" fontAlgn="auto" latinLnBrk="0" hangingPunct="1">
+                        <a:lnSpc>
+                          <a:spcPct val="100000"/>
+                        </a:lnSpc>
+                        <a:spcBef>
+                          <a:spcPts val="0"/>
+                        </a:spcBef>
+                        <a:spcAft>
+                          <a:spcPts val="0"/>
+                        </a:spcAft>
+                        <a:buClrTx/>
+                        <a:buSzTx/>
+                        <a:buFontTx/>
+                        <a:buNone/>
+                        <a:tabLst/>
+                        <a:defRPr/>
+                      </a:pPr>
+                      <a:r>
+                        <a:rPr lang="en-US" sz="1800" b="1" dirty="0" smtClean="0"/>
+                        <a:t>Module 3: Deep Dive into Office 365 APIs for OneDrive for Business</a:t>
+                      </a:r>
+                    </a:p>
+                  </a:txBody>
+                  <a:tcPr marL="91403" marR="91403" marT="45701" marB="45701" anchor="ctr"/>
+                </a:tc>
+                <a:extLst>
+                  <a:ext uri="{0D108BD9-81ED-4DB2-BD59-A6C34878D82A}">
+                    <a16:rowId xmlns:a16="http://schemas.microsoft.com/office/drawing/2014/main" xmlns="" val="4266278162"/>
+                  </a:ext>
+                </a:extLst>
+              </a:tr>
+              <a:tr h="484400">
+                <a:tc>
+                  <a:txBody>
+                    <a:bodyPr/>
+                    <a:lstStyle/>
+                    <a:p>
+                      <a:pPr marL="0" marR="0" indent="0" algn="l" defTabSz="914363" rtl="0" eaLnBrk="1" fontAlgn="auto" latinLnBrk="0" hangingPunct="1">
+                        <a:lnSpc>
+                          <a:spcPct val="100000"/>
+                        </a:lnSpc>
+                        <a:spcBef>
+                          <a:spcPts val="0"/>
+                        </a:spcBef>
+                        <a:spcAft>
+                          <a:spcPts val="0"/>
+                        </a:spcAft>
+                        <a:buClrTx/>
+                        <a:buSzTx/>
+                        <a:buFontTx/>
+                        <a:buNone/>
+                        <a:tabLst/>
+                        <a:defRPr/>
+                      </a:pPr>
+                      <a:r>
+                        <a:rPr lang="en-US" sz="1800" b="0" dirty="0" smtClean="0"/>
+                        <a:t>Module 4: Deep Dive into Office 365 APIs for SharePoint Site services</a:t>
+                      </a:r>
+                      <a:endParaRPr lang="en-US" sz="1800" b="1" dirty="0" smtClean="0"/>
+                    </a:p>
+                  </a:txBody>
+                  <a:tcPr marL="91403" marR="91403" marT="45701" marB="45701" anchor="ctr"/>
+                </a:tc>
+                <a:extLst>
+                  <a:ext uri="{0D108BD9-81ED-4DB2-BD59-A6C34878D82A}">
+                    <a16:rowId xmlns:a16="http://schemas.microsoft.com/office/drawing/2014/main" xmlns="" val="2405060554"/>
+                  </a:ext>
+                </a:extLst>
+              </a:tr>
+              <a:tr h="417220">
+                <a:tc>
+                  <a:txBody>
+                    <a:bodyPr/>
+                    <a:lstStyle/>
+                    <a:p>
+                      <a:pPr marL="0" marR="0" indent="0" algn="l" defTabSz="914363" rtl="0" eaLnBrk="1" fontAlgn="auto" latinLnBrk="0" hangingPunct="1">
+                        <a:lnSpc>
+                          <a:spcPct val="100000"/>
+                        </a:lnSpc>
+                        <a:spcBef>
+                          <a:spcPts val="0"/>
+                        </a:spcBef>
+                        <a:spcAft>
+                          <a:spcPts val="0"/>
+                        </a:spcAft>
+                        <a:buClrTx/>
+                        <a:buSzTx/>
+                        <a:buFontTx/>
+                        <a:buNone/>
+                        <a:tabLst/>
+                        <a:defRPr/>
+                      </a:pPr>
+                      <a:r>
+                        <a:rPr lang="en-US" sz="1800" b="0" dirty="0" smtClean="0"/>
+                        <a:t>Module 5:</a:t>
+                      </a:r>
+                      <a:r>
+                        <a:rPr lang="en-US" sz="1800" b="0" baseline="0" dirty="0" smtClean="0"/>
+                        <a:t> </a:t>
+                      </a:r>
+                      <a:r>
+                        <a:rPr lang="en-US" sz="1800" b="0" dirty="0" smtClean="0"/>
+                        <a:t>Deep Dive into Office 365 APIs for Yammer services</a:t>
+                      </a:r>
+                    </a:p>
+                  </a:txBody>
+                  <a:tcPr marL="91403" marR="91403" marT="45701" marB="45701" anchor="ctr"/>
+                </a:tc>
+                <a:extLst>
+                  <a:ext uri="{0D108BD9-81ED-4DB2-BD59-A6C34878D82A}">
+                    <a16:rowId xmlns:a16="http://schemas.microsoft.com/office/drawing/2014/main" xmlns="" val="3069023435"/>
+                  </a:ext>
+                </a:extLst>
+              </a:tr>
+              <a:tr h="417220">
+                <a:tc>
+                  <a:txBody>
+                    <a:bodyPr/>
+                    <a:lstStyle/>
+                    <a:p>
+                      <a:pPr marL="0" marR="0" indent="0" algn="l" defTabSz="914363" rtl="0" eaLnBrk="1" fontAlgn="auto" latinLnBrk="0" hangingPunct="1">
+                        <a:lnSpc>
+                          <a:spcPct val="100000"/>
+                        </a:lnSpc>
+                        <a:spcBef>
+                          <a:spcPts val="0"/>
+                        </a:spcBef>
+                        <a:spcAft>
+                          <a:spcPts val="0"/>
+                        </a:spcAft>
+                        <a:buClrTx/>
+                        <a:buSzTx/>
+                        <a:buFontTx/>
+                        <a:buNone/>
+                        <a:tabLst/>
+                        <a:defRPr/>
+                      </a:pPr>
+                      <a:r>
+                        <a:rPr lang="en-US" sz="1800" b="0" dirty="0" smtClean="0"/>
+                        <a:t>Module 6: Deep Dive into Office 365 APIs for Office Graph</a:t>
+                      </a:r>
+                    </a:p>
+                  </a:txBody>
+                  <a:tcPr marL="91403" marR="91403" marT="45701" marB="45701" anchor="ctr"/>
+                </a:tc>
+                <a:extLst>
+                  <a:ext uri="{0D108BD9-81ED-4DB2-BD59-A6C34878D82A}">
+                    <a16:rowId xmlns:a16="http://schemas.microsoft.com/office/drawing/2014/main" xmlns="" val="2293274207"/>
+                  </a:ext>
+                </a:extLst>
+              </a:tr>
+              <a:tr h="417220">
+                <a:tc>
+                  <a:txBody>
+                    <a:bodyPr/>
+                    <a:lstStyle/>
+                    <a:p>
+                      <a:pPr marL="0" marR="0" indent="0" algn="l" defTabSz="914363" rtl="0" eaLnBrk="1" fontAlgn="auto" latinLnBrk="0" hangingPunct="1">
+                        <a:lnSpc>
+                          <a:spcPct val="100000"/>
+                        </a:lnSpc>
+                        <a:spcBef>
+                          <a:spcPts val="0"/>
+                        </a:spcBef>
+                        <a:spcAft>
+                          <a:spcPts val="0"/>
+                        </a:spcAft>
+                        <a:buClrTx/>
+                        <a:buSzTx/>
+                        <a:buFontTx/>
+                        <a:buNone/>
+                        <a:tabLst/>
+                        <a:defRPr/>
+                      </a:pPr>
+                      <a:r>
+                        <a:rPr lang="en-US" sz="1800" b="0" dirty="0" smtClean="0"/>
+                        <a:t>Module 7: Deep Dive into Office 365 APIs for OneNote services</a:t>
+                      </a:r>
+                    </a:p>
+                  </a:txBody>
+                  <a:tcPr marL="91403" marR="91403" marT="45701" marB="45701" anchor="ctr"/>
+                </a:tc>
+                <a:extLst>
+                  <a:ext uri="{0D108BD9-81ED-4DB2-BD59-A6C34878D82A}">
+                    <a16:rowId xmlns:a16="http://schemas.microsoft.com/office/drawing/2014/main" xmlns="" val="4198435309"/>
+                  </a:ext>
+                </a:extLst>
+              </a:tr>
+            </a:tbl>
+          </a:graphicData>
+        </a:graphic>
+      </p:graphicFrame>
+    </p:spTree>
+    <p:extLst>
+      <p:ext uri="{BB962C8B-B14F-4D97-AF65-F5344CB8AC3E}">
+        <p14:creationId xmlns:p14="http://schemas.microsoft.com/office/powerpoint/2010/main" val="2536830214"/>
+      </p:ext>
+    </p:extLst>
+  </p:cSld>
+  <p:clrMapOvr>
+    <a:masterClrMapping/>
+  </p:clrMapOvr>
+  <p:transition>
+    <p:fade/>
+  </p:transition>
   <p:timing>
     <p:tnLst>
       <p:par>
@@ -30917,22 +30204,14 @@
           <a:p>
             <a:r>
               <a:rPr lang="en-US" sz="4800" b="1" dirty="0"/>
-              <a:t>Deep Dive into Office 365 </a:t>
-            </a:r>
-            <a:r>
-              <a:rPr lang="en-US" sz="4800" b="1" dirty="0"/>
-              <a:t>APIs</a:t>
+              <a:t>Deep Dive into Office 365 APIs</a:t>
             </a:r>
             <a:br>
               <a:rPr lang="en-US" sz="4800" b="1" dirty="0"/>
             </a:br>
             <a:r>
               <a:rPr lang="en-US" sz="4800" b="1" dirty="0"/>
-              <a:t>for </a:t>
-            </a:r>
-            <a:r>
-              <a:rPr lang="en-US" sz="4800" b="1" dirty="0"/>
-              <a:t>OneDrive for Business</a:t>
+              <a:t>for OneDrive for Business</a:t>
             </a:r>
           </a:p>
         </p:txBody>
@@ -32976,21 +32255,6 @@
 </file>
 
 <file path=customXml/item1.xml><?xml version="1.0" encoding="utf-8"?>
-<p:properties xmlns:p="http://schemas.microsoft.com/office/2006/metadata/properties" xmlns:xsi="http://www.w3.org/2001/XMLSchema-instance" xmlns:pc="http://schemas.microsoft.com/office/infopath/2007/PartnerControls">
-  <documentManagement/>
-</p:properties>
-</file>
-
-<file path=customXml/item2.xml><?xml version="1.0" encoding="utf-8"?>
-<?mso-contentType ?>
-<FormTemplates xmlns="http://schemas.microsoft.com/sharepoint/v3/contenttype/forms">
-  <Display>DocumentLibraryForm</Display>
-  <Edit>DocumentLibraryForm</Edit>
-  <New>DocumentLibraryForm</New>
-</FormTemplates>
-</file>
-
-<file path=customXml/item3.xml><?xml version="1.0" encoding="utf-8"?>
 <ct:contentTypeSchema xmlns:ct="http://schemas.microsoft.com/office/2006/metadata/contentType" xmlns:ma="http://schemas.microsoft.com/office/2006/metadata/properties/metaAttributes" ct:_="" ma:_="" ma:contentTypeName="Document" ma:contentTypeID="0x010100A2E4C90AA7333249A7DBC8CC6F49919B" ma:contentTypeVersion="1" ma:contentTypeDescription="Create a new document." ma:contentTypeScope="" ma:versionID="e7b09f0f38d7ed30c7da14951e97abcc">
   <xsd:schema xmlns:xsd="http://www.w3.org/2001/XMLSchema" xmlns:xs="http://www.w3.org/2001/XMLSchema" xmlns:p="http://schemas.microsoft.com/office/2006/metadata/properties" xmlns:ns2="5fad15d0-477e-40da-a20d-40d4ca777cbd" targetNamespace="http://schemas.microsoft.com/office/2006/metadata/properties" ma:root="true" ma:fieldsID="0cee24db179c30c5ebec40b677cadf70" ns2:_="">
     <xsd:import namespace="5fad15d0-477e-40da-a20d-40d4ca777cbd"/>
@@ -33130,31 +32394,22 @@
 </ct:contentTypeSchema>
 </file>
 
-<file path=customXml/itemProps1.xml><?xml version="1.0" encoding="utf-8"?>
-<ds:datastoreItem xmlns:ds="http://schemas.openxmlformats.org/officeDocument/2006/customXml" ds:itemID="{DA593625-DB14-4FB0-B5A9-3269FA9C120B}">
-  <ds:schemaRefs>
-    <ds:schemaRef ds:uri="http://www.w3.org/XML/1998/namespace"/>
-    <ds:schemaRef ds:uri="http://purl.org/dc/elements/1.1/"/>
-    <ds:schemaRef ds:uri="http://schemas.microsoft.com/office/2006/metadata/properties"/>
-    <ds:schemaRef ds:uri="http://purl.org/dc/dcmitype/"/>
-    <ds:schemaRef ds:uri="http://schemas.microsoft.com/office/infopath/2007/PartnerControls"/>
-    <ds:schemaRef ds:uri="5fad15d0-477e-40da-a20d-40d4ca777cbd"/>
-    <ds:schemaRef ds:uri="http://schemas.openxmlformats.org/package/2006/metadata/core-properties"/>
-    <ds:schemaRef ds:uri="http://purl.org/dc/terms/"/>
-    <ds:schemaRef ds:uri="http://schemas.microsoft.com/office/2006/documentManagement/types"/>
-  </ds:schemaRefs>
-</ds:datastoreItem>
+<file path=customXml/item2.xml><?xml version="1.0" encoding="utf-8"?>
+<?mso-contentType ?>
+<FormTemplates xmlns="http://schemas.microsoft.com/sharepoint/v3/contenttype/forms">
+  <Display>DocumentLibraryForm</Display>
+  <Edit>DocumentLibraryForm</Edit>
+  <New>DocumentLibraryForm</New>
+</FormTemplates>
 </file>
 
-<file path=customXml/itemProps2.xml><?xml version="1.0" encoding="utf-8"?>
-<ds:datastoreItem xmlns:ds="http://schemas.openxmlformats.org/officeDocument/2006/customXml" ds:itemID="{E1E0CE18-CA03-4891-9CD8-3448778E3D53}">
-  <ds:schemaRefs>
-    <ds:schemaRef ds:uri="http://schemas.microsoft.com/sharepoint/v3/contenttype/forms"/>
-  </ds:schemaRefs>
-</ds:datastoreItem>
+<file path=customXml/item3.xml><?xml version="1.0" encoding="utf-8"?>
+<p:properties xmlns:p="http://schemas.microsoft.com/office/2006/metadata/properties" xmlns:xsi="http://www.w3.org/2001/XMLSchema-instance" xmlns:pc="http://schemas.microsoft.com/office/infopath/2007/PartnerControls">
+  <documentManagement/>
+</p:properties>
 </file>
 
-<file path=customXml/itemProps3.xml><?xml version="1.0" encoding="utf-8"?>
+<file path=customXml/itemProps1.xml><?xml version="1.0" encoding="utf-8"?>
 <ds:datastoreItem xmlns:ds="http://schemas.openxmlformats.org/officeDocument/2006/customXml" ds:itemID="{F17DCE38-6787-497B-B958-75817420EB1E}">
   <ds:schemaRefs>
     <ds:schemaRef ds:uri="http://schemas.microsoft.com/office/2006/metadata/contentType"/>
@@ -33170,4 +32425,28 @@
     <ds:schemaRef ds:uri="http://schemas.microsoft.com/internal/obd"/>
   </ds:schemaRefs>
 </ds:datastoreItem>
+</file>
+
+<file path=customXml/itemProps2.xml><?xml version="1.0" encoding="utf-8"?>
+<ds:datastoreItem xmlns:ds="http://schemas.openxmlformats.org/officeDocument/2006/customXml" ds:itemID="{E1E0CE18-CA03-4891-9CD8-3448778E3D53}">
+  <ds:schemaRefs>
+    <ds:schemaRef ds:uri="http://schemas.microsoft.com/sharepoint/v3/contenttype/forms"/>
+  </ds:schemaRefs>
+</ds:datastoreItem>
+</file>
+
+<file path=customXml/itemProps3.xml><?xml version="1.0" encoding="utf-8"?>
+<ds:datastoreItem xmlns:ds="http://schemas.openxmlformats.org/officeDocument/2006/customXml" ds:itemID="{DA593625-DB14-4FB0-B5A9-3269FA9C120B}">
+  <ds:schemaRefs>
+    <ds:schemaRef ds:uri="http://www.w3.org/XML/1998/namespace"/>
+    <ds:schemaRef ds:uri="http://purl.org/dc/elements/1.1/"/>
+    <ds:schemaRef ds:uri="http://schemas.microsoft.com/office/2006/metadata/properties"/>
+    <ds:schemaRef ds:uri="http://purl.org/dc/dcmitype/"/>
+    <ds:schemaRef ds:uri="http://schemas.microsoft.com/office/infopath/2007/PartnerControls"/>
+    <ds:schemaRef ds:uri="5fad15d0-477e-40da-a20d-40d4ca777cbd"/>
+    <ds:schemaRef ds:uri="http://schemas.openxmlformats.org/package/2006/metadata/core-properties"/>
+    <ds:schemaRef ds:uri="http://purl.org/dc/terms/"/>
+    <ds:schemaRef ds:uri="http://schemas.microsoft.com/office/2006/documentManagement/types"/>
+  </ds:schemaRefs>
+</ds:datastoreItem>
 </file>
--- a/O3653-3 Deep Dive into Office 365 APIs for OneDrive for Business/O3653-3 Deep Dive into Office 365 APIs for OneDrive for Business.pptx
+++ b/O3653-3 Deep Dive into Office 365 APIs for OneDrive for Business/O3653-3 Deep Dive into Office 365 APIs for OneDrive for Business.pptx
@@ -343,7 +343,7 @@
           <a:p>
             <a:fld id="{DE219B1A-AE41-483B-A766-69B9363DDA6A}" type="datetimeFigureOut">
               <a:rPr lang="en-US" smtClean="0"/>
-              <a:t>10/5/2014</a:t>
+              <a:t>11/15/2014</a:t>
             </a:fld>
             <a:endParaRPr lang="en-US"/>
           </a:p>
@@ -625,7 +625,7 @@
           <a:p>
             <a:fld id="{D51B1278-D92B-4AF3-A9C1-71DD298190CE}" type="datetimeFigureOut">
               <a:rPr lang="en-US" smtClean="0"/>
-              <a:t>10/5/2014</a:t>
+              <a:t>11/15/2014</a:t>
             </a:fld>
             <a:endParaRPr lang="en-US"/>
           </a:p>
@@ -1243,7 +1243,7 @@
                 </a:solidFill>
               </a:rPr>
               <a:pPr/>
-              <a:t>10/5/2014</a:t>
+              <a:t>11/15/2014</a:t>
             </a:fld>
             <a:endParaRPr lang="en-US" dirty="0">
               <a:solidFill>
@@ -1426,7 +1426,7 @@
           <a:p>
             <a:fld id="{9F6C2A45-62A9-453C-B1A0-E9BD4232256A}" type="datetime1">
               <a:rPr lang="en-US" smtClean="0"/>
-              <a:t>10/5/2014</a:t>
+              <a:t>11/15/2014</a:t>
             </a:fld>
             <a:endParaRPr lang="en-US"/>
           </a:p>
@@ -1655,7 +1655,7 @@
           <a:p>
             <a:fld id="{4A523DA0-D7F9-40C8-93F2-955D0B90721A}" type="datetime1">
               <a:rPr lang="en-US" smtClean="0"/>
-              <a:t>10/5/2014</a:t>
+              <a:t>11/15/2014</a:t>
             </a:fld>
             <a:endParaRPr lang="en-US"/>
           </a:p>
@@ -1888,7 +1888,7 @@
           <a:p>
             <a:fld id="{1CC0E6A2-9C05-4C6A-B248-617B7C1A9EAE}" type="datetime1">
               <a:rPr lang="en-US" smtClean="0"/>
-              <a:t>10/5/2014</a:t>
+              <a:t>11/15/2014</a:t>
             </a:fld>
             <a:endParaRPr lang="en-US"/>
           </a:p>
@@ -2148,7 +2148,7 @@
           <a:p>
             <a:fld id="{B079C3B8-7366-4A44-A34B-3977080C19E7}" type="datetime1">
               <a:rPr lang="en-US" smtClean="0"/>
-              <a:t>10/5/2014</a:t>
+              <a:t>11/15/2014</a:t>
             </a:fld>
             <a:endParaRPr lang="en-US" dirty="0"/>
           </a:p>
@@ -2289,7 +2289,7 @@
                 </a:solidFill>
               </a:rPr>
               <a:pPr/>
-              <a:t>10/5/2014</a:t>
+              <a:t>11/15/2014</a:t>
             </a:fld>
             <a:endParaRPr lang="en-US" dirty="0">
               <a:solidFill>
@@ -2485,7 +2485,7 @@
           <a:p>
             <a:fld id="{E74353ED-ACB2-44BF-A903-985B0AF962B7}" type="datetime1">
               <a:rPr lang="en-US" smtClean="0"/>
-              <a:t>10/5/2014</a:t>
+              <a:t>11/15/2014</a:t>
             </a:fld>
             <a:endParaRPr lang="en-US" dirty="0"/>
           </a:p>
@@ -2704,7 +2704,7 @@
           <a:p>
             <a:fld id="{0BB6559B-C68D-49B4-97AE-9BB74C417927}" type="datetime1">
               <a:rPr lang="en-US" smtClean="0"/>
-              <a:t>10/5/2014</a:t>
+              <a:t>11/15/2014</a:t>
             </a:fld>
             <a:endParaRPr lang="en-US"/>
           </a:p>
@@ -2865,7 +2865,7 @@
           <a:p>
             <a:fld id="{B079C3B8-7366-4A44-A34B-3977080C19E7}" type="datetime1">
               <a:rPr lang="en-US" smtClean="0"/>
-              <a:t>10/5/2014</a:t>
+              <a:t>11/15/2014</a:t>
             </a:fld>
             <a:endParaRPr lang="en-US" dirty="0"/>
           </a:p>
@@ -3034,7 +3034,7 @@
           <a:p>
             <a:fld id="{EF0BC8FF-1410-4CCA-B01C-BFED761700B3}" type="datetime1">
               <a:rPr lang="en-US" smtClean="0"/>
-              <a:t>10/5/2014</a:t>
+              <a:t>11/15/2014</a:t>
             </a:fld>
             <a:endParaRPr lang="en-US"/>
           </a:p>
@@ -3271,7 +3271,7 @@
           <a:p>
             <a:fld id="{ADC4CC81-B90F-4AD9-813B-0B6C2BAB785E}" type="datetime1">
               <a:rPr lang="en-US" smtClean="0"/>
-              <a:t>10/5/2014</a:t>
+              <a:t>11/15/2014</a:t>
             </a:fld>
             <a:endParaRPr lang="en-US"/>
           </a:p>
@@ -3540,7 +3540,7 @@
           <a:p>
             <a:fld id="{ECF38875-AA95-4108-85FB-972DEC840C1C}" type="datetime1">
               <a:rPr lang="en-US" smtClean="0"/>
-              <a:t>10/5/2014</a:t>
+              <a:t>11/15/2014</a:t>
             </a:fld>
             <a:endParaRPr lang="en-US"/>
           </a:p>
@@ -3764,7 +3764,7 @@
           <a:p>
             <a:fld id="{F4ED0980-F356-492E-AEE0-341D5AB7B1F8}" type="datetime1">
               <a:rPr lang="en-US" smtClean="0"/>
-              <a:t>10/5/2014</a:t>
+              <a:t>11/15/2014</a:t>
             </a:fld>
             <a:endParaRPr lang="en-US"/>
           </a:p>
@@ -3986,7 +3986,7 @@
           <a:p>
             <a:fld id="{23FDFFE0-9E47-4B8C-842E-FA426FE218C8}" type="datetime1">
               <a:rPr lang="en-US" smtClean="0"/>
-              <a:t>10/5/2014</a:t>
+              <a:t>11/15/2014</a:t>
             </a:fld>
             <a:endParaRPr lang="en-US"/>
           </a:p>
@@ -4228,7 +4228,7 @@
           <a:p>
             <a:fld id="{8DACB9AA-B03F-4672-BD3F-07034206D49E}" type="datetime1">
               <a:rPr lang="en-US" smtClean="0"/>
-              <a:t>10/5/2014</a:t>
+              <a:t>11/15/2014</a:t>
             </a:fld>
             <a:endParaRPr lang="en-US"/>
           </a:p>
@@ -4471,7 +4471,7 @@
                 </a:solidFill>
               </a:rPr>
               <a:pPr/>
-              <a:t>10/5/2014</a:t>
+              <a:t>11/15/2014</a:t>
             </a:fld>
             <a:endParaRPr lang="en-US" dirty="0">
               <a:solidFill>
@@ -15085,28 +15085,22 @@
       </p:sp>
       <p:pic>
         <p:nvPicPr>
-          <p:cNvPr id="6" name="Picture 5"/>
+          <p:cNvPr id="5" name="Picture 4"/>
           <p:cNvPicPr>
             <a:picLocks noChangeAspect="1"/>
           </p:cNvPicPr>
           <p:nvPr/>
         </p:nvPicPr>
         <p:blipFill>
-          <a:blip r:embed="rId3">
-            <a:extLst>
-              <a:ext uri="{28A0092B-C50C-407E-A947-70E740481C1C}">
-                <a14:useLocalDpi xmlns:a14="http://schemas.microsoft.com/office/drawing/2010/main" val="0"/>
-              </a:ext>
-            </a:extLst>
-          </a:blip>
+          <a:blip r:embed="rId3"/>
           <a:stretch>
             <a:fillRect/>
           </a:stretch>
         </p:blipFill>
         <p:spPr>
           <a:xfrm>
-            <a:off x="1418926" y="2951116"/>
-            <a:ext cx="7825111" cy="2716154"/>
+            <a:off x="1861079" y="3166428"/>
+            <a:ext cx="8466667" cy="3342857"/>
           </a:xfrm>
           <a:prstGeom prst="rect">
             <a:avLst/>
@@ -15174,13 +15168,8 @@
           <a:p>
             <a:r>
               <a:rPr lang="en-US" dirty="0" smtClean="0"/>
-              <a:t>Can also read an individual </a:t>
-            </a:r>
-            <a:r>
-              <a:rPr lang="en-US" dirty="0" smtClean="0"/>
-              <a:t>Folder</a:t>
-            </a:r>
-            <a:endParaRPr lang="en-US" dirty="0" smtClean="0"/>
+              <a:t>Can also read an individual Folder</a:t>
+            </a:r>
           </a:p>
         </p:txBody>
       </p:sp>
@@ -15285,12 +15274,21 @@
             </a:r>
             <a:r>
               <a:rPr lang="en-US" dirty="0" err="1" smtClean="0"/>
-              <a:t>AddAsync</a:t>
+              <a:t>AddItemAsync</a:t>
             </a:r>
             <a:r>
               <a:rPr lang="en-US" dirty="0" smtClean="0"/>
-              <a:t> method</a:t>
-            </a:r>
+              <a:t>() &amp; </a:t>
+            </a:r>
+            <a:r>
+              <a:rPr lang="en-US" dirty="0" err="1" smtClean="0"/>
+              <a:t>UploadAsync</a:t>
+            </a:r>
+            <a:r>
+              <a:rPr lang="en-US" dirty="0" smtClean="0"/>
+              <a:t>() methods</a:t>
+            </a:r>
+            <a:endParaRPr lang="en-US" dirty="0" smtClean="0"/>
           </a:p>
           <a:p>
             <a:r>
@@ -15350,28 +15348,22 @@
       </p:sp>
       <p:pic>
         <p:nvPicPr>
-          <p:cNvPr id="6" name="Picture 5"/>
+          <p:cNvPr id="7" name="Picture 6"/>
           <p:cNvPicPr>
             <a:picLocks noChangeAspect="1"/>
           </p:cNvPicPr>
           <p:nvPr/>
         </p:nvPicPr>
         <p:blipFill>
-          <a:blip r:embed="rId2">
-            <a:extLst>
-              <a:ext uri="{28A0092B-C50C-407E-A947-70E740481C1C}">
-                <a14:useLocalDpi xmlns:a14="http://schemas.microsoft.com/office/drawing/2010/main" val="0"/>
-              </a:ext>
-            </a:extLst>
-          </a:blip>
+          <a:blip r:embed="rId2"/>
           <a:stretch>
             <a:fillRect/>
           </a:stretch>
         </p:blipFill>
         <p:spPr>
           <a:xfrm>
-            <a:off x="721683" y="3547219"/>
-            <a:ext cx="8244332" cy="695616"/>
+            <a:off x="1753068" y="3038076"/>
+            <a:ext cx="8682689" cy="2773178"/>
           </a:xfrm>
           <a:prstGeom prst="rect">
             <a:avLst/>
@@ -15432,12 +15424,21 @@
             </a:r>
             <a:r>
               <a:rPr lang="en-US" dirty="0" err="1" smtClean="0"/>
-              <a:t>GetByAsync</a:t>
+              <a:t>GetById</a:t>
             </a:r>
             <a:r>
               <a:rPr lang="en-US" dirty="0" smtClean="0"/>
-              <a:t> method</a:t>
-            </a:r>
+              <a:t>() &amp; </a:t>
+            </a:r>
+            <a:r>
+              <a:rPr lang="en-US" dirty="0" err="1" smtClean="0"/>
+              <a:t>ExecuteAsync</a:t>
+            </a:r>
+            <a:r>
+              <a:rPr lang="en-US" dirty="0" smtClean="0"/>
+              <a:t>() methods</a:t>
+            </a:r>
+            <a:endParaRPr lang="en-US" dirty="0" smtClean="0"/>
           </a:p>
           <a:p>
             <a:r>
@@ -15450,7 +15451,11 @@
             </a:r>
             <a:r>
               <a:rPr lang="en-US" dirty="0" smtClean="0"/>
-              <a:t> method</a:t>
+              <a:t>() </a:t>
+            </a:r>
+            <a:r>
+              <a:rPr lang="en-US" dirty="0" smtClean="0"/>
+              <a:t>method</a:t>
             </a:r>
             <a:endParaRPr lang="en-US" dirty="0"/>
           </a:p>
@@ -15505,28 +15510,22 @@
       </p:sp>
       <p:pic>
         <p:nvPicPr>
-          <p:cNvPr id="5" name="Picture 4"/>
+          <p:cNvPr id="6" name="Picture 5"/>
           <p:cNvPicPr>
             <a:picLocks noChangeAspect="1"/>
           </p:cNvPicPr>
           <p:nvPr/>
         </p:nvPicPr>
         <p:blipFill>
-          <a:blip r:embed="rId2">
-            <a:extLst>
-              <a:ext uri="{28A0092B-C50C-407E-A947-70E740481C1C}">
-                <a14:useLocalDpi xmlns:a14="http://schemas.microsoft.com/office/drawing/2010/main" val="0"/>
-              </a:ext>
-            </a:extLst>
-          </a:blip>
+          <a:blip r:embed="rId2"/>
           <a:stretch>
             <a:fillRect/>
           </a:stretch>
         </p:blipFill>
         <p:spPr>
           <a:xfrm>
-            <a:off x="801043" y="4032471"/>
-            <a:ext cx="7372862" cy="770642"/>
+            <a:off x="1645891" y="3717827"/>
+            <a:ext cx="8897042" cy="1636238"/>
           </a:xfrm>
           <a:prstGeom prst="rect">
             <a:avLst/>
@@ -15793,8 +15792,13 @@
           <a:p>
             <a:r>
               <a:rPr lang="en-US" sz="2352" dirty="0"/>
-              <a:t>GET http://&lt;onedrive&gt;/_api/Files</a:t>
-            </a:r>
+              <a:t>GET http://&lt;onedrive&gt;/_</a:t>
+            </a:r>
+            <a:r>
+              <a:rPr lang="en-US" sz="2352" dirty="0" smtClean="0"/>
+              <a:t>api/v1.0/files</a:t>
+            </a:r>
+            <a:endParaRPr lang="en-US" sz="2352" dirty="0"/>
           </a:p>
           <a:p>
             <a:endParaRPr lang="en-US" sz="1960" dirty="0"/>
@@ -15808,7 +15812,15 @@
           <a:p>
             <a:r>
               <a:rPr lang="en-US" sz="2352" dirty="0"/>
-              <a:t>GET http://&lt;onedrive&gt;/_api/Files('folder')</a:t>
+              <a:t>GET http://&lt;onedrive&gt;/_</a:t>
+            </a:r>
+            <a:r>
+              <a:rPr lang="en-US" sz="2352" dirty="0" smtClean="0"/>
+              <a:t>api/v1.0/getByPath(</a:t>
+            </a:r>
+            <a:r>
+              <a:rPr lang="en-US" sz="2352" dirty="0"/>
+              <a:t>'folder')</a:t>
             </a:r>
           </a:p>
           <a:p>
@@ -15823,7 +15835,15 @@
           <a:p>
             <a:r>
               <a:rPr lang="en-US" sz="2352" dirty="0"/>
-              <a:t>GET http://&lt;onedrive&gt;/_api/Files('folder')/Children</a:t>
+              <a:t>GET http://&lt;onedrive&gt;/_</a:t>
+            </a:r>
+            <a:r>
+              <a:rPr lang="en-US" sz="2352" dirty="0" smtClean="0"/>
+              <a:t>api/v1.0/getByPath(</a:t>
+            </a:r>
+            <a:r>
+              <a:rPr lang="en-US" sz="2352" dirty="0"/>
+              <a:t>'folder')/Children</a:t>
             </a:r>
           </a:p>
           <a:p>
@@ -15838,7 +15858,23 @@
           <a:p>
             <a:r>
               <a:rPr lang="en-US" sz="2352" dirty="0"/>
-              <a:t>GET http://&lt;onedrive&gt;/_api/Files('folder/filename.docx')</a:t>
+              <a:t>GET http://&lt;onedrive&gt;/_</a:t>
+            </a:r>
+            <a:r>
+              <a:rPr lang="en-US" sz="2352" dirty="0" smtClean="0"/>
+              <a:t>api/v1.0/files</a:t>
+            </a:r>
+            <a:r>
+              <a:rPr lang="en-US" sz="2352" dirty="0"/>
+              <a:t>(</a:t>
+            </a:r>
+            <a:r>
+              <a:rPr lang="en-US" sz="2352" dirty="0" smtClean="0"/>
+              <a:t>'filename.docx</a:t>
+            </a:r>
+            <a:r>
+              <a:rPr lang="en-US" sz="2352" dirty="0"/>
+              <a:t>')</a:t>
             </a:r>
           </a:p>
           <a:p>
@@ -15853,8 +15889,17 @@
           <a:p>
             <a:r>
               <a:rPr lang="en-US" sz="2352" dirty="0"/>
-              <a:t>GET http://&lt;onedrive&gt;/_api/Files('folder/filename.docx')/download</a:t>
-            </a:r>
+              <a:t>GET http://&lt;onedrive&gt;/_</a:t>
+            </a:r>
+            <a:r>
+              <a:rPr lang="en-US" sz="2352" dirty="0" smtClean="0"/>
+              <a:t>api/v1.0/files('filename.docx')/</a:t>
+            </a:r>
+            <a:r>
+              <a:rPr lang="en-US" sz="2352" dirty="0" smtClean="0"/>
+              <a:t>content</a:t>
+            </a:r>
+            <a:endParaRPr lang="en-US" sz="2352" dirty="0"/>
           </a:p>
           <a:p>
             <a:endParaRPr lang="en-US" sz="2352" dirty="0"/>
@@ -15961,24 +16006,33 @@
           <a:p>
             <a:r>
               <a:rPr lang="en-US" sz="2352" dirty="0"/>
-              <a:t>POST /_api/Files/Add(name='folder/filename.</a:t>
-            </a:r>
-            <a:r>
-              <a:rPr lang="en-US" sz="2352" dirty="0" err="1"/>
-              <a:t>docx</a:t>
+              <a:t>POST /_</a:t>
+            </a:r>
+            <a:r>
+              <a:rPr lang="en-US" sz="2352" dirty="0" err="1" smtClean="0"/>
+              <a:t>api</a:t>
+            </a:r>
+            <a:r>
+              <a:rPr lang="en-US" sz="2352" dirty="0" smtClean="0"/>
+              <a:t>/v1.0/files/('folder')/</a:t>
             </a:r>
             <a:r>
               <a:rPr lang="en-US" sz="2352" dirty="0"/>
-              <a:t>',overwrite=&lt;</a:t>
-            </a:r>
-            <a:r>
-              <a:rPr lang="en-US" sz="2352" dirty="0" err="1"/>
-              <a:t>bool</a:t>
+              <a:t>children</a:t>
+            </a:r>
+            <a:r>
+              <a:rPr lang="en-US" sz="2352" dirty="0" smtClean="0"/>
+              <a:t>/(</a:t>
             </a:r>
             <a:r>
               <a:rPr lang="en-US" sz="2352" dirty="0"/>
-              <a:t>&gt;)</a:t>
-            </a:r>
+              <a:t>'</a:t>
+            </a:r>
+            <a:r>
+              <a:rPr lang="en-US" sz="2352" dirty="0" smtClean="0"/>
+              <a:t>file.txt')/content</a:t>
+            </a:r>
+            <a:endParaRPr lang="en-US" sz="2352" dirty="0"/>
           </a:p>
           <a:p>
             <a:endParaRPr lang="en-US" sz="1960" dirty="0"/>
@@ -15992,7 +16046,19 @@
           <a:p>
             <a:r>
               <a:rPr lang="en-US" sz="2352" dirty="0"/>
-              <a:t>DELETE /_api/Files('folder/filename.docx')</a:t>
+              <a:t>DELETE /_</a:t>
+            </a:r>
+            <a:r>
+              <a:rPr lang="en-US" sz="2352" dirty="0" err="1" smtClean="0"/>
+              <a:t>api</a:t>
+            </a:r>
+            <a:r>
+              <a:rPr lang="en-US" sz="2352" dirty="0" smtClean="0"/>
+              <a:t>/v1.0/files</a:t>
+            </a:r>
+            <a:r>
+              <a:rPr lang="en-US" sz="2352" dirty="0"/>
+              <a:t>('folder/filename.docx')</a:t>
             </a:r>
           </a:p>
           <a:p>
@@ -16001,7 +16067,7 @@
           <a:p>
             <a:r>
               <a:rPr lang="en-US" sz="2352" dirty="0"/>
-              <a:t>Get metadata for a folder and its children</a:t>
+              <a:t>Get on selected metadata fields back for first 5 files in OneDrive</a:t>
             </a:r>
           </a:p>
           <a:p>
@@ -16010,27 +16076,16 @@
               <a:t>GET /_</a:t>
             </a:r>
             <a:r>
-              <a:rPr lang="en-US" sz="2352" dirty="0" err="1"/>
+              <a:rPr lang="en-US" sz="2352" dirty="0" err="1" smtClean="0"/>
               <a:t>api</a:t>
             </a:r>
             <a:r>
+              <a:rPr lang="en-US" sz="2352" dirty="0" smtClean="0"/>
+              <a:t>/v1.0/files/?$</a:t>
+            </a:r>
+            <a:r>
               <a:rPr lang="en-US" sz="2352" dirty="0"/>
-              <a:t>/Files('folder')?$expand=Children</a:t>
-            </a:r>
-          </a:p>
-          <a:p>
-            <a:endParaRPr lang="en-US" sz="1960" dirty="0"/>
-          </a:p>
-          <a:p>
-            <a:r>
-              <a:rPr lang="en-US" sz="2352" dirty="0"/>
-              <a:t>Get on selected metadata fields back for first 5 files in OneDrive</a:t>
-            </a:r>
-          </a:p>
-          <a:p>
-            <a:r>
-              <a:rPr lang="en-US" sz="2352" dirty="0"/>
-              <a:t>GET /_api/Files?$select=</a:t>
+              <a:t>select=</a:t>
             </a:r>
             <a:r>
               <a:rPr lang="en-US" sz="2352" dirty="0" err="1"/>
@@ -17299,7 +17354,7 @@
                 <a:gridCol w="5760278">
                   <a:extLst>
                     <a:ext uri="{9D8B030D-6E8A-4147-A177-3AD203B41FA5}">
-                      <a16:colId xmlns:a16="http://schemas.microsoft.com/office/drawing/2014/main" xmlns="" val="1253488153"/>
+                      <a16:colId xmlns="" xmlns:a16="http://schemas.microsoft.com/office/drawing/2014/main" val="1253488153"/>
                     </a:ext>
                   </a:extLst>
                 </a:gridCol>
@@ -17325,7 +17380,7 @@
                 </a:tc>
                 <a:extLst>
                   <a:ext uri="{0D108BD9-81ED-4DB2-BD59-A6C34878D82A}">
-                    <a16:rowId xmlns:a16="http://schemas.microsoft.com/office/drawing/2014/main" xmlns="" val="829859176"/>
+                    <a16:rowId xmlns="" xmlns:a16="http://schemas.microsoft.com/office/drawing/2014/main" val="829859176"/>
                   </a:ext>
                 </a:extLst>
               </a:tr>
@@ -17350,7 +17405,7 @@
                 </a:tc>
                 <a:extLst>
                   <a:ext uri="{0D108BD9-81ED-4DB2-BD59-A6C34878D82A}">
-                    <a16:rowId xmlns:a16="http://schemas.microsoft.com/office/drawing/2014/main" xmlns="" val="1946132611"/>
+                    <a16:rowId xmlns="" xmlns:a16="http://schemas.microsoft.com/office/drawing/2014/main" val="1946132611"/>
                   </a:ext>
                 </a:extLst>
               </a:tr>
@@ -17392,7 +17447,7 @@
                 </a:tc>
                 <a:extLst>
                   <a:ext uri="{0D108BD9-81ED-4DB2-BD59-A6C34878D82A}">
-                    <a16:rowId xmlns:a16="http://schemas.microsoft.com/office/drawing/2014/main" xmlns="" val="3204002662"/>
+                    <a16:rowId xmlns="" xmlns:a16="http://schemas.microsoft.com/office/drawing/2014/main" val="3204002662"/>
                   </a:ext>
                 </a:extLst>
               </a:tr>
@@ -17429,7 +17484,7 @@
                 </a:tc>
                 <a:extLst>
                   <a:ext uri="{0D108BD9-81ED-4DB2-BD59-A6C34878D82A}">
-                    <a16:rowId xmlns:a16="http://schemas.microsoft.com/office/drawing/2014/main" xmlns="" val="3774542436"/>
+                    <a16:rowId xmlns="" xmlns:a16="http://schemas.microsoft.com/office/drawing/2014/main" val="3774542436"/>
                   </a:ext>
                 </a:extLst>
               </a:tr>
@@ -17481,7 +17536,7 @@
                 </a:tc>
                 <a:extLst>
                   <a:ext uri="{0D108BD9-81ED-4DB2-BD59-A6C34878D82A}">
-                    <a16:rowId xmlns:a16="http://schemas.microsoft.com/office/drawing/2014/main" xmlns="" val="4266278162"/>
+                    <a16:rowId xmlns="" xmlns:a16="http://schemas.microsoft.com/office/drawing/2014/main" val="4266278162"/>
                   </a:ext>
                 </a:extLst>
               </a:tr>
@@ -17518,7 +17573,7 @@
                 </a:tc>
                 <a:extLst>
                   <a:ext uri="{0D108BD9-81ED-4DB2-BD59-A6C34878D82A}">
-                    <a16:rowId xmlns:a16="http://schemas.microsoft.com/office/drawing/2014/main" xmlns="" val="1208832343"/>
+                    <a16:rowId xmlns="" xmlns:a16="http://schemas.microsoft.com/office/drawing/2014/main" val="1208832343"/>
                   </a:ext>
                 </a:extLst>
               </a:tr>
@@ -18161,28 +18216,22 @@
       </p:sp>
       <p:pic>
         <p:nvPicPr>
-          <p:cNvPr id="6" name="Picture 5"/>
+          <p:cNvPr id="5" name="Picture 4"/>
           <p:cNvPicPr>
             <a:picLocks noChangeAspect="1"/>
           </p:cNvPicPr>
           <p:nvPr/>
         </p:nvPicPr>
         <p:blipFill>
-          <a:blip r:embed="rId3">
-            <a:extLst>
-              <a:ext uri="{28A0092B-C50C-407E-A947-70E740481C1C}">
-                <a14:useLocalDpi xmlns:a14="http://schemas.microsoft.com/office/drawing/2010/main" val="0"/>
-              </a:ext>
-            </a:extLst>
-          </a:blip>
+          <a:blip r:embed="rId3"/>
           <a:stretch>
             <a:fillRect/>
           </a:stretch>
         </p:blipFill>
         <p:spPr>
           <a:xfrm>
-            <a:off x="915657" y="3130267"/>
-            <a:ext cx="9214840" cy="2707825"/>
+            <a:off x="1581578" y="3014505"/>
+            <a:ext cx="9025668" cy="2953158"/>
           </a:xfrm>
           <a:prstGeom prst="rect">
             <a:avLst/>
@@ -18300,28 +18349,22 @@
       </p:sp>
       <p:pic>
         <p:nvPicPr>
-          <p:cNvPr id="5" name="Picture 4"/>
+          <p:cNvPr id="6" name="Picture 5"/>
           <p:cNvPicPr>
             <a:picLocks noChangeAspect="1"/>
           </p:cNvPicPr>
           <p:nvPr/>
         </p:nvPicPr>
         <p:blipFill>
-          <a:blip r:embed="rId3">
-            <a:extLst>
-              <a:ext uri="{28A0092B-C50C-407E-A947-70E740481C1C}">
-                <a14:useLocalDpi xmlns:a14="http://schemas.microsoft.com/office/drawing/2010/main" val="0"/>
-              </a:ext>
-            </a:extLst>
-          </a:blip>
+          <a:blip r:embed="rId3"/>
           <a:stretch>
             <a:fillRect/>
           </a:stretch>
         </p:blipFill>
         <p:spPr>
           <a:xfrm>
-            <a:off x="950758" y="2977179"/>
-            <a:ext cx="8965228" cy="3122170"/>
+            <a:off x="1645459" y="3151656"/>
+            <a:ext cx="8897907" cy="2864133"/>
           </a:xfrm>
           <a:prstGeom prst="rect">
             <a:avLst/>
@@ -18437,28 +18480,22 @@
       </p:sp>
       <p:pic>
         <p:nvPicPr>
-          <p:cNvPr id="6" name="Picture 5"/>
+          <p:cNvPr id="5" name="Picture 4"/>
           <p:cNvPicPr>
             <a:picLocks noChangeAspect="1"/>
           </p:cNvPicPr>
           <p:nvPr/>
         </p:nvPicPr>
         <p:blipFill>
-          <a:blip r:embed="rId3">
-            <a:extLst>
-              <a:ext uri="{28A0092B-C50C-407E-A947-70E740481C1C}">
-                <a14:useLocalDpi xmlns:a14="http://schemas.microsoft.com/office/drawing/2010/main" val="0"/>
-              </a:ext>
-            </a:extLst>
-          </a:blip>
+          <a:blip r:embed="rId3"/>
           <a:stretch>
             <a:fillRect/>
           </a:stretch>
         </p:blipFill>
         <p:spPr>
           <a:xfrm>
-            <a:off x="1081386" y="2536260"/>
-            <a:ext cx="10067144" cy="2719028"/>
+            <a:off x="750491" y="2428999"/>
+            <a:ext cx="10687842" cy="3201779"/>
           </a:xfrm>
           <a:prstGeom prst="rect">
             <a:avLst/>
@@ -29860,7 +29897,7 @@
                 <a:gridCol w="11225057">
                   <a:extLst>
                     <a:ext uri="{9D8B030D-6E8A-4147-A177-3AD203B41FA5}">
-                      <a16:colId xmlns:a16="http://schemas.microsoft.com/office/drawing/2014/main" xmlns="" val="1253488153"/>
+                      <a16:colId xmlns="" xmlns:a16="http://schemas.microsoft.com/office/drawing/2014/main" val="1253488153"/>
                     </a:ext>
                   </a:extLst>
                 </a:gridCol>
@@ -29882,7 +29919,7 @@
                 </a:tc>
                 <a:extLst>
                   <a:ext uri="{0D108BD9-81ED-4DB2-BD59-A6C34878D82A}">
-                    <a16:rowId xmlns:a16="http://schemas.microsoft.com/office/drawing/2014/main" xmlns="" val="829859176"/>
+                    <a16:rowId xmlns="" xmlns:a16="http://schemas.microsoft.com/office/drawing/2014/main" val="829859176"/>
                   </a:ext>
                 </a:extLst>
               </a:tr>
@@ -29903,7 +29940,7 @@
                 </a:tc>
                 <a:extLst>
                   <a:ext uri="{0D108BD9-81ED-4DB2-BD59-A6C34878D82A}">
-                    <a16:rowId xmlns:a16="http://schemas.microsoft.com/office/drawing/2014/main" xmlns="" val="1946132611"/>
+                    <a16:rowId xmlns="" xmlns:a16="http://schemas.microsoft.com/office/drawing/2014/main" val="1946132611"/>
                   </a:ext>
                 </a:extLst>
               </a:tr>
@@ -29945,7 +29982,7 @@
                 </a:tc>
                 <a:extLst>
                   <a:ext uri="{0D108BD9-81ED-4DB2-BD59-A6C34878D82A}">
-                    <a16:rowId xmlns:a16="http://schemas.microsoft.com/office/drawing/2014/main" xmlns="" val="3204002662"/>
+                    <a16:rowId xmlns="" xmlns:a16="http://schemas.microsoft.com/office/drawing/2014/main" val="3204002662"/>
                   </a:ext>
                 </a:extLst>
               </a:tr>
@@ -29982,7 +30019,7 @@
                 </a:tc>
                 <a:extLst>
                   <a:ext uri="{0D108BD9-81ED-4DB2-BD59-A6C34878D82A}">
-                    <a16:rowId xmlns:a16="http://schemas.microsoft.com/office/drawing/2014/main" xmlns="" val="4266278162"/>
+                    <a16:rowId xmlns="" xmlns:a16="http://schemas.microsoft.com/office/drawing/2014/main" val="4266278162"/>
                   </a:ext>
                 </a:extLst>
               </a:tr>
@@ -30020,7 +30057,7 @@
                 </a:tc>
                 <a:extLst>
                   <a:ext uri="{0D108BD9-81ED-4DB2-BD59-A6C34878D82A}">
-                    <a16:rowId xmlns:a16="http://schemas.microsoft.com/office/drawing/2014/main" xmlns="" val="2405060554"/>
+                    <a16:rowId xmlns="" xmlns:a16="http://schemas.microsoft.com/office/drawing/2014/main" val="2405060554"/>
                   </a:ext>
                 </a:extLst>
               </a:tr>
@@ -30065,7 +30102,7 @@
                 </a:tc>
                 <a:extLst>
                   <a:ext uri="{0D108BD9-81ED-4DB2-BD59-A6C34878D82A}">
-                    <a16:rowId xmlns:a16="http://schemas.microsoft.com/office/drawing/2014/main" xmlns="" val="3069023435"/>
+                    <a16:rowId xmlns="" xmlns:a16="http://schemas.microsoft.com/office/drawing/2014/main" val="3069023435"/>
                   </a:ext>
                 </a:extLst>
               </a:tr>
@@ -30102,7 +30139,7 @@
                 </a:tc>
                 <a:extLst>
                   <a:ext uri="{0D108BD9-81ED-4DB2-BD59-A6C34878D82A}">
-                    <a16:rowId xmlns:a16="http://schemas.microsoft.com/office/drawing/2014/main" xmlns="" val="2293274207"/>
+                    <a16:rowId xmlns="" xmlns:a16="http://schemas.microsoft.com/office/drawing/2014/main" val="2293274207"/>
                   </a:ext>
                 </a:extLst>
               </a:tr>
@@ -30139,7 +30176,7 @@
                 </a:tc>
                 <a:extLst>
                   <a:ext uri="{0D108BD9-81ED-4DB2-BD59-A6C34878D82A}">
-                    <a16:rowId xmlns:a16="http://schemas.microsoft.com/office/drawing/2014/main" xmlns="" val="4198435309"/>
+                    <a16:rowId xmlns="" xmlns:a16="http://schemas.microsoft.com/office/drawing/2014/main" val="4198435309"/>
                   </a:ext>
                 </a:extLst>
               </a:tr>
@@ -32255,6 +32292,15 @@
 </file>
 
 <file path=customXml/item1.xml><?xml version="1.0" encoding="utf-8"?>
+<?mso-contentType ?>
+<FormTemplates xmlns="http://schemas.microsoft.com/sharepoint/v3/contenttype/forms">
+  <Display>DocumentLibraryForm</Display>
+  <Edit>DocumentLibraryForm</Edit>
+  <New>DocumentLibraryForm</New>
+</FormTemplates>
+</file>
+
+<file path=customXml/item2.xml><?xml version="1.0" encoding="utf-8"?>
 <ct:contentTypeSchema xmlns:ct="http://schemas.microsoft.com/office/2006/metadata/contentType" xmlns:ma="http://schemas.microsoft.com/office/2006/metadata/properties/metaAttributes" ct:_="" ma:_="" ma:contentTypeName="Document" ma:contentTypeID="0x010100A2E4C90AA7333249A7DBC8CC6F49919B" ma:contentTypeVersion="1" ma:contentTypeDescription="Create a new document." ma:contentTypeScope="" ma:versionID="e7b09f0f38d7ed30c7da14951e97abcc">
   <xsd:schema xmlns:xsd="http://www.w3.org/2001/XMLSchema" xmlns:xs="http://www.w3.org/2001/XMLSchema" xmlns:p="http://schemas.microsoft.com/office/2006/metadata/properties" xmlns:ns2="5fad15d0-477e-40da-a20d-40d4ca777cbd" targetNamespace="http://schemas.microsoft.com/office/2006/metadata/properties" ma:root="true" ma:fieldsID="0cee24db179c30c5ebec40b677cadf70" ns2:_="">
     <xsd:import namespace="5fad15d0-477e-40da-a20d-40d4ca777cbd"/>
@@ -32394,15 +32440,6 @@
 </ct:contentTypeSchema>
 </file>
 
-<file path=customXml/item2.xml><?xml version="1.0" encoding="utf-8"?>
-<?mso-contentType ?>
-<FormTemplates xmlns="http://schemas.microsoft.com/sharepoint/v3/contenttype/forms">
-  <Display>DocumentLibraryForm</Display>
-  <Edit>DocumentLibraryForm</Edit>
-  <New>DocumentLibraryForm</New>
-</FormTemplates>
-</file>
-
 <file path=customXml/item3.xml><?xml version="1.0" encoding="utf-8"?>
 <p:properties xmlns:p="http://schemas.microsoft.com/office/2006/metadata/properties" xmlns:xsi="http://www.w3.org/2001/XMLSchema-instance" xmlns:pc="http://schemas.microsoft.com/office/infopath/2007/PartnerControls">
   <documentManagement/>
@@ -32410,6 +32447,14 @@
 </file>
 
 <file path=customXml/itemProps1.xml><?xml version="1.0" encoding="utf-8"?>
+<ds:datastoreItem xmlns:ds="http://schemas.openxmlformats.org/officeDocument/2006/customXml" ds:itemID="{E1E0CE18-CA03-4891-9CD8-3448778E3D53}">
+  <ds:schemaRefs>
+    <ds:schemaRef ds:uri="http://schemas.microsoft.com/sharepoint/v3/contenttype/forms"/>
+  </ds:schemaRefs>
+</ds:datastoreItem>
+</file>
+
+<file path=customXml/itemProps2.xml><?xml version="1.0" encoding="utf-8"?>
 <ds:datastoreItem xmlns:ds="http://schemas.openxmlformats.org/officeDocument/2006/customXml" ds:itemID="{F17DCE38-6787-497B-B958-75817420EB1E}">
   <ds:schemaRefs>
     <ds:schemaRef ds:uri="http://schemas.microsoft.com/office/2006/metadata/contentType"/>
@@ -32423,14 +32468,6 @@
     <ds:schemaRef ds:uri="http://purl.org/dc/elements/1.1/"/>
     <ds:schemaRef ds:uri="http://purl.org/dc/terms/"/>
     <ds:schemaRef ds:uri="http://schemas.microsoft.com/internal/obd"/>
-  </ds:schemaRefs>
-</ds:datastoreItem>
-</file>
-
-<file path=customXml/itemProps2.xml><?xml version="1.0" encoding="utf-8"?>
-<ds:datastoreItem xmlns:ds="http://schemas.openxmlformats.org/officeDocument/2006/customXml" ds:itemID="{E1E0CE18-CA03-4891-9CD8-3448778E3D53}">
-  <ds:schemaRefs>
-    <ds:schemaRef ds:uri="http://schemas.microsoft.com/sharepoint/v3/contenttype/forms"/>
   </ds:schemaRefs>
 </ds:datastoreItem>
 </file>
